--- a/presi/2018.04.05.pptx
+++ b/presi/2018.04.05.pptx
@@ -111,6 +111,14 @@
       </a:defRPr>
     </a:lvl9pPr>
   </p:defaultTextStyle>
+  <p:extLst>
+    <p:ext uri="{EFAFB233-063F-42B5-8137-9DF3F51BA10A}">
+      <p15:sldGuideLst xmlns:p15="http://schemas.microsoft.com/office/powerpoint/2012/main"/>
+    </p:ext>
+    <p:ext uri="{2D200454-40CA-4A62-9FC3-DE9A4176ACB9}">
+      <p15:notesGuideLst xmlns:p15="http://schemas.microsoft.com/office/powerpoint/2012/main"/>
+    </p:ext>
+  </p:extLst>
 </p:presentation>
 </file>
 
@@ -208,7 +216,7 @@
           <a:p>
             <a:fld id="{645B675C-7B5D-4234-A74C-2149814839ED}" type="datetimeFigureOut">
               <a:rPr lang="en-US" smtClean="0"/>
-              <a:t>4/4/2019</a:t>
+              <a:t>4/5/2019</a:t>
             </a:fld>
             <a:endParaRPr lang="en-US"/>
           </a:p>
@@ -385,7 +393,7 @@
           <a:p>
             <a:fld id="{FACF1C64-970C-41F0-A732-ACE7B2634E71}" type="datetimeFigureOut">
               <a:rPr lang="en-US" smtClean="0"/>
-              <a:t>4/4/2019</a:t>
+              <a:t>4/5/2019</a:t>
             </a:fld>
             <a:endParaRPr lang="en-US"/>
           </a:p>
@@ -4377,7 +4385,12 @@
             <p:ph type="title"/>
           </p:nvPr>
         </p:nvSpPr>
-        <p:spPr/>
+        <p:spPr>
+          <a:xfrm>
+            <a:off x="838200" y="365126"/>
+            <a:ext cx="10515600" cy="1177267"/>
+          </a:xfrm>
+        </p:spPr>
         <p:txBody>
           <a:bodyPr/>
           <a:lstStyle/>
@@ -4434,7 +4447,12 @@
             <p:ph type="dt" sz="half" idx="10"/>
           </p:nvPr>
         </p:nvSpPr>
-        <p:spPr/>
+        <p:spPr>
+          <a:xfrm>
+            <a:off x="838200" y="6438953"/>
+            <a:ext cx="2743200" cy="365125"/>
+          </a:xfrm>
+        </p:spPr>
         <p:txBody>
           <a:bodyPr/>
           <a:lstStyle/>
@@ -4463,7 +4481,12 @@
             <p:ph type="ftr" sz="quarter" idx="11"/>
           </p:nvPr>
         </p:nvSpPr>
-        <p:spPr/>
+        <p:spPr>
+          <a:xfrm>
+            <a:off x="4038600" y="6438953"/>
+            <a:ext cx="4114800" cy="365125"/>
+          </a:xfrm>
+        </p:spPr>
         <p:txBody>
           <a:bodyPr/>
           <a:lstStyle/>
@@ -4492,7 +4515,12 @@
             <p:ph type="sldNum" sz="quarter" idx="12"/>
           </p:nvPr>
         </p:nvSpPr>
-        <p:spPr/>
+        <p:spPr>
+          <a:xfrm>
+            <a:off x="8610600" y="6438953"/>
+            <a:ext cx="2743200" cy="365125"/>
+          </a:xfrm>
+        </p:spPr>
         <p:txBody>
           <a:bodyPr/>
           <a:lstStyle/>
@@ -4506,6 +4534,36 @@
           </a:p>
         </p:txBody>
       </p:sp>
+      <p:pic>
+        <p:nvPicPr>
+          <p:cNvPr id="4" name="Picture 3">
+            <a:extLst>
+              <a:ext uri="{FF2B5EF4-FFF2-40B4-BE49-F238E27FC236}">
+                <a16:creationId xmlns:a16="http://schemas.microsoft.com/office/drawing/2014/main" id="{C3D4A792-E8F1-4CA7-B9A4-AF90311570D6}"/>
+              </a:ext>
+            </a:extLst>
+          </p:cNvPr>
+          <p:cNvPicPr>
+            <a:picLocks noChangeAspect="1"/>
+          </p:cNvPicPr>
+          <p:nvPr/>
+        </p:nvPicPr>
+        <p:blipFill>
+          <a:blip r:embed="rId3"/>
+          <a:stretch>
+            <a:fillRect/>
+          </a:stretch>
+        </p:blipFill>
+        <p:spPr>
+          <a:xfrm>
+            <a:off x="5843587" y="1968090"/>
+            <a:ext cx="4619625" cy="3295650"/>
+          </a:xfrm>
+          <a:prstGeom prst="rect">
+            <a:avLst/>
+          </a:prstGeom>
+        </p:spPr>
+      </p:pic>
     </p:spTree>
     <p:extLst>
       <p:ext uri="{BB962C8B-B14F-4D97-AF65-F5344CB8AC3E}">

--- a/presi/2018.04.05.pptx
+++ b/presi/2018.04.05.pptx
@@ -4423,8 +4423,8 @@
         </p:blipFill>
         <p:spPr>
           <a:xfrm>
-            <a:off x="838200" y="1968090"/>
-            <a:ext cx="4686300" cy="3400425"/>
+            <a:off x="1262744" y="2078231"/>
+            <a:ext cx="3088741" cy="2241221"/>
           </a:xfrm>
           <a:prstGeom prst="rect">
             <a:avLst/>
@@ -4556,8 +4556,8 @@
         </p:blipFill>
         <p:spPr>
           <a:xfrm>
-            <a:off x="5843587" y="1968090"/>
-            <a:ext cx="4619625" cy="3295650"/>
+            <a:off x="4676638" y="2078231"/>
+            <a:ext cx="3088742" cy="2203515"/>
           </a:xfrm>
           <a:prstGeom prst="rect">
             <a:avLst/>

--- a/presi/2018.04.05.pptx
+++ b/presi/2018.04.05.pptx
@@ -5,14 +5,19 @@
     <p:sldMasterId id="2147483648" r:id="rId1"/>
   </p:sldMasterIdLst>
   <p:notesMasterIdLst>
-    <p:notesMasterId r:id="rId4"/>
+    <p:notesMasterId r:id="rId9"/>
   </p:notesMasterIdLst>
   <p:handoutMasterIdLst>
-    <p:handoutMasterId r:id="rId5"/>
+    <p:handoutMasterId r:id="rId10"/>
   </p:handoutMasterIdLst>
   <p:sldIdLst>
     <p:sldId id="258" r:id="rId2"/>
-    <p:sldId id="257" r:id="rId3"/>
+    <p:sldId id="259" r:id="rId3"/>
+    <p:sldId id="260" r:id="rId4"/>
+    <p:sldId id="261" r:id="rId5"/>
+    <p:sldId id="257" r:id="rId6"/>
+    <p:sldId id="262" r:id="rId7"/>
+    <p:sldId id="263" r:id="rId8"/>
   </p:sldIdLst>
   <p:sldSz cx="12192000" cy="6858000"/>
   <p:notesSz cx="6858000" cy="9144000"/>
@@ -122,6 +127,1080 @@
 </p:presentation>
 </file>
 
+<file path=ppt/charts/chart1.xml><?xml version="1.0" encoding="utf-8"?>
+<c:chartSpace xmlns:c="http://schemas.openxmlformats.org/drawingml/2006/chart" xmlns:a="http://schemas.openxmlformats.org/drawingml/2006/main" xmlns:r="http://schemas.openxmlformats.org/officeDocument/2006/relationships" xmlns:c16r2="http://schemas.microsoft.com/office/drawing/2015/06/chart">
+  <c:date1904 val="0"/>
+  <c:lang val="en-US"/>
+  <c:roundedCorners val="0"/>
+  <mc:AlternateContent xmlns:mc="http://schemas.openxmlformats.org/markup-compatibility/2006">
+    <mc:Choice xmlns:c14="http://schemas.microsoft.com/office/drawing/2007/8/2/chart" Requires="c14">
+      <c14:style val="102"/>
+    </mc:Choice>
+    <mc:Fallback>
+      <c:style val="2"/>
+    </mc:Fallback>
+  </mc:AlternateContent>
+  <c:chart>
+    <c:autoTitleDeleted val="1"/>
+    <c:plotArea>
+      <c:layout/>
+      <c:pieChart>
+        <c:varyColors val="1"/>
+        <c:ser>
+          <c:idx val="0"/>
+          <c:order val="0"/>
+          <c:tx>
+            <c:strRef>
+              <c:f>Sheet1!$B$1</c:f>
+              <c:strCache>
+                <c:ptCount val="1"/>
+                <c:pt idx="0">
+                  <c:v>Percentage</c:v>
+                </c:pt>
+              </c:strCache>
+            </c:strRef>
+          </c:tx>
+          <c:explosion val="1"/>
+          <c:dPt>
+            <c:idx val="0"/>
+            <c:bubble3D val="0"/>
+            <c:spPr>
+              <a:solidFill>
+                <a:srgbClr val="92D050"/>
+              </a:solidFill>
+              <a:ln>
+                <a:noFill/>
+              </a:ln>
+              <a:effectLst>
+                <a:outerShdw blurRad="254000" sx="102000" sy="102000" algn="ctr" rotWithShape="0">
+                  <a:prstClr val="black">
+                    <a:alpha val="20000"/>
+                  </a:prstClr>
+                </a:outerShdw>
+              </a:effectLst>
+            </c:spPr>
+            <c:extLst>
+              <c:ext xmlns:c16="http://schemas.microsoft.com/office/drawing/2014/chart" uri="{C3380CC4-5D6E-409C-BE32-E72D297353CC}">
+                <c16:uniqueId val="{00000001-F9C2-41B1-8785-9B709ED55038}"/>
+              </c:ext>
+            </c:extLst>
+          </c:dPt>
+          <c:dPt>
+            <c:idx val="1"/>
+            <c:bubble3D val="0"/>
+            <c:spPr>
+              <a:solidFill>
+                <a:srgbClr val="FF4B4B"/>
+              </a:solidFill>
+              <a:ln>
+                <a:noFill/>
+              </a:ln>
+              <a:effectLst>
+                <a:outerShdw blurRad="254000" sx="102000" sy="102000" algn="ctr" rotWithShape="0">
+                  <a:prstClr val="black">
+                    <a:alpha val="20000"/>
+                  </a:prstClr>
+                </a:outerShdw>
+              </a:effectLst>
+            </c:spPr>
+            <c:extLst>
+              <c:ext xmlns:c16="http://schemas.microsoft.com/office/drawing/2014/chart" uri="{C3380CC4-5D6E-409C-BE32-E72D297353CC}">
+                <c16:uniqueId val="{00000002-F9C2-41B1-8785-9B709ED55038}"/>
+              </c:ext>
+            </c:extLst>
+          </c:dPt>
+          <c:dLbls>
+            <c:dLbl>
+              <c:idx val="0"/>
+              <c:layout>
+                <c:manualLayout>
+                  <c:x val="-0.26112670286131473"/>
+                  <c:y val="-0.22852664690786614"/>
+                </c:manualLayout>
+              </c:layout>
+              <c:tx>
+                <c:rich>
+                  <a:bodyPr rot="0" spcFirstLastPara="1" vertOverflow="ellipsis" vert="horz" wrap="square" lIns="38100" tIns="19050" rIns="38100" bIns="19050" anchor="ctr" anchorCtr="1">
+                    <a:noAutofit/>
+                  </a:bodyPr>
+                  <a:lstStyle/>
+                  <a:p>
+                    <a:pPr>
+                      <a:defRPr sz="1330" b="1" i="0" u="none" strike="noStrike" kern="1200" baseline="0">
+                        <a:solidFill>
+                          <a:schemeClr val="lt1"/>
+                        </a:solidFill>
+                        <a:latin typeface="+mn-lt"/>
+                        <a:ea typeface="+mn-ea"/>
+                        <a:cs typeface="+mn-cs"/>
+                      </a:defRPr>
+                    </a:pPr>
+                    <a:fld id="{E9E79E9F-CB6F-4A09-AE8C-4E287C03F393}" type="CATEGORYNAME">
+                      <a:rPr lang="en-US" smtClean="0"/>
+                      <a:pPr>
+                        <a:defRPr/>
+                      </a:pPr>
+                      <a:t>[CATEGORY NAME]</a:t>
+                    </a:fld>
+                    <a:r>
+                      <a:rPr lang="en-US" baseline="0" dirty="0"/>
+                      <a:t>
+</a:t>
+                    </a:r>
+                    <a:fld id="{2E4D5743-CDE6-4F4A-8FF6-AD0012A0A902}" type="PERCENTAGE">
+                      <a:rPr lang="en-US" baseline="0"/>
+                      <a:pPr>
+                        <a:defRPr/>
+                      </a:pPr>
+                      <a:t>[PERCENTAGE]</a:t>
+                    </a:fld>
+                    <a:endParaRPr lang="en-US" baseline="0" dirty="0"/>
+                  </a:p>
+                </c:rich>
+              </c:tx>
+              <c:spPr>
+                <a:pattFill prst="pct75">
+                  <a:fgClr>
+                    <a:schemeClr val="dk1">
+                      <a:lumMod val="75000"/>
+                      <a:lumOff val="25000"/>
+                    </a:schemeClr>
+                  </a:fgClr>
+                  <a:bgClr>
+                    <a:schemeClr val="dk1">
+                      <a:lumMod val="65000"/>
+                      <a:lumOff val="35000"/>
+                    </a:schemeClr>
+                  </a:bgClr>
+                </a:pattFill>
+                <a:ln>
+                  <a:noFill/>
+                </a:ln>
+                <a:effectLst>
+                  <a:outerShdw blurRad="50800" dist="38100" dir="2700000" algn="tl" rotWithShape="0">
+                    <a:prstClr val="black">
+                      <a:alpha val="40000"/>
+                    </a:prstClr>
+                  </a:outerShdw>
+                </a:effectLst>
+              </c:spPr>
+              <c:txPr>
+                <a:bodyPr rot="0" spcFirstLastPara="1" vertOverflow="ellipsis" vert="horz" wrap="square" lIns="38100" tIns="19050" rIns="38100" bIns="19050" anchor="ctr" anchorCtr="1">
+                  <a:noAutofit/>
+                </a:bodyPr>
+                <a:lstStyle/>
+                <a:p>
+                  <a:pPr>
+                    <a:defRPr sz="1330" b="1" i="0" u="none" strike="noStrike" kern="1200" baseline="0">
+                      <a:solidFill>
+                        <a:schemeClr val="lt1"/>
+                      </a:solidFill>
+                      <a:latin typeface="+mn-lt"/>
+                      <a:ea typeface="+mn-ea"/>
+                      <a:cs typeface="+mn-cs"/>
+                    </a:defRPr>
+                  </a:pPr>
+                  <a:endParaRPr lang="en-US"/>
+                </a:p>
+              </c:txPr>
+              <c:dLblPos val="bestFit"/>
+              <c:showLegendKey val="0"/>
+              <c:showVal val="1"/>
+              <c:showCatName val="1"/>
+              <c:showSerName val="0"/>
+              <c:showPercent val="1"/>
+              <c:showBubbleSize val="0"/>
+              <c:extLst>
+                <c:ext xmlns:c15="http://schemas.microsoft.com/office/drawing/2012/chart" uri="{CE6537A1-D6FC-4f65-9D91-7224C49458BB}">
+                  <c15:layout>
+                    <c:manualLayout>
+                      <c:w val="0.42513362898326423"/>
+                      <c:h val="0.22937850276989505"/>
+                    </c:manualLayout>
+                  </c15:layout>
+                  <c15:dlblFieldTable/>
+                  <c15:showDataLabelsRange val="0"/>
+                </c:ext>
+                <c:ext xmlns:c16="http://schemas.microsoft.com/office/drawing/2014/chart" uri="{C3380CC4-5D6E-409C-BE32-E72D297353CC}">
+                  <c16:uniqueId val="{00000001-F9C2-41B1-8785-9B709ED55038}"/>
+                </c:ext>
+              </c:extLst>
+            </c:dLbl>
+            <c:dLbl>
+              <c:idx val="1"/>
+              <c:layout>
+                <c:manualLayout>
+                  <c:x val="0.40260075353965791"/>
+                  <c:y val="0.16695566875028278"/>
+                </c:manualLayout>
+              </c:layout>
+              <c:spPr>
+                <a:pattFill prst="pct75">
+                  <a:fgClr>
+                    <a:schemeClr val="dk1">
+                      <a:lumMod val="75000"/>
+                      <a:lumOff val="25000"/>
+                    </a:schemeClr>
+                  </a:fgClr>
+                  <a:bgClr>
+                    <a:schemeClr val="dk1">
+                      <a:lumMod val="65000"/>
+                      <a:lumOff val="35000"/>
+                    </a:schemeClr>
+                  </a:bgClr>
+                </a:pattFill>
+                <a:ln>
+                  <a:noFill/>
+                </a:ln>
+                <a:effectLst>
+                  <a:outerShdw blurRad="50800" dist="38100" dir="2700000" algn="tl" rotWithShape="0">
+                    <a:prstClr val="black">
+                      <a:alpha val="40000"/>
+                    </a:prstClr>
+                  </a:outerShdw>
+                </a:effectLst>
+              </c:spPr>
+              <c:txPr>
+                <a:bodyPr rot="0" spcFirstLastPara="1" vertOverflow="ellipsis" vert="horz" wrap="square" lIns="38100" tIns="19050" rIns="38100" bIns="19050" anchor="ctr" anchorCtr="1">
+                  <a:noAutofit/>
+                </a:bodyPr>
+                <a:lstStyle/>
+                <a:p>
+                  <a:pPr>
+                    <a:defRPr sz="1330" b="1" i="0" u="none" strike="noStrike" kern="1200" baseline="0">
+                      <a:solidFill>
+                        <a:schemeClr val="lt1"/>
+                      </a:solidFill>
+                      <a:latin typeface="+mn-lt"/>
+                      <a:ea typeface="+mn-ea"/>
+                      <a:cs typeface="+mn-cs"/>
+                    </a:defRPr>
+                  </a:pPr>
+                  <a:endParaRPr lang="en-US"/>
+                </a:p>
+              </c:txPr>
+              <c:dLblPos val="bestFit"/>
+              <c:showLegendKey val="0"/>
+              <c:showVal val="0"/>
+              <c:showCatName val="1"/>
+              <c:showSerName val="0"/>
+              <c:showPercent val="1"/>
+              <c:showBubbleSize val="0"/>
+              <c:extLst>
+                <c:ext xmlns:c15="http://schemas.microsoft.com/office/drawing/2012/chart" uri="{CE6537A1-D6FC-4f65-9D91-7224C49458BB}">
+                  <c15:layout>
+                    <c:manualLayout>
+                      <c:w val="0.4640449182468997"/>
+                      <c:h val="0.28068781957220151"/>
+                    </c:manualLayout>
+                  </c15:layout>
+                </c:ext>
+                <c:ext xmlns:c16="http://schemas.microsoft.com/office/drawing/2014/chart" uri="{C3380CC4-5D6E-409C-BE32-E72D297353CC}">
+                  <c16:uniqueId val="{00000002-F9C2-41B1-8785-9B709ED55038}"/>
+                </c:ext>
+              </c:extLst>
+            </c:dLbl>
+            <c:spPr>
+              <a:pattFill prst="pct75">
+                <a:fgClr>
+                  <a:schemeClr val="dk1">
+                    <a:lumMod val="75000"/>
+                    <a:lumOff val="25000"/>
+                  </a:schemeClr>
+                </a:fgClr>
+                <a:bgClr>
+                  <a:schemeClr val="dk1">
+                    <a:lumMod val="65000"/>
+                    <a:lumOff val="35000"/>
+                  </a:schemeClr>
+                </a:bgClr>
+              </a:pattFill>
+              <a:ln>
+                <a:noFill/>
+              </a:ln>
+              <a:effectLst>
+                <a:outerShdw blurRad="50800" dist="38100" dir="2700000" algn="tl" rotWithShape="0">
+                  <a:prstClr val="black">
+                    <a:alpha val="40000"/>
+                  </a:prstClr>
+                </a:outerShdw>
+              </a:effectLst>
+            </c:spPr>
+            <c:txPr>
+              <a:bodyPr rot="0" spcFirstLastPara="1" vertOverflow="ellipsis" vert="horz" wrap="square" lIns="38100" tIns="19050" rIns="38100" bIns="19050" anchor="ctr" anchorCtr="1">
+                <a:spAutoFit/>
+              </a:bodyPr>
+              <a:lstStyle/>
+              <a:p>
+                <a:pPr>
+                  <a:defRPr sz="1330" b="1" i="0" u="none" strike="noStrike" kern="1200" baseline="0">
+                    <a:solidFill>
+                      <a:schemeClr val="lt1"/>
+                    </a:solidFill>
+                    <a:latin typeface="+mn-lt"/>
+                    <a:ea typeface="+mn-ea"/>
+                    <a:cs typeface="+mn-cs"/>
+                  </a:defRPr>
+                </a:pPr>
+                <a:endParaRPr lang="en-US"/>
+              </a:p>
+            </c:txPr>
+            <c:dLblPos val="ctr"/>
+            <c:showLegendKey val="0"/>
+            <c:showVal val="0"/>
+            <c:showCatName val="1"/>
+            <c:showSerName val="0"/>
+            <c:showPercent val="1"/>
+            <c:showBubbleSize val="0"/>
+            <c:showLeaderLines val="1"/>
+            <c:leaderLines>
+              <c:spPr>
+                <a:ln w="9525">
+                  <a:solidFill>
+                    <a:schemeClr val="dk1">
+                      <a:lumMod val="50000"/>
+                      <a:lumOff val="50000"/>
+                    </a:schemeClr>
+                  </a:solidFill>
+                </a:ln>
+                <a:effectLst/>
+              </c:spPr>
+            </c:leaderLines>
+            <c:extLst>
+              <c:ext xmlns:c15="http://schemas.microsoft.com/office/drawing/2012/chart" uri="{CE6537A1-D6FC-4f65-9D91-7224C49458BB}"/>
+            </c:extLst>
+          </c:dLbls>
+          <c:cat>
+            <c:strRef>
+              <c:f>Sheet1!$A$2:$A$3</c:f>
+              <c:strCache>
+                <c:ptCount val="2"/>
+                <c:pt idx="0">
+                  <c:v>Class 0</c:v>
+                </c:pt>
+                <c:pt idx="1">
+                  <c:v>Class 1</c:v>
+                </c:pt>
+              </c:strCache>
+            </c:strRef>
+          </c:cat>
+          <c:val>
+            <c:numRef>
+              <c:f>Sheet1!$B$2:$B$3</c:f>
+              <c:numCache>
+                <c:formatCode>General</c:formatCode>
+                <c:ptCount val="2"/>
+                <c:pt idx="0">
+                  <c:v>0.96040000000000003</c:v>
+                </c:pt>
+                <c:pt idx="1">
+                  <c:v>3.9600000000000003E-2</c:v>
+                </c:pt>
+              </c:numCache>
+            </c:numRef>
+          </c:val>
+          <c:extLst>
+            <c:ext xmlns:c16="http://schemas.microsoft.com/office/drawing/2014/chart" uri="{C3380CC4-5D6E-409C-BE32-E72D297353CC}">
+              <c16:uniqueId val="{00000000-F9C2-41B1-8785-9B709ED55038}"/>
+            </c:ext>
+          </c:extLst>
+        </c:ser>
+        <c:dLbls>
+          <c:dLblPos val="ctr"/>
+          <c:showLegendKey val="0"/>
+          <c:showVal val="0"/>
+          <c:showCatName val="1"/>
+          <c:showSerName val="0"/>
+          <c:showPercent val="1"/>
+          <c:showBubbleSize val="0"/>
+          <c:showLeaderLines val="1"/>
+        </c:dLbls>
+        <c:firstSliceAng val="0"/>
+      </c:pieChart>
+      <c:spPr>
+        <a:noFill/>
+        <a:ln>
+          <a:noFill/>
+        </a:ln>
+        <a:effectLst/>
+      </c:spPr>
+    </c:plotArea>
+    <c:plotVisOnly val="1"/>
+    <c:dispBlanksAs val="gap"/>
+    <c:extLst>
+      <c:ext xmlns:c16r3="http://schemas.microsoft.com/office/drawing/2017/03/chart" uri="{56B9EC1D-385E-4148-901F-78D8002777C0}">
+        <c16r3:dataDisplayOptions16>
+          <c16r3:dispNaAsBlank val="1"/>
+        </c16r3:dataDisplayOptions16>
+      </c:ext>
+    </c:extLst>
+    <c:showDLblsOverMax val="0"/>
+  </c:chart>
+  <c:spPr>
+    <a:noFill/>
+    <a:ln w="9525" cap="flat" cmpd="sng" algn="ctr">
+      <a:noFill/>
+      <a:round/>
+    </a:ln>
+    <a:effectLst/>
+  </c:spPr>
+  <c:txPr>
+    <a:bodyPr/>
+    <a:lstStyle/>
+    <a:p>
+      <a:pPr>
+        <a:defRPr/>
+      </a:pPr>
+      <a:endParaRPr lang="en-US"/>
+    </a:p>
+  </c:txPr>
+  <c:externalData r:id="rId3">
+    <c:autoUpdate val="0"/>
+  </c:externalData>
+</c:chartSpace>
+</file>
+
+<file path=ppt/charts/colors1.xml><?xml version="1.0" encoding="utf-8"?>
+<cs:colorStyle xmlns:cs="http://schemas.microsoft.com/office/drawing/2012/chartStyle" xmlns:a="http://schemas.openxmlformats.org/drawingml/2006/main" meth="cycle" id="10">
+  <a:schemeClr val="accent1"/>
+  <a:schemeClr val="accent2"/>
+  <a:schemeClr val="accent3"/>
+  <a:schemeClr val="accent4"/>
+  <a:schemeClr val="accent5"/>
+  <a:schemeClr val="accent6"/>
+  <cs:variation/>
+  <cs:variation>
+    <a:lumMod val="60000"/>
+  </cs:variation>
+  <cs:variation>
+    <a:lumMod val="80000"/>
+    <a:lumOff val="20000"/>
+  </cs:variation>
+  <cs:variation>
+    <a:lumMod val="80000"/>
+  </cs:variation>
+  <cs:variation>
+    <a:lumMod val="60000"/>
+    <a:lumOff val="40000"/>
+  </cs:variation>
+  <cs:variation>
+    <a:lumMod val="50000"/>
+  </cs:variation>
+  <cs:variation>
+    <a:lumMod val="70000"/>
+    <a:lumOff val="30000"/>
+  </cs:variation>
+  <cs:variation>
+    <a:lumMod val="70000"/>
+  </cs:variation>
+  <cs:variation>
+    <a:lumMod val="50000"/>
+    <a:lumOff val="50000"/>
+  </cs:variation>
+</cs:colorStyle>
+</file>
+
+<file path=ppt/charts/style1.xml><?xml version="1.0" encoding="utf-8"?>
+<cs:chartStyle xmlns:cs="http://schemas.microsoft.com/office/drawing/2012/chartStyle" xmlns:a="http://schemas.openxmlformats.org/drawingml/2006/main" id="253">
+  <cs:axisTitle>
+    <cs:lnRef idx="0"/>
+    <cs:fillRef idx="0"/>
+    <cs:effectRef idx="0"/>
+    <cs:fontRef idx="minor">
+      <a:schemeClr val="dk1">
+        <a:lumMod val="75000"/>
+        <a:lumOff val="25000"/>
+      </a:schemeClr>
+    </cs:fontRef>
+    <cs:defRPr sz="1197" b="1" kern="1200"/>
+  </cs:axisTitle>
+  <cs:categoryAxis>
+    <cs:lnRef idx="0"/>
+    <cs:fillRef idx="0"/>
+    <cs:effectRef idx="0"/>
+    <cs:fontRef idx="minor">
+      <a:schemeClr val="dk1">
+        <a:lumMod val="75000"/>
+        <a:lumOff val="25000"/>
+      </a:schemeClr>
+    </cs:fontRef>
+    <cs:spPr>
+      <a:ln w="19050" cap="flat" cmpd="sng" algn="ctr">
+        <a:solidFill>
+          <a:schemeClr val="dk1">
+            <a:lumMod val="75000"/>
+            <a:lumOff val="25000"/>
+          </a:schemeClr>
+        </a:solidFill>
+        <a:round/>
+      </a:ln>
+    </cs:spPr>
+    <cs:defRPr sz="1197" kern="1200" cap="all" baseline="0"/>
+  </cs:categoryAxis>
+  <cs:chartArea>
+    <cs:lnRef idx="0"/>
+    <cs:fillRef idx="0"/>
+    <cs:effectRef idx="0"/>
+    <cs:fontRef idx="minor">
+      <a:schemeClr val="dk1"/>
+    </cs:fontRef>
+    <cs:spPr>
+      <a:gradFill flip="none" rotWithShape="1">
+        <a:gsLst>
+          <a:gs pos="0">
+            <a:schemeClr val="lt1"/>
+          </a:gs>
+          <a:gs pos="39000">
+            <a:schemeClr val="lt1"/>
+          </a:gs>
+          <a:gs pos="100000">
+            <a:schemeClr val="lt1">
+              <a:lumMod val="75000"/>
+            </a:schemeClr>
+          </a:gs>
+        </a:gsLst>
+        <a:path path="circle">
+          <a:fillToRect l="50000" t="-80000" r="50000" b="180000"/>
+        </a:path>
+        <a:tileRect/>
+      </a:gradFill>
+      <a:ln w="9525" cap="flat" cmpd="sng" algn="ctr">
+        <a:solidFill>
+          <a:schemeClr val="dk1">
+            <a:lumMod val="25000"/>
+            <a:lumOff val="75000"/>
+          </a:schemeClr>
+        </a:solidFill>
+        <a:round/>
+      </a:ln>
+    </cs:spPr>
+    <cs:defRPr sz="1197" kern="1200"/>
+  </cs:chartArea>
+  <cs:dataLabel>
+    <cs:lnRef idx="0"/>
+    <cs:fillRef idx="0"/>
+    <cs:effectRef idx="0"/>
+    <cs:fontRef idx="minor">
+      <a:schemeClr val="lt1"/>
+    </cs:fontRef>
+    <cs:spPr>
+      <a:pattFill prst="pct75">
+        <a:fgClr>
+          <a:schemeClr val="dk1">
+            <a:lumMod val="75000"/>
+            <a:lumOff val="25000"/>
+          </a:schemeClr>
+        </a:fgClr>
+        <a:bgClr>
+          <a:schemeClr val="dk1">
+            <a:lumMod val="65000"/>
+            <a:lumOff val="35000"/>
+          </a:schemeClr>
+        </a:bgClr>
+      </a:pattFill>
+      <a:effectLst>
+        <a:outerShdw blurRad="50800" dist="38100" dir="2700000" algn="tl" rotWithShape="0">
+          <a:prstClr val="black">
+            <a:alpha val="40000"/>
+          </a:prstClr>
+        </a:outerShdw>
+      </a:effectLst>
+    </cs:spPr>
+    <cs:defRPr sz="1330" b="1" i="0" u="none" strike="noStrike" kern="1200" baseline="0"/>
+  </cs:dataLabel>
+  <cs:dataLabelCallout>
+    <cs:lnRef idx="0"/>
+    <cs:fillRef idx="0"/>
+    <cs:effectRef idx="0"/>
+    <cs:fontRef idx="minor">
+      <a:schemeClr val="lt1"/>
+    </cs:fontRef>
+    <cs:spPr>
+      <a:pattFill prst="pct75">
+        <a:fgClr>
+          <a:schemeClr val="dk1">
+            <a:lumMod val="75000"/>
+            <a:lumOff val="25000"/>
+          </a:schemeClr>
+        </a:fgClr>
+        <a:bgClr>
+          <a:schemeClr val="dk1">
+            <a:lumMod val="65000"/>
+            <a:lumOff val="35000"/>
+          </a:schemeClr>
+        </a:bgClr>
+      </a:pattFill>
+      <a:effectLst>
+        <a:outerShdw blurRad="50800" dist="38100" dir="2700000" algn="tl" rotWithShape="0">
+          <a:prstClr val="black">
+            <a:alpha val="40000"/>
+          </a:prstClr>
+        </a:outerShdw>
+      </a:effectLst>
+    </cs:spPr>
+    <cs:defRPr sz="1330" b="1" i="0" u="none" strike="noStrike" kern="1200" baseline="0"/>
+    <cs:bodyPr rot="0" spcFirstLastPara="1" vertOverflow="clip" horzOverflow="clip" vert="horz" wrap="square" lIns="36576" tIns="18288" rIns="36576" bIns="18288" anchor="ctr" anchorCtr="1">
+      <a:spAutoFit/>
+    </cs:bodyPr>
+  </cs:dataLabelCallout>
+  <cs:dataPoint>
+    <cs:lnRef idx="0"/>
+    <cs:fillRef idx="0">
+      <cs:styleClr val="auto"/>
+    </cs:fillRef>
+    <cs:effectRef idx="0"/>
+    <cs:fontRef idx="minor">
+      <a:schemeClr val="dk1"/>
+    </cs:fontRef>
+    <cs:spPr>
+      <a:solidFill>
+        <a:schemeClr val="phClr"/>
+      </a:solidFill>
+      <a:effectLst>
+        <a:outerShdw blurRad="254000" sx="102000" sy="102000" algn="ctr" rotWithShape="0">
+          <a:prstClr val="black">
+            <a:alpha val="20000"/>
+          </a:prstClr>
+        </a:outerShdw>
+      </a:effectLst>
+    </cs:spPr>
+  </cs:dataPoint>
+  <cs:dataPoint3D>
+    <cs:lnRef idx="0"/>
+    <cs:fillRef idx="0">
+      <cs:styleClr val="auto"/>
+    </cs:fillRef>
+    <cs:effectRef idx="0"/>
+    <cs:fontRef idx="minor">
+      <a:schemeClr val="dk1"/>
+    </cs:fontRef>
+    <cs:spPr>
+      <a:solidFill>
+        <a:schemeClr val="phClr"/>
+      </a:solidFill>
+      <a:effectLst>
+        <a:outerShdw blurRad="254000" sx="102000" sy="102000" algn="ctr" rotWithShape="0">
+          <a:prstClr val="black">
+            <a:alpha val="20000"/>
+          </a:prstClr>
+        </a:outerShdw>
+      </a:effectLst>
+    </cs:spPr>
+  </cs:dataPoint3D>
+  <cs:dataPointLine>
+    <cs:lnRef idx="0">
+      <cs:styleClr val="auto"/>
+    </cs:lnRef>
+    <cs:fillRef idx="0"/>
+    <cs:effectRef idx="0"/>
+    <cs:fontRef idx="minor">
+      <a:schemeClr val="dk1"/>
+    </cs:fontRef>
+    <cs:spPr>
+      <a:ln w="31750" cap="rnd">
+        <a:solidFill>
+          <a:schemeClr val="phClr">
+            <a:alpha val="85000"/>
+          </a:schemeClr>
+        </a:solidFill>
+        <a:round/>
+      </a:ln>
+    </cs:spPr>
+  </cs:dataPointLine>
+  <cs:dataPointMarker>
+    <cs:lnRef idx="0"/>
+    <cs:fillRef idx="0">
+      <cs:styleClr val="auto"/>
+    </cs:fillRef>
+    <cs:effectRef idx="0"/>
+    <cs:fontRef idx="minor">
+      <a:schemeClr val="dk1"/>
+    </cs:fontRef>
+    <cs:spPr>
+      <a:solidFill>
+        <a:schemeClr val="phClr">
+          <a:alpha val="85000"/>
+        </a:schemeClr>
+      </a:solidFill>
+    </cs:spPr>
+  </cs:dataPointMarker>
+  <cs:dataPointMarkerLayout symbol="circle" size="6"/>
+  <cs:dataPointWireframe>
+    <cs:lnRef idx="0">
+      <cs:styleClr val="auto"/>
+    </cs:lnRef>
+    <cs:fillRef idx="0"/>
+    <cs:effectRef idx="0"/>
+    <cs:fontRef idx="minor">
+      <a:schemeClr val="dk1"/>
+    </cs:fontRef>
+    <cs:spPr>
+      <a:ln w="9525" cap="rnd">
+        <a:solidFill>
+          <a:schemeClr val="phClr"/>
+        </a:solidFill>
+        <a:round/>
+      </a:ln>
+    </cs:spPr>
+  </cs:dataPointWireframe>
+  <cs:dataTable>
+    <cs:lnRef idx="0"/>
+    <cs:fillRef idx="0"/>
+    <cs:effectRef idx="0"/>
+    <cs:fontRef idx="minor">
+      <a:schemeClr val="dk1">
+        <a:lumMod val="75000"/>
+        <a:lumOff val="25000"/>
+      </a:schemeClr>
+    </cs:fontRef>
+    <cs:spPr>
+      <a:ln w="9525">
+        <a:solidFill>
+          <a:schemeClr val="dk1">
+            <a:lumMod val="35000"/>
+            <a:lumOff val="65000"/>
+          </a:schemeClr>
+        </a:solidFill>
+      </a:ln>
+    </cs:spPr>
+    <cs:defRPr sz="1197" kern="1200"/>
+  </cs:dataTable>
+  <cs:downBar>
+    <cs:lnRef idx="0"/>
+    <cs:fillRef idx="0"/>
+    <cs:effectRef idx="0"/>
+    <cs:fontRef idx="minor">
+      <a:schemeClr val="dk1"/>
+    </cs:fontRef>
+    <cs:spPr>
+      <a:solidFill>
+        <a:schemeClr val="dk1">
+          <a:lumMod val="50000"/>
+          <a:lumOff val="50000"/>
+        </a:schemeClr>
+      </a:solidFill>
+      <a:ln w="9525">
+        <a:solidFill>
+          <a:schemeClr val="dk1">
+            <a:lumMod val="65000"/>
+            <a:lumOff val="35000"/>
+          </a:schemeClr>
+        </a:solidFill>
+      </a:ln>
+    </cs:spPr>
+  </cs:downBar>
+  <cs:dropLine>
+    <cs:lnRef idx="0"/>
+    <cs:fillRef idx="0"/>
+    <cs:effectRef idx="0"/>
+    <cs:fontRef idx="minor">
+      <a:schemeClr val="dk1"/>
+    </cs:fontRef>
+    <cs:spPr>
+      <a:ln w="9525">
+        <a:solidFill>
+          <a:schemeClr val="dk1">
+            <a:lumMod val="35000"/>
+            <a:lumOff val="65000"/>
+          </a:schemeClr>
+        </a:solidFill>
+        <a:prstDash val="dash"/>
+      </a:ln>
+    </cs:spPr>
+  </cs:dropLine>
+  <cs:errorBar>
+    <cs:lnRef idx="0"/>
+    <cs:fillRef idx="0"/>
+    <cs:effectRef idx="0"/>
+    <cs:fontRef idx="minor">
+      <a:schemeClr val="dk1"/>
+    </cs:fontRef>
+    <cs:spPr>
+      <a:ln w="9525">
+        <a:solidFill>
+          <a:schemeClr val="dk1">
+            <a:lumMod val="65000"/>
+            <a:lumOff val="35000"/>
+          </a:schemeClr>
+        </a:solidFill>
+        <a:round/>
+      </a:ln>
+    </cs:spPr>
+  </cs:errorBar>
+  <cs:floor>
+    <cs:lnRef idx="0"/>
+    <cs:fillRef idx="0"/>
+    <cs:effectRef idx="0"/>
+    <cs:fontRef idx="minor">
+      <a:schemeClr val="dk1"/>
+    </cs:fontRef>
+  </cs:floor>
+  <cs:gridlineMajor>
+    <cs:lnRef idx="0"/>
+    <cs:fillRef idx="0"/>
+    <cs:effectRef idx="0"/>
+    <cs:fontRef idx="minor">
+      <a:schemeClr val="dk1"/>
+    </cs:fontRef>
+    <cs:spPr>
+      <a:ln w="9525" cap="flat" cmpd="sng" algn="ctr">
+        <a:gradFill>
+          <a:gsLst>
+            <a:gs pos="100000">
+              <a:schemeClr val="dk1">
+                <a:lumMod val="95000"/>
+                <a:lumOff val="5000"/>
+                <a:alpha val="42000"/>
+              </a:schemeClr>
+            </a:gs>
+            <a:gs pos="0">
+              <a:schemeClr val="lt1">
+                <a:lumMod val="75000"/>
+                <a:alpha val="36000"/>
+              </a:schemeClr>
+            </a:gs>
+          </a:gsLst>
+          <a:lin ang="5400000" scaled="0"/>
+        </a:gradFill>
+        <a:round/>
+      </a:ln>
+    </cs:spPr>
+  </cs:gridlineMajor>
+  <cs:gridlineMinor>
+    <cs:lnRef idx="0"/>
+    <cs:fillRef idx="0"/>
+    <cs:effectRef idx="0"/>
+    <cs:fontRef idx="minor">
+      <a:schemeClr val="dk1"/>
+    </cs:fontRef>
+    <cs:spPr>
+      <a:ln>
+        <a:gradFill>
+          <a:gsLst>
+            <a:gs pos="100000">
+              <a:schemeClr val="dk1">
+                <a:lumMod val="95000"/>
+                <a:lumOff val="5000"/>
+                <a:alpha val="42000"/>
+              </a:schemeClr>
+            </a:gs>
+            <a:gs pos="0">
+              <a:schemeClr val="lt1">
+                <a:lumMod val="75000"/>
+                <a:alpha val="36000"/>
+              </a:schemeClr>
+            </a:gs>
+          </a:gsLst>
+          <a:lin ang="5400000" scaled="0"/>
+        </a:gradFill>
+      </a:ln>
+    </cs:spPr>
+  </cs:gridlineMinor>
+  <cs:hiLoLine>
+    <cs:lnRef idx="0"/>
+    <cs:fillRef idx="0"/>
+    <cs:effectRef idx="0"/>
+    <cs:fontRef idx="minor">
+      <a:schemeClr val="dk1"/>
+    </cs:fontRef>
+    <cs:spPr>
+      <a:ln w="9525">
+        <a:solidFill>
+          <a:schemeClr val="dk1">
+            <a:lumMod val="35000"/>
+            <a:lumOff val="65000"/>
+          </a:schemeClr>
+        </a:solidFill>
+        <a:prstDash val="dash"/>
+      </a:ln>
+    </cs:spPr>
+  </cs:hiLoLine>
+  <cs:leaderLine>
+    <cs:lnRef idx="0"/>
+    <cs:fillRef idx="0"/>
+    <cs:effectRef idx="0"/>
+    <cs:fontRef idx="minor">
+      <a:schemeClr val="dk1"/>
+    </cs:fontRef>
+    <cs:spPr>
+      <a:ln w="9525">
+        <a:solidFill>
+          <a:schemeClr val="dk1">
+            <a:lumMod val="50000"/>
+            <a:lumOff val="50000"/>
+          </a:schemeClr>
+        </a:solidFill>
+      </a:ln>
+    </cs:spPr>
+  </cs:leaderLine>
+  <cs:legend>
+    <cs:lnRef idx="0"/>
+    <cs:fillRef idx="0"/>
+    <cs:effectRef idx="0"/>
+    <cs:fontRef idx="minor">
+      <a:schemeClr val="dk1">
+        <a:lumMod val="75000"/>
+        <a:lumOff val="25000"/>
+      </a:schemeClr>
+    </cs:fontRef>
+    <cs:spPr>
+      <a:solidFill>
+        <a:schemeClr val="lt1">
+          <a:lumMod val="95000"/>
+          <a:alpha val="39000"/>
+        </a:schemeClr>
+      </a:solidFill>
+    </cs:spPr>
+    <cs:defRPr sz="1197" kern="1200"/>
+  </cs:legend>
+  <cs:plotArea>
+    <cs:lnRef idx="0"/>
+    <cs:fillRef idx="0"/>
+    <cs:effectRef idx="0"/>
+    <cs:fontRef idx="minor">
+      <a:schemeClr val="dk1"/>
+    </cs:fontRef>
+  </cs:plotArea>
+  <cs:plotArea3D>
+    <cs:lnRef idx="0"/>
+    <cs:fillRef idx="0"/>
+    <cs:effectRef idx="0"/>
+    <cs:fontRef idx="minor">
+      <a:schemeClr val="dk1"/>
+    </cs:fontRef>
+  </cs:plotArea3D>
+  <cs:seriesAxis>
+    <cs:lnRef idx="0"/>
+    <cs:fillRef idx="0"/>
+    <cs:effectRef idx="0"/>
+    <cs:fontRef idx="minor">
+      <a:schemeClr val="dk1">
+        <a:lumMod val="75000"/>
+        <a:lumOff val="25000"/>
+      </a:schemeClr>
+    </cs:fontRef>
+    <cs:spPr>
+      <a:ln w="31750" cap="flat" cmpd="sng" algn="ctr">
+        <a:solidFill>
+          <a:schemeClr val="dk1">
+            <a:lumMod val="75000"/>
+            <a:lumOff val="25000"/>
+          </a:schemeClr>
+        </a:solidFill>
+        <a:round/>
+      </a:ln>
+    </cs:spPr>
+    <cs:defRPr sz="1197" kern="1200"/>
+  </cs:seriesAxis>
+  <cs:seriesLine>
+    <cs:lnRef idx="0"/>
+    <cs:fillRef idx="0"/>
+    <cs:effectRef idx="0"/>
+    <cs:fontRef idx="minor">
+      <a:schemeClr val="dk1"/>
+    </cs:fontRef>
+    <cs:spPr>
+      <a:ln w="9525">
+        <a:solidFill>
+          <a:schemeClr val="dk1">
+            <a:lumMod val="50000"/>
+            <a:lumOff val="50000"/>
+          </a:schemeClr>
+        </a:solidFill>
+        <a:round/>
+      </a:ln>
+    </cs:spPr>
+  </cs:seriesLine>
+  <cs:title>
+    <cs:lnRef idx="0"/>
+    <cs:fillRef idx="0"/>
+    <cs:effectRef idx="0"/>
+    <cs:fontRef idx="minor">
+      <a:schemeClr val="dk1">
+        <a:lumMod val="75000"/>
+        <a:lumOff val="25000"/>
+      </a:schemeClr>
+    </cs:fontRef>
+    <cs:defRPr sz="2200" b="1" kern="1200" baseline="0"/>
+  </cs:title>
+  <cs:trendline>
+    <cs:lnRef idx="0">
+      <cs:styleClr val="auto"/>
+    </cs:lnRef>
+    <cs:fillRef idx="0"/>
+    <cs:effectRef idx="0"/>
+    <cs:fontRef idx="minor">
+      <a:schemeClr val="dk1"/>
+    </cs:fontRef>
+    <cs:spPr>
+      <a:ln w="19050" cap="rnd">
+        <a:solidFill>
+          <a:schemeClr val="phClr"/>
+        </a:solidFill>
+      </a:ln>
+    </cs:spPr>
+  </cs:trendline>
+  <cs:trendlineLabel>
+    <cs:lnRef idx="0"/>
+    <cs:fillRef idx="0"/>
+    <cs:effectRef idx="0"/>
+    <cs:fontRef idx="minor">
+      <a:schemeClr val="dk1">
+        <a:lumMod val="75000"/>
+        <a:lumOff val="25000"/>
+      </a:schemeClr>
+    </cs:fontRef>
+    <cs:defRPr sz="1197" kern="1200"/>
+  </cs:trendlineLabel>
+  <cs:upBar>
+    <cs:lnRef idx="0"/>
+    <cs:fillRef idx="0"/>
+    <cs:effectRef idx="0"/>
+    <cs:fontRef idx="minor">
+      <a:schemeClr val="dk1"/>
+    </cs:fontRef>
+    <cs:spPr>
+      <a:solidFill>
+        <a:schemeClr val="lt1"/>
+      </a:solidFill>
+      <a:ln w="9525">
+        <a:solidFill>
+          <a:schemeClr val="dk1">
+            <a:lumMod val="65000"/>
+            <a:lumOff val="35000"/>
+          </a:schemeClr>
+        </a:solidFill>
+      </a:ln>
+    </cs:spPr>
+  </cs:upBar>
+  <cs:valueAxis>
+    <cs:lnRef idx="0"/>
+    <cs:fillRef idx="0"/>
+    <cs:effectRef idx="0"/>
+    <cs:fontRef idx="minor">
+      <a:schemeClr val="dk1">
+        <a:lumMod val="75000"/>
+        <a:lumOff val="25000"/>
+      </a:schemeClr>
+    </cs:fontRef>
+    <cs:spPr>
+      <a:ln>
+        <a:noFill/>
+      </a:ln>
+    </cs:spPr>
+    <cs:defRPr sz="1197" kern="1200"/>
+  </cs:valueAxis>
+  <cs:wall>
+    <cs:lnRef idx="0"/>
+    <cs:fillRef idx="0"/>
+    <cs:effectRef idx="0"/>
+    <cs:fontRef idx="minor">
+      <a:schemeClr val="dk1"/>
+    </cs:fontRef>
+  </cs:wall>
+</cs:chartStyle>
+</file>
+
 <file path=ppt/handoutMasters/handoutMaster1.xml><?xml version="1.0" encoding="utf-8"?>
 <p:handoutMaster xmlns:a="http://schemas.openxmlformats.org/drawingml/2006/main" xmlns:r="http://schemas.openxmlformats.org/officeDocument/2006/relationships" xmlns:p="http://schemas.openxmlformats.org/presentationml/2006/main">
   <p:cSld>
@@ -660,6 +1739,366 @@
 </p:notesMaster>
 </file>
 
+<file path=ppt/notesSlides/notesSlide1.xml><?xml version="1.0" encoding="utf-8"?>
+<p:notes xmlns:a="http://schemas.openxmlformats.org/drawingml/2006/main" xmlns:r="http://schemas.openxmlformats.org/officeDocument/2006/relationships" xmlns:p="http://schemas.openxmlformats.org/presentationml/2006/main">
+  <p:cSld>
+    <p:spTree>
+      <p:nvGrpSpPr>
+        <p:cNvPr id="1" name=""/>
+        <p:cNvGrpSpPr/>
+        <p:nvPr/>
+      </p:nvGrpSpPr>
+      <p:grpSpPr>
+        <a:xfrm>
+          <a:off x="0" y="0"/>
+          <a:ext cx="0" cy="0"/>
+          <a:chOff x="0" y="0"/>
+          <a:chExt cx="0" cy="0"/>
+        </a:xfrm>
+      </p:grpSpPr>
+      <p:sp>
+        <p:nvSpPr>
+          <p:cNvPr id="2" name="Slide Image Placeholder 1"/>
+          <p:cNvSpPr>
+            <a:spLocks noGrp="1" noRot="1" noChangeAspect="1"/>
+          </p:cNvSpPr>
+          <p:nvPr>
+            <p:ph type="sldImg"/>
+          </p:nvPr>
+        </p:nvSpPr>
+        <p:spPr/>
+      </p:sp>
+      <p:sp>
+        <p:nvSpPr>
+          <p:cNvPr id="3" name="Notes Placeholder 2"/>
+          <p:cNvSpPr>
+            <a:spLocks noGrp="1"/>
+          </p:cNvSpPr>
+          <p:nvPr>
+            <p:ph type="body" idx="1"/>
+          </p:nvPr>
+        </p:nvSpPr>
+        <p:spPr/>
+        <p:txBody>
+          <a:bodyPr/>
+          <a:lstStyle/>
+          <a:p>
+            <a:pPr marL="171450" indent="-171450">
+              <a:buFontTx/>
+              <a:buChar char="-"/>
+            </a:pPr>
+            <a:r>
+              <a:rPr lang="en-US" dirty="0"/>
+              <a:t>Analyze Dataset: </a:t>
+            </a:r>
+          </a:p>
+          <a:p>
+            <a:pPr marL="628650" lvl="1" indent="-171450">
+              <a:buFontTx/>
+              <a:buChar char="-"/>
+            </a:pPr>
+            <a:r>
+              <a:rPr lang="en-US" dirty="0"/>
+              <a:t>34 single-valued features</a:t>
+            </a:r>
+          </a:p>
+          <a:p>
+            <a:pPr marL="628650" lvl="1" indent="-171450">
+              <a:buFontTx/>
+              <a:buChar char="-"/>
+            </a:pPr>
+            <a:r>
+              <a:rPr lang="en-US" dirty="0"/>
+              <a:t>Several 0-valued features per sample</a:t>
+            </a:r>
+          </a:p>
+          <a:p>
+            <a:pPr marL="628650" lvl="1" indent="-171450">
+              <a:buFontTx/>
+              <a:buChar char="-"/>
+            </a:pPr>
+            <a:r>
+              <a:rPr lang="en-US" dirty="0"/>
+              <a:t>Classify features according to their respective </a:t>
+            </a:r>
+            <a:r>
+              <a:rPr lang="en-US" dirty="0" err="1"/>
+              <a:t>value_counts</a:t>
+            </a:r>
+            <a:endParaRPr lang="en-US" dirty="0"/>
+          </a:p>
+          <a:p>
+            <a:pPr marL="628650" lvl="1" indent="-171450">
+              <a:buFontTx/>
+              <a:buChar char="-"/>
+            </a:pPr>
+            <a:r>
+              <a:rPr lang="en-US" dirty="0"/>
+              <a:t>Several features with values-outliers</a:t>
+            </a:r>
+          </a:p>
+          <a:p>
+            <a:pPr marL="171450" lvl="0" indent="-171450">
+              <a:buFontTx/>
+              <a:buChar char="-"/>
+            </a:pPr>
+            <a:r>
+              <a:rPr lang="en-US" dirty="0"/>
+              <a:t>Research further strategies on imbalanced data</a:t>
+            </a:r>
+          </a:p>
+          <a:p>
+            <a:pPr marL="628650" lvl="1" indent="-171450">
+              <a:buFontTx/>
+              <a:buChar char="-"/>
+            </a:pPr>
+            <a:r>
+              <a:rPr lang="en-US" dirty="0"/>
+              <a:t>From experience, normalization and an ensemble method best suitable, perhaps PCA</a:t>
+            </a:r>
+          </a:p>
+          <a:p>
+            <a:pPr marL="628650" lvl="1" indent="-171450">
+              <a:buFontTx/>
+              <a:buChar char="-"/>
+            </a:pPr>
+            <a:r>
+              <a:rPr lang="en-US" dirty="0"/>
+              <a:t>PCA</a:t>
+            </a:r>
+          </a:p>
+          <a:p>
+            <a:pPr marL="628650" lvl="1" indent="-171450">
+              <a:buFontTx/>
+              <a:buChar char="-"/>
+            </a:pPr>
+            <a:r>
+              <a:rPr lang="en-US" dirty="0"/>
+              <a:t>Best normalization for PCA and imbalanced datasets</a:t>
+            </a:r>
+          </a:p>
+          <a:p>
+            <a:pPr marL="1085850" lvl="2" indent="-171450">
+              <a:buFontTx/>
+              <a:buChar char="-"/>
+            </a:pPr>
+            <a:r>
+              <a:rPr lang="en-US" dirty="0" err="1"/>
+              <a:t>MinMax</a:t>
+            </a:r>
+            <a:r>
+              <a:rPr lang="en-US" dirty="0"/>
+              <a:t>/Mean-normalization</a:t>
+            </a:r>
+          </a:p>
+          <a:p>
+            <a:pPr marL="171450" lvl="0" indent="-171450">
+              <a:buFontTx/>
+              <a:buChar char="-"/>
+            </a:pPr>
+            <a:r>
+              <a:rPr lang="en-US" dirty="0"/>
+              <a:t>Decide model for hyperparam search</a:t>
+            </a:r>
+          </a:p>
+          <a:p>
+            <a:pPr marL="628650" lvl="1" indent="-171450">
+              <a:buFontTx/>
+              <a:buChar char="-"/>
+            </a:pPr>
+            <a:r>
+              <a:rPr lang="en-US" dirty="0"/>
+              <a:t>Ensemble method chosen, also tried out SVM</a:t>
+            </a:r>
+          </a:p>
+          <a:p>
+            <a:pPr marL="628650" lvl="1" indent="-171450">
+              <a:buFontTx/>
+              <a:buChar char="-"/>
+            </a:pPr>
+            <a:r>
+              <a:rPr lang="en-US" dirty="0"/>
+              <a:t>Decide between</a:t>
+            </a:r>
+          </a:p>
+          <a:p>
+            <a:pPr marL="1085850" lvl="2" indent="-171450">
+              <a:buFontTx/>
+              <a:buChar char="-"/>
+            </a:pPr>
+            <a:r>
+              <a:rPr lang="en-US" dirty="0"/>
+              <a:t>Random forest</a:t>
+            </a:r>
+          </a:p>
+          <a:p>
+            <a:pPr marL="1085850" lvl="2" indent="-171450">
+              <a:buFontTx/>
+              <a:buChar char="-"/>
+            </a:pPr>
+            <a:r>
+              <a:rPr lang="en-US" dirty="0" err="1"/>
+              <a:t>Xgboostclassifier</a:t>
+            </a:r>
+            <a:endParaRPr lang="en-US" dirty="0"/>
+          </a:p>
+          <a:p>
+            <a:pPr marL="1085850" lvl="2" indent="-171450">
+              <a:buFontTx/>
+              <a:buChar char="-"/>
+            </a:pPr>
+            <a:r>
+              <a:rPr lang="en-US" dirty="0" err="1"/>
+              <a:t>Adaboost</a:t>
+            </a:r>
+            <a:endParaRPr lang="en-US" dirty="0"/>
+          </a:p>
+          <a:p>
+            <a:pPr marL="628650" lvl="1" indent="-171450">
+              <a:buFontTx/>
+              <a:buChar char="-"/>
+            </a:pPr>
+            <a:r>
+              <a:rPr lang="en-US" dirty="0"/>
+              <a:t>RF chosen as it delivered good empirical performance and </a:t>
+            </a:r>
+          </a:p>
+          <a:p>
+            <a:pPr marL="628650" lvl="1" indent="-171450">
+              <a:buFontTx/>
+              <a:buChar char="-"/>
+            </a:pPr>
+            <a:endParaRPr lang="en-US" dirty="0"/>
+          </a:p>
+          <a:p>
+            <a:pPr marL="628650" lvl="1" indent="-171450">
+              <a:buFontTx/>
+              <a:buChar char="-"/>
+            </a:pPr>
+            <a:endParaRPr lang="en-US" dirty="0"/>
+          </a:p>
+        </p:txBody>
+      </p:sp>
+      <p:sp>
+        <p:nvSpPr>
+          <p:cNvPr id="4" name="Slide Number Placeholder 3"/>
+          <p:cNvSpPr>
+            <a:spLocks noGrp="1"/>
+          </p:cNvSpPr>
+          <p:nvPr>
+            <p:ph type="sldNum" sz="quarter" idx="5"/>
+          </p:nvPr>
+        </p:nvSpPr>
+        <p:spPr/>
+        <p:txBody>
+          <a:bodyPr/>
+          <a:lstStyle/>
+          <a:p>
+            <a:fld id="{AF3652E7-F9C5-4DCF-ADB9-65F3B2E400EF}" type="slidenum">
+              <a:rPr lang="en-US" smtClean="0"/>
+              <a:t>3</a:t>
+            </a:fld>
+            <a:endParaRPr lang="en-US"/>
+          </a:p>
+        </p:txBody>
+      </p:sp>
+    </p:spTree>
+    <p:extLst>
+      <p:ext uri="{BB962C8B-B14F-4D97-AF65-F5344CB8AC3E}">
+        <p14:creationId xmlns:p14="http://schemas.microsoft.com/office/powerpoint/2010/main" val="783159793"/>
+      </p:ext>
+    </p:extLst>
+  </p:cSld>
+  <p:clrMapOvr>
+    <a:masterClrMapping/>
+  </p:clrMapOvr>
+</p:notes>
+</file>
+
+<file path=ppt/notesSlides/notesSlide2.xml><?xml version="1.0" encoding="utf-8"?>
+<p:notes xmlns:a="http://schemas.openxmlformats.org/drawingml/2006/main" xmlns:r="http://schemas.openxmlformats.org/officeDocument/2006/relationships" xmlns:p="http://schemas.openxmlformats.org/presentationml/2006/main">
+  <p:cSld>
+    <p:spTree>
+      <p:nvGrpSpPr>
+        <p:cNvPr id="1" name=""/>
+        <p:cNvGrpSpPr/>
+        <p:nvPr/>
+      </p:nvGrpSpPr>
+      <p:grpSpPr>
+        <a:xfrm>
+          <a:off x="0" y="0"/>
+          <a:ext cx="0" cy="0"/>
+          <a:chOff x="0" y="0"/>
+          <a:chExt cx="0" cy="0"/>
+        </a:xfrm>
+      </p:grpSpPr>
+      <p:sp>
+        <p:nvSpPr>
+          <p:cNvPr id="2" name="Slide Image Placeholder 1"/>
+          <p:cNvSpPr>
+            <a:spLocks noGrp="1" noRot="1" noChangeAspect="1"/>
+          </p:cNvSpPr>
+          <p:nvPr>
+            <p:ph type="sldImg"/>
+          </p:nvPr>
+        </p:nvSpPr>
+        <p:spPr/>
+      </p:sp>
+      <p:sp>
+        <p:nvSpPr>
+          <p:cNvPr id="3" name="Notes Placeholder 2"/>
+          <p:cNvSpPr>
+            <a:spLocks noGrp="1"/>
+          </p:cNvSpPr>
+          <p:nvPr>
+            <p:ph type="body" idx="1"/>
+          </p:nvPr>
+        </p:nvSpPr>
+        <p:spPr/>
+        <p:txBody>
+          <a:bodyPr/>
+          <a:lstStyle/>
+          <a:p>
+            <a:endParaRPr lang="en-US" dirty="0"/>
+          </a:p>
+        </p:txBody>
+      </p:sp>
+      <p:sp>
+        <p:nvSpPr>
+          <p:cNvPr id="4" name="Slide Number Placeholder 3"/>
+          <p:cNvSpPr>
+            <a:spLocks noGrp="1"/>
+          </p:cNvSpPr>
+          <p:nvPr>
+            <p:ph type="sldNum" sz="quarter" idx="5"/>
+          </p:nvPr>
+        </p:nvSpPr>
+        <p:spPr/>
+        <p:txBody>
+          <a:bodyPr/>
+          <a:lstStyle/>
+          <a:p>
+            <a:fld id="{AF3652E7-F9C5-4DCF-ADB9-65F3B2E400EF}" type="slidenum">
+              <a:rPr lang="en-US" smtClean="0"/>
+              <a:t>4</a:t>
+            </a:fld>
+            <a:endParaRPr lang="en-US"/>
+          </a:p>
+        </p:txBody>
+      </p:sp>
+    </p:spTree>
+    <p:extLst>
+      <p:ext uri="{BB962C8B-B14F-4D97-AF65-F5344CB8AC3E}">
+        <p14:creationId xmlns:p14="http://schemas.microsoft.com/office/powerpoint/2010/main" val="1953989096"/>
+      </p:ext>
+    </p:extLst>
+  </p:cSld>
+  <p:clrMapOvr>
+    <a:masterClrMapping/>
+  </p:clrMapOvr>
+</p:notes>
+</file>
+
 <file path=ppt/slideLayouts/slideLayout1.xml><?xml version="1.0" encoding="utf-8"?>
 <p:sldLayout xmlns:a="http://schemas.openxmlformats.org/drawingml/2006/main" xmlns:r="http://schemas.openxmlformats.org/officeDocument/2006/relationships" xmlns:p="http://schemas.openxmlformats.org/presentationml/2006/main" type="title" preserve="1">
   <p:cSld name="Title Slide">
@@ -1513,7 +2952,7 @@
           <a:bodyPr/>
           <a:lstStyle>
             <a:lvl1pPr>
-              <a:defRPr>
+              <a:defRPr sz="1200" b="1">
                 <a:solidFill>
                   <a:schemeClr val="bg1"/>
                 </a:solidFill>
@@ -1523,6 +2962,7 @@
           <a:p>
             <a:fld id="{F64A956B-0A9E-4726-8DC0-243CDBACFE3D}" type="datetime1">
               <a:rPr lang="de-DE" smtClean="0"/>
+              <a:pPr/>
               <a:t>05.04.2019</a:t>
             </a:fld>
             <a:endParaRPr lang="en-US" dirty="0"/>
@@ -1555,7 +2995,7 @@
           <a:bodyPr/>
           <a:lstStyle>
             <a:lvl1pPr>
-              <a:defRPr>
+              <a:defRPr sz="1200" b="1">
                 <a:solidFill>
                   <a:schemeClr val="bg1"/>
                 </a:solidFill>
@@ -1597,7 +3037,7 @@
           <a:bodyPr/>
           <a:lstStyle>
             <a:lvl1pPr>
-              <a:defRPr>
+              <a:defRPr sz="1200" b="1">
                 <a:solidFill>
                   <a:schemeClr val="bg1"/>
                 </a:solidFill>
@@ -2968,8 +4408,24 @@
 </file>
 
 <file path=ppt/slideLayouts/slideLayout7.xml><?xml version="1.0" encoding="utf-8"?>
-<p:sldLayout xmlns:a="http://schemas.openxmlformats.org/drawingml/2006/main" xmlns:r="http://schemas.openxmlformats.org/officeDocument/2006/relationships" xmlns:p="http://schemas.openxmlformats.org/presentationml/2006/main" type="blank" preserve="1">
+<p:sldLayout xmlns:a="http://schemas.openxmlformats.org/drawingml/2006/main" xmlns:r="http://schemas.openxmlformats.org/officeDocument/2006/relationships" xmlns:p="http://schemas.openxmlformats.org/presentationml/2006/main" preserve="1" userDrawn="1">
   <p:cSld name="Blank">
+    <p:bg>
+      <p:bgPr>
+        <a:gradFill>
+          <a:gsLst>
+            <a:gs pos="0">
+              <a:srgbClr val="EA74E7"/>
+            </a:gs>
+            <a:gs pos="100000">
+              <a:srgbClr val="8668F5"/>
+            </a:gs>
+          </a:gsLst>
+          <a:lin ang="5400000" scaled="1"/>
+        </a:gradFill>
+        <a:effectLst/>
+      </p:bgPr>
+    </p:bg>
     <p:spTree>
       <p:nvGrpSpPr>
         <p:cNvPr id="1" name=""/>
@@ -2984,90 +4440,89 @@
           <a:chExt cx="0" cy="0"/>
         </a:xfrm>
       </p:grpSpPr>
-      <p:sp>
-        <p:nvSpPr>
-          <p:cNvPr id="2" name="Date Placeholder 1">
-            <a:extLst>
-              <a:ext uri="{FF2B5EF4-FFF2-40B4-BE49-F238E27FC236}">
-                <a16:creationId xmlns:a16="http://schemas.microsoft.com/office/drawing/2014/main" id="{E52D7AA7-0160-478D-A468-650465DC7A0A}"/>
-              </a:ext>
-            </a:extLst>
-          </p:cNvPr>
-          <p:cNvSpPr>
-            <a:spLocks noGrp="1"/>
-          </p:cNvSpPr>
-          <p:nvPr>
-            <p:ph type="dt" sz="half" idx="10"/>
-          </p:nvPr>
-        </p:nvSpPr>
-        <p:spPr/>
-        <p:txBody>
-          <a:bodyPr/>
+      <p:pic>
+        <p:nvPicPr>
+          <p:cNvPr id="5" name="Picture 2" descr="Image result for combient ab">
+            <a:extLst>
+              <a:ext uri="{FF2B5EF4-FFF2-40B4-BE49-F238E27FC236}">
+                <a16:creationId xmlns:a16="http://schemas.microsoft.com/office/drawing/2014/main" id="{511A05A1-7687-4455-AA72-2B95462C659D}"/>
+              </a:ext>
+            </a:extLst>
+          </p:cNvPr>
+          <p:cNvPicPr>
+            <a:picLocks noChangeAspect="1" noChangeArrowheads="1"/>
+          </p:cNvPicPr>
+          <p:nvPr userDrawn="1"/>
+        </p:nvPicPr>
+        <p:blipFill>
+          <a:blip r:embed="rId2">
+            <a:extLst>
+              <a:ext uri="{28A0092B-C50C-407E-A947-70E740481C1C}">
+                <a14:useLocalDpi xmlns:a14="http://schemas.microsoft.com/office/drawing/2010/main" val="0"/>
+              </a:ext>
+            </a:extLst>
+          </a:blip>
+          <a:srcRect/>
+          <a:stretch>
+            <a:fillRect/>
+          </a:stretch>
+        </p:blipFill>
+        <p:spPr bwMode="auto">
+          <a:xfrm>
+            <a:off x="7120760" y="5145104"/>
+            <a:ext cx="4233040" cy="660310"/>
+          </a:xfrm>
+          <a:prstGeom prst="rect">
+            <a:avLst/>
+          </a:prstGeom>
+          <a:noFill/>
+          <a:extLst>
+            <a:ext uri="{909E8E84-426E-40DD-AFC4-6F175D3DCCD1}">
+              <a14:hiddenFill xmlns:a14="http://schemas.microsoft.com/office/drawing/2010/main">
+                <a:solidFill>
+                  <a:srgbClr val="FFFFFF"/>
+                </a:solidFill>
+              </a14:hiddenFill>
+            </a:ext>
+          </a:extLst>
+        </p:spPr>
+      </p:pic>
+      <p:sp>
+        <p:nvSpPr>
+          <p:cNvPr id="8" name="TextBox 7">
+            <a:extLst>
+              <a:ext uri="{FF2B5EF4-FFF2-40B4-BE49-F238E27FC236}">
+                <a16:creationId xmlns:a16="http://schemas.microsoft.com/office/drawing/2014/main" id="{A9CF9A9D-B201-4E53-A543-88F9B114ADD3}"/>
+              </a:ext>
+            </a:extLst>
+          </p:cNvPr>
+          <p:cNvSpPr txBox="1"/>
+          <p:nvPr userDrawn="1"/>
+        </p:nvSpPr>
+        <p:spPr>
+          <a:xfrm>
+            <a:off x="838200" y="1855821"/>
+            <a:ext cx="4233040" cy="523220"/>
+          </a:xfrm>
+          <a:prstGeom prst="rect">
+            <a:avLst/>
+          </a:prstGeom>
+          <a:noFill/>
+        </p:spPr>
+        <p:txBody>
+          <a:bodyPr wrap="square" rtlCol="0">
+            <a:spAutoFit/>
+          </a:bodyPr>
           <a:lstStyle/>
           <a:p>
-            <a:fld id="{8627F439-3C56-499D-8AA0-71143A11A204}" type="datetime1">
-              <a:rPr lang="de-DE" smtClean="0"/>
-              <a:t>05.04.2019</a:t>
-            </a:fld>
-            <a:endParaRPr lang="en-US"/>
-          </a:p>
-        </p:txBody>
-      </p:sp>
-      <p:sp>
-        <p:nvSpPr>
-          <p:cNvPr id="3" name="Footer Placeholder 2">
-            <a:extLst>
-              <a:ext uri="{FF2B5EF4-FFF2-40B4-BE49-F238E27FC236}">
-                <a16:creationId xmlns:a16="http://schemas.microsoft.com/office/drawing/2014/main" id="{2B8CAE2E-0CC1-4AE9-AD9B-8E81E77CAFAB}"/>
-              </a:ext>
-            </a:extLst>
-          </p:cNvPr>
-          <p:cNvSpPr>
-            <a:spLocks noGrp="1"/>
-          </p:cNvSpPr>
-          <p:nvPr>
-            <p:ph type="ftr" sz="quarter" idx="11"/>
-          </p:nvPr>
-        </p:nvSpPr>
-        <p:spPr/>
-        <p:txBody>
-          <a:bodyPr/>
-          <a:lstStyle/>
-          <a:p>
-            <a:r>
-              <a:rPr lang="fr-FR"/>
-              <a:t>Daniel F. Perez Ramirez | Combient Challenge</a:t>
-            </a:r>
-            <a:endParaRPr lang="en-US"/>
-          </a:p>
-        </p:txBody>
-      </p:sp>
-      <p:sp>
-        <p:nvSpPr>
-          <p:cNvPr id="4" name="Slide Number Placeholder 3">
-            <a:extLst>
-              <a:ext uri="{FF2B5EF4-FFF2-40B4-BE49-F238E27FC236}">
-                <a16:creationId xmlns:a16="http://schemas.microsoft.com/office/drawing/2014/main" id="{0F64D6D3-2AEC-43C8-A3EF-49E21EB2FA09}"/>
-              </a:ext>
-            </a:extLst>
-          </p:cNvPr>
-          <p:cNvSpPr>
-            <a:spLocks noGrp="1"/>
-          </p:cNvSpPr>
-          <p:nvPr>
-            <p:ph type="sldNum" sz="quarter" idx="12"/>
-          </p:nvPr>
-        </p:nvSpPr>
-        <p:spPr/>
-        <p:txBody>
-          <a:bodyPr/>
-          <a:lstStyle/>
-          <a:p>
-            <a:fld id="{29C669B8-FD6D-4BB9-80BA-EA9A87DAE2F8}" type="slidenum">
-              <a:rPr lang="en-US" smtClean="0"/>
-              <a:t>‹#›</a:t>
-            </a:fld>
-            <a:endParaRPr lang="en-US"/>
+            <a:r>
+              <a:rPr lang="en-US" sz="2800" b="1" dirty="0">
+                <a:solidFill>
+                  <a:schemeClr val="bg1"/>
+                </a:solidFill>
+              </a:rPr>
+              <a:t>Thank you</a:t>
+            </a:r>
           </a:p>
         </p:txBody>
       </p:sp>
@@ -4302,7 +5757,10 @@
           <a:bodyPr/>
           <a:lstStyle/>
           <a:p>
-            <a:endParaRPr lang="en-US"/>
+            <a:r>
+              <a:rPr lang="en-US" sz="4800" dirty="0"/>
+              <a:t>Combient Challenge</a:t>
+            </a:r>
           </a:p>
         </p:txBody>
       </p:sp>
@@ -4322,12 +5780,39 @@
             <p:ph type="subTitle" idx="1"/>
           </p:nvPr>
         </p:nvSpPr>
-        <p:spPr/>
-        <p:txBody>
-          <a:bodyPr/>
+        <p:spPr>
+          <a:xfrm>
+            <a:off x="838200" y="4372303"/>
+            <a:ext cx="9144000" cy="2011080"/>
+          </a:xfrm>
+        </p:spPr>
+        <p:txBody>
+          <a:bodyPr>
+            <a:normAutofit/>
+          </a:bodyPr>
           <a:lstStyle/>
           <a:p>
-            <a:endParaRPr lang="en-US"/>
+            <a:r>
+              <a:rPr lang="en-US" b="0" dirty="0"/>
+              <a:t>Daniel F. Perez Ramirez</a:t>
+            </a:r>
+          </a:p>
+          <a:p>
+            <a:endParaRPr lang="en-US" b="0" dirty="0"/>
+          </a:p>
+          <a:p>
+            <a:r>
+              <a:rPr lang="en-US" b="0" dirty="0"/>
+              <a:t>Stuttgart, April 5</a:t>
+            </a:r>
+            <a:r>
+              <a:rPr lang="en-US" b="0" baseline="30000" dirty="0"/>
+              <a:t>th</a:t>
+            </a:r>
+            <a:r>
+              <a:rPr lang="en-US" b="0" dirty="0"/>
+              <a:t> 2019</a:t>
+            </a:r>
           </a:p>
         </p:txBody>
       </p:sp>
@@ -4345,6 +5830,6941 @@
 </file>
 
 <file path=ppt/slides/slide2.xml><?xml version="1.0" encoding="utf-8"?>
+<p:sld xmlns:a="http://schemas.openxmlformats.org/drawingml/2006/main" xmlns:r="http://schemas.openxmlformats.org/officeDocument/2006/relationships" xmlns:p="http://schemas.openxmlformats.org/presentationml/2006/main">
+  <p:cSld>
+    <p:spTree>
+      <p:nvGrpSpPr>
+        <p:cNvPr id="1" name=""/>
+        <p:cNvGrpSpPr/>
+        <p:nvPr/>
+      </p:nvGrpSpPr>
+      <p:grpSpPr>
+        <a:xfrm>
+          <a:off x="0" y="0"/>
+          <a:ext cx="0" cy="0"/>
+          <a:chOff x="0" y="0"/>
+          <a:chExt cx="0" cy="0"/>
+        </a:xfrm>
+      </p:grpSpPr>
+      <p:sp>
+        <p:nvSpPr>
+          <p:cNvPr id="2" name="Title 1">
+            <a:extLst>
+              <a:ext uri="{FF2B5EF4-FFF2-40B4-BE49-F238E27FC236}">
+                <a16:creationId xmlns:a16="http://schemas.microsoft.com/office/drawing/2014/main" id="{E819F09A-01A1-44CB-898A-0491D3AEF76F}"/>
+              </a:ext>
+            </a:extLst>
+          </p:cNvPr>
+          <p:cNvSpPr>
+            <a:spLocks noGrp="1"/>
+          </p:cNvSpPr>
+          <p:nvPr>
+            <p:ph type="title"/>
+          </p:nvPr>
+        </p:nvSpPr>
+        <p:spPr/>
+        <p:txBody>
+          <a:bodyPr/>
+          <a:lstStyle/>
+          <a:p>
+            <a:r>
+              <a:rPr lang="en-US" b="1" dirty="0"/>
+              <a:t>Problem Description</a:t>
+            </a:r>
+          </a:p>
+        </p:txBody>
+      </p:sp>
+      <p:sp>
+        <p:nvSpPr>
+          <p:cNvPr id="3" name="Content Placeholder 2">
+            <a:extLst>
+              <a:ext uri="{FF2B5EF4-FFF2-40B4-BE49-F238E27FC236}">
+                <a16:creationId xmlns:a16="http://schemas.microsoft.com/office/drawing/2014/main" id="{B3B65BA3-9B93-47EA-A7B3-9BBEBA819EEB}"/>
+              </a:ext>
+            </a:extLst>
+          </p:cNvPr>
+          <p:cNvSpPr>
+            <a:spLocks noGrp="1"/>
+          </p:cNvSpPr>
+          <p:nvPr>
+            <p:ph idx="1"/>
+          </p:nvPr>
+        </p:nvSpPr>
+        <p:spPr>
+          <a:xfrm>
+            <a:off x="838200" y="1629102"/>
+            <a:ext cx="10515600" cy="4645573"/>
+          </a:xfrm>
+        </p:spPr>
+        <p:txBody>
+          <a:bodyPr>
+            <a:normAutofit/>
+          </a:bodyPr>
+          <a:lstStyle/>
+          <a:p>
+            <a:r>
+              <a:rPr lang="en-US" sz="2000" dirty="0"/>
+              <a:t>Santander Customer Satisfaction: predict if a customer is satisfied with the bank or not</a:t>
+            </a:r>
+          </a:p>
+        </p:txBody>
+      </p:sp>
+      <p:sp>
+        <p:nvSpPr>
+          <p:cNvPr id="4" name="Date Placeholder 3">
+            <a:extLst>
+              <a:ext uri="{FF2B5EF4-FFF2-40B4-BE49-F238E27FC236}">
+                <a16:creationId xmlns:a16="http://schemas.microsoft.com/office/drawing/2014/main" id="{9888B297-6897-498A-822F-E8437E9DDA2B}"/>
+              </a:ext>
+            </a:extLst>
+          </p:cNvPr>
+          <p:cNvSpPr>
+            <a:spLocks noGrp="1"/>
+          </p:cNvSpPr>
+          <p:nvPr>
+            <p:ph type="dt" sz="half" idx="10"/>
+          </p:nvPr>
+        </p:nvSpPr>
+        <p:spPr/>
+        <p:txBody>
+          <a:bodyPr/>
+          <a:lstStyle/>
+          <a:p>
+            <a:fld id="{F64A956B-0A9E-4726-8DC0-243CDBACFE3D}" type="datetime1">
+              <a:rPr lang="de-DE" smtClean="0"/>
+              <a:t>05.04.2019</a:t>
+            </a:fld>
+            <a:endParaRPr lang="en-US" dirty="0"/>
+          </a:p>
+        </p:txBody>
+      </p:sp>
+      <p:sp>
+        <p:nvSpPr>
+          <p:cNvPr id="5" name="Footer Placeholder 4">
+            <a:extLst>
+              <a:ext uri="{FF2B5EF4-FFF2-40B4-BE49-F238E27FC236}">
+                <a16:creationId xmlns:a16="http://schemas.microsoft.com/office/drawing/2014/main" id="{77B32C86-66C9-477E-8CCA-29852D8ECBEE}"/>
+              </a:ext>
+            </a:extLst>
+          </p:cNvPr>
+          <p:cNvSpPr>
+            <a:spLocks noGrp="1"/>
+          </p:cNvSpPr>
+          <p:nvPr>
+            <p:ph type="ftr" sz="quarter" idx="11"/>
+          </p:nvPr>
+        </p:nvSpPr>
+        <p:spPr/>
+        <p:txBody>
+          <a:bodyPr/>
+          <a:lstStyle/>
+          <a:p>
+            <a:r>
+              <a:rPr lang="fr-FR"/>
+              <a:t>Daniel F. Perez Ramirez | Combient Challenge</a:t>
+            </a:r>
+            <a:endParaRPr lang="en-US" dirty="0"/>
+          </a:p>
+        </p:txBody>
+      </p:sp>
+      <p:sp>
+        <p:nvSpPr>
+          <p:cNvPr id="6" name="Slide Number Placeholder 5">
+            <a:extLst>
+              <a:ext uri="{FF2B5EF4-FFF2-40B4-BE49-F238E27FC236}">
+                <a16:creationId xmlns:a16="http://schemas.microsoft.com/office/drawing/2014/main" id="{BFACDA12-C81F-4B4F-AD83-96E00E54EA90}"/>
+              </a:ext>
+            </a:extLst>
+          </p:cNvPr>
+          <p:cNvSpPr>
+            <a:spLocks noGrp="1"/>
+          </p:cNvSpPr>
+          <p:nvPr>
+            <p:ph type="sldNum" sz="quarter" idx="12"/>
+          </p:nvPr>
+        </p:nvSpPr>
+        <p:spPr/>
+        <p:txBody>
+          <a:bodyPr/>
+          <a:lstStyle/>
+          <a:p>
+            <a:fld id="{29C669B8-FD6D-4BB9-80BA-EA9A87DAE2F8}" type="slidenum">
+              <a:rPr lang="en-US" smtClean="0"/>
+              <a:pPr/>
+              <a:t>2</a:t>
+            </a:fld>
+            <a:endParaRPr lang="en-US"/>
+          </a:p>
+        </p:txBody>
+      </p:sp>
+      <p:sp>
+        <p:nvSpPr>
+          <p:cNvPr id="7" name="Rectangle: Rounded Corners 6">
+            <a:extLst>
+              <a:ext uri="{FF2B5EF4-FFF2-40B4-BE49-F238E27FC236}">
+                <a16:creationId xmlns:a16="http://schemas.microsoft.com/office/drawing/2014/main" id="{66749306-A8BD-4FD7-9F25-F1705C1AF447}"/>
+              </a:ext>
+            </a:extLst>
+          </p:cNvPr>
+          <p:cNvSpPr/>
+          <p:nvPr/>
+        </p:nvSpPr>
+        <p:spPr>
+          <a:xfrm>
+            <a:off x="838200" y="2527736"/>
+            <a:ext cx="3200400" cy="2848304"/>
+          </a:xfrm>
+          <a:prstGeom prst="roundRect">
+            <a:avLst/>
+          </a:prstGeom>
+        </p:spPr>
+        <p:style>
+          <a:lnRef idx="2">
+            <a:schemeClr val="accent1">
+              <a:shade val="50000"/>
+            </a:schemeClr>
+          </a:lnRef>
+          <a:fillRef idx="1">
+            <a:schemeClr val="accent1"/>
+          </a:fillRef>
+          <a:effectRef idx="0">
+            <a:schemeClr val="accent1"/>
+          </a:effectRef>
+          <a:fontRef idx="minor">
+            <a:schemeClr val="lt1"/>
+          </a:fontRef>
+        </p:style>
+        <p:txBody>
+          <a:bodyPr rtlCol="0" anchor="ctr"/>
+          <a:lstStyle/>
+          <a:p>
+            <a:pPr algn="ctr"/>
+            <a:endParaRPr lang="en-US"/>
+          </a:p>
+        </p:txBody>
+      </p:sp>
+      <p:sp>
+        <p:nvSpPr>
+          <p:cNvPr id="9" name="Rectangle 8">
+            <a:extLst>
+              <a:ext uri="{FF2B5EF4-FFF2-40B4-BE49-F238E27FC236}">
+                <a16:creationId xmlns:a16="http://schemas.microsoft.com/office/drawing/2014/main" id="{D2A4CB6F-6952-4F3C-B8BB-EAE63BBE26EF}"/>
+              </a:ext>
+            </a:extLst>
+          </p:cNvPr>
+          <p:cNvSpPr/>
+          <p:nvPr/>
+        </p:nvSpPr>
+        <p:spPr>
+          <a:xfrm>
+            <a:off x="1241534" y="2900855"/>
+            <a:ext cx="2393731" cy="662152"/>
+          </a:xfrm>
+          <a:prstGeom prst="rect">
+            <a:avLst/>
+          </a:prstGeom>
+          <a:solidFill>
+            <a:schemeClr val="accent5">
+              <a:lumMod val="50000"/>
+            </a:schemeClr>
+          </a:solidFill>
+          <a:ln>
+            <a:noFill/>
+          </a:ln>
+        </p:spPr>
+        <p:style>
+          <a:lnRef idx="2">
+            <a:schemeClr val="accent1">
+              <a:shade val="50000"/>
+            </a:schemeClr>
+          </a:lnRef>
+          <a:fillRef idx="1">
+            <a:schemeClr val="accent1"/>
+          </a:fillRef>
+          <a:effectRef idx="0">
+            <a:schemeClr val="accent1"/>
+          </a:effectRef>
+          <a:fontRef idx="minor">
+            <a:schemeClr val="lt1"/>
+          </a:fontRef>
+        </p:style>
+        <p:txBody>
+          <a:bodyPr rtlCol="0" anchor="ctr"/>
+          <a:lstStyle/>
+          <a:p>
+            <a:pPr algn="ctr"/>
+            <a:r>
+              <a:rPr lang="en-US" b="1" dirty="0"/>
+              <a:t>Binary Classification</a:t>
+            </a:r>
+          </a:p>
+        </p:txBody>
+      </p:sp>
+      <p:sp>
+        <p:nvSpPr>
+          <p:cNvPr id="10" name="Rectangle 9">
+            <a:extLst>
+              <a:ext uri="{FF2B5EF4-FFF2-40B4-BE49-F238E27FC236}">
+                <a16:creationId xmlns:a16="http://schemas.microsoft.com/office/drawing/2014/main" id="{7F133BB2-9F0A-4416-9449-E6857B384AA2}"/>
+              </a:ext>
+            </a:extLst>
+          </p:cNvPr>
+          <p:cNvSpPr/>
+          <p:nvPr/>
+        </p:nvSpPr>
+        <p:spPr>
+          <a:xfrm>
+            <a:off x="1241534" y="3594801"/>
+            <a:ext cx="1193054" cy="1345324"/>
+          </a:xfrm>
+          <a:prstGeom prst="rect">
+            <a:avLst/>
+          </a:prstGeom>
+          <a:solidFill>
+            <a:srgbClr val="92D050"/>
+          </a:solidFill>
+          <a:ln>
+            <a:noFill/>
+          </a:ln>
+        </p:spPr>
+        <p:style>
+          <a:lnRef idx="2">
+            <a:schemeClr val="accent1">
+              <a:shade val="50000"/>
+            </a:schemeClr>
+          </a:lnRef>
+          <a:fillRef idx="1">
+            <a:schemeClr val="accent1"/>
+          </a:fillRef>
+          <a:effectRef idx="0">
+            <a:schemeClr val="accent1"/>
+          </a:effectRef>
+          <a:fontRef idx="minor">
+            <a:schemeClr val="lt1"/>
+          </a:fontRef>
+        </p:style>
+        <p:txBody>
+          <a:bodyPr rtlCol="0" anchor="ctr"/>
+          <a:lstStyle/>
+          <a:p>
+            <a:pPr algn="ctr"/>
+            <a:r>
+              <a:rPr lang="en-US" sz="2400" b="1" dirty="0"/>
+              <a:t>0</a:t>
+            </a:r>
+            <a:endParaRPr lang="en-US" b="1" dirty="0"/>
+          </a:p>
+          <a:p>
+            <a:pPr algn="ctr"/>
+            <a:r>
+              <a:rPr lang="en-US" sz="1600" dirty="0"/>
+              <a:t>Satisfied customer</a:t>
+            </a:r>
+          </a:p>
+        </p:txBody>
+      </p:sp>
+      <p:sp>
+        <p:nvSpPr>
+          <p:cNvPr id="11" name="Rectangle 10">
+            <a:extLst>
+              <a:ext uri="{FF2B5EF4-FFF2-40B4-BE49-F238E27FC236}">
+                <a16:creationId xmlns:a16="http://schemas.microsoft.com/office/drawing/2014/main" id="{57FB52CC-2EC7-4199-A9EC-679908EDDC49}"/>
+              </a:ext>
+            </a:extLst>
+          </p:cNvPr>
+          <p:cNvSpPr/>
+          <p:nvPr/>
+        </p:nvSpPr>
+        <p:spPr>
+          <a:xfrm>
+            <a:off x="2442210" y="3594801"/>
+            <a:ext cx="1193055" cy="1345324"/>
+          </a:xfrm>
+          <a:prstGeom prst="rect">
+            <a:avLst/>
+          </a:prstGeom>
+          <a:solidFill>
+            <a:srgbClr val="FF4B4B"/>
+          </a:solidFill>
+          <a:ln>
+            <a:noFill/>
+          </a:ln>
+        </p:spPr>
+        <p:style>
+          <a:lnRef idx="2">
+            <a:schemeClr val="accent1">
+              <a:shade val="50000"/>
+            </a:schemeClr>
+          </a:lnRef>
+          <a:fillRef idx="1">
+            <a:schemeClr val="accent1"/>
+          </a:fillRef>
+          <a:effectRef idx="0">
+            <a:schemeClr val="accent1"/>
+          </a:effectRef>
+          <a:fontRef idx="minor">
+            <a:schemeClr val="lt1"/>
+          </a:fontRef>
+        </p:style>
+        <p:txBody>
+          <a:bodyPr rtlCol="0" anchor="ctr"/>
+          <a:lstStyle/>
+          <a:p>
+            <a:pPr algn="ctr"/>
+            <a:r>
+              <a:rPr lang="en-US" sz="2400" b="1" dirty="0"/>
+              <a:t>1</a:t>
+            </a:r>
+            <a:endParaRPr lang="en-US" b="1" dirty="0"/>
+          </a:p>
+          <a:p>
+            <a:pPr algn="ctr"/>
+            <a:r>
+              <a:rPr lang="en-US" sz="1600" dirty="0"/>
+              <a:t>Unsatisfied customer</a:t>
+            </a:r>
+          </a:p>
+        </p:txBody>
+      </p:sp>
+      <p:sp>
+        <p:nvSpPr>
+          <p:cNvPr id="12" name="Rectangle: Rounded Corners 11">
+            <a:extLst>
+              <a:ext uri="{FF2B5EF4-FFF2-40B4-BE49-F238E27FC236}">
+                <a16:creationId xmlns:a16="http://schemas.microsoft.com/office/drawing/2014/main" id="{7D10CD71-DE6E-4E18-A4A4-FF526D4D64F7}"/>
+              </a:ext>
+            </a:extLst>
+          </p:cNvPr>
+          <p:cNvSpPr/>
+          <p:nvPr/>
+        </p:nvSpPr>
+        <p:spPr>
+          <a:xfrm>
+            <a:off x="4280340" y="2787870"/>
+            <a:ext cx="2709042" cy="2173277"/>
+          </a:xfrm>
+          <a:prstGeom prst="roundRect">
+            <a:avLst/>
+          </a:prstGeom>
+        </p:spPr>
+        <p:style>
+          <a:lnRef idx="2">
+            <a:schemeClr val="accent1">
+              <a:shade val="50000"/>
+            </a:schemeClr>
+          </a:lnRef>
+          <a:fillRef idx="1">
+            <a:schemeClr val="accent1"/>
+          </a:fillRef>
+          <a:effectRef idx="0">
+            <a:schemeClr val="accent1"/>
+          </a:effectRef>
+          <a:fontRef idx="minor">
+            <a:schemeClr val="lt1"/>
+          </a:fontRef>
+        </p:style>
+        <p:txBody>
+          <a:bodyPr rtlCol="0" anchor="ctr"/>
+          <a:lstStyle/>
+          <a:p>
+            <a:pPr algn="ctr"/>
+            <a:endParaRPr lang="en-US" dirty="0"/>
+          </a:p>
+        </p:txBody>
+      </p:sp>
+      <p:sp>
+        <p:nvSpPr>
+          <p:cNvPr id="13" name="Rectangle: Rounded Corners 12">
+            <a:extLst>
+              <a:ext uri="{FF2B5EF4-FFF2-40B4-BE49-F238E27FC236}">
+                <a16:creationId xmlns:a16="http://schemas.microsoft.com/office/drawing/2014/main" id="{1209E8B9-3CB0-4D00-8377-11FCC15DEC6D}"/>
+              </a:ext>
+            </a:extLst>
+          </p:cNvPr>
+          <p:cNvSpPr/>
+          <p:nvPr/>
+        </p:nvSpPr>
+        <p:spPr>
+          <a:xfrm>
+            <a:off x="7231122" y="2527736"/>
+            <a:ext cx="3880939" cy="2848304"/>
+          </a:xfrm>
+          <a:prstGeom prst="roundRect">
+            <a:avLst/>
+          </a:prstGeom>
+        </p:spPr>
+        <p:style>
+          <a:lnRef idx="2">
+            <a:schemeClr val="accent1">
+              <a:shade val="50000"/>
+            </a:schemeClr>
+          </a:lnRef>
+          <a:fillRef idx="1">
+            <a:schemeClr val="accent1"/>
+          </a:fillRef>
+          <a:effectRef idx="0">
+            <a:schemeClr val="accent1"/>
+          </a:effectRef>
+          <a:fontRef idx="minor">
+            <a:schemeClr val="lt1"/>
+          </a:fontRef>
+        </p:style>
+        <p:txBody>
+          <a:bodyPr rtlCol="0" anchor="ctr"/>
+          <a:lstStyle/>
+          <a:p>
+            <a:pPr algn="ctr"/>
+            <a:endParaRPr lang="en-US"/>
+          </a:p>
+        </p:txBody>
+      </p:sp>
+      <p:sp>
+        <p:nvSpPr>
+          <p:cNvPr id="14" name="Rectangle 13">
+            <a:extLst>
+              <a:ext uri="{FF2B5EF4-FFF2-40B4-BE49-F238E27FC236}">
+                <a16:creationId xmlns:a16="http://schemas.microsoft.com/office/drawing/2014/main" id="{CB383A1E-E7B1-4F10-87CB-A286C8467625}"/>
+              </a:ext>
+            </a:extLst>
+          </p:cNvPr>
+          <p:cNvSpPr/>
+          <p:nvPr/>
+        </p:nvSpPr>
+        <p:spPr>
+          <a:xfrm>
+            <a:off x="7974725" y="2735316"/>
+            <a:ext cx="2393731" cy="540319"/>
+          </a:xfrm>
+          <a:prstGeom prst="rect">
+            <a:avLst/>
+          </a:prstGeom>
+          <a:solidFill>
+            <a:schemeClr val="accent5">
+              <a:lumMod val="50000"/>
+            </a:schemeClr>
+          </a:solidFill>
+          <a:ln>
+            <a:noFill/>
+          </a:ln>
+        </p:spPr>
+        <p:style>
+          <a:lnRef idx="2">
+            <a:schemeClr val="accent1">
+              <a:shade val="50000"/>
+            </a:schemeClr>
+          </a:lnRef>
+          <a:fillRef idx="1">
+            <a:schemeClr val="accent1"/>
+          </a:fillRef>
+          <a:effectRef idx="0">
+            <a:schemeClr val="accent1"/>
+          </a:effectRef>
+          <a:fontRef idx="minor">
+            <a:schemeClr val="lt1"/>
+          </a:fontRef>
+        </p:style>
+        <p:txBody>
+          <a:bodyPr rtlCol="0" anchor="ctr"/>
+          <a:lstStyle/>
+          <a:p>
+            <a:pPr algn="ctr"/>
+            <a:r>
+              <a:rPr lang="en-US" b="1" dirty="0"/>
+              <a:t>Imbalanced Data</a:t>
+            </a:r>
+          </a:p>
+        </p:txBody>
+      </p:sp>
+      <p:sp>
+        <p:nvSpPr>
+          <p:cNvPr id="15" name="Rectangle 14">
+            <a:extLst>
+              <a:ext uri="{FF2B5EF4-FFF2-40B4-BE49-F238E27FC236}">
+                <a16:creationId xmlns:a16="http://schemas.microsoft.com/office/drawing/2014/main" id="{36F26099-68EF-44FF-83DD-D4CBE6C80BFA}"/>
+              </a:ext>
+            </a:extLst>
+          </p:cNvPr>
+          <p:cNvSpPr/>
+          <p:nvPr/>
+        </p:nvSpPr>
+        <p:spPr>
+          <a:xfrm>
+            <a:off x="4597622" y="3165453"/>
+            <a:ext cx="2074479" cy="662152"/>
+          </a:xfrm>
+          <a:prstGeom prst="rect">
+            <a:avLst/>
+          </a:prstGeom>
+          <a:solidFill>
+            <a:schemeClr val="accent5">
+              <a:lumMod val="50000"/>
+            </a:schemeClr>
+          </a:solidFill>
+          <a:ln>
+            <a:noFill/>
+          </a:ln>
+        </p:spPr>
+        <p:style>
+          <a:lnRef idx="2">
+            <a:schemeClr val="accent1">
+              <a:shade val="50000"/>
+            </a:schemeClr>
+          </a:lnRef>
+          <a:fillRef idx="1">
+            <a:schemeClr val="accent1"/>
+          </a:fillRef>
+          <a:effectRef idx="0">
+            <a:schemeClr val="accent1"/>
+          </a:effectRef>
+          <a:fontRef idx="minor">
+            <a:schemeClr val="lt1"/>
+          </a:fontRef>
+        </p:style>
+        <p:txBody>
+          <a:bodyPr rtlCol="0" anchor="ctr"/>
+          <a:lstStyle/>
+          <a:p>
+            <a:pPr algn="ctr"/>
+            <a:r>
+              <a:rPr lang="en-US" b="1" dirty="0"/>
+              <a:t>76020 data samples</a:t>
+            </a:r>
+          </a:p>
+        </p:txBody>
+      </p:sp>
+      <p:sp>
+        <p:nvSpPr>
+          <p:cNvPr id="16" name="Rectangle 15">
+            <a:extLst>
+              <a:ext uri="{FF2B5EF4-FFF2-40B4-BE49-F238E27FC236}">
+                <a16:creationId xmlns:a16="http://schemas.microsoft.com/office/drawing/2014/main" id="{488FB5AF-02BD-48BA-A97D-978A4CE2783F}"/>
+              </a:ext>
+            </a:extLst>
+          </p:cNvPr>
+          <p:cNvSpPr/>
+          <p:nvPr/>
+        </p:nvSpPr>
+        <p:spPr>
+          <a:xfrm>
+            <a:off x="4597622" y="3914314"/>
+            <a:ext cx="2074479" cy="662152"/>
+          </a:xfrm>
+          <a:prstGeom prst="rect">
+            <a:avLst/>
+          </a:prstGeom>
+          <a:solidFill>
+            <a:schemeClr val="accent5">
+              <a:lumMod val="50000"/>
+            </a:schemeClr>
+          </a:solidFill>
+          <a:ln>
+            <a:noFill/>
+          </a:ln>
+        </p:spPr>
+        <p:style>
+          <a:lnRef idx="2">
+            <a:schemeClr val="accent1">
+              <a:shade val="50000"/>
+            </a:schemeClr>
+          </a:lnRef>
+          <a:fillRef idx="1">
+            <a:schemeClr val="accent1"/>
+          </a:fillRef>
+          <a:effectRef idx="0">
+            <a:schemeClr val="accent1"/>
+          </a:effectRef>
+          <a:fontRef idx="minor">
+            <a:schemeClr val="lt1"/>
+          </a:fontRef>
+        </p:style>
+        <p:txBody>
+          <a:bodyPr rtlCol="0" anchor="ctr"/>
+          <a:lstStyle/>
+          <a:p>
+            <a:pPr algn="ctr"/>
+            <a:r>
+              <a:rPr lang="en-US" b="1" dirty="0"/>
+              <a:t>369 features</a:t>
+            </a:r>
+          </a:p>
+        </p:txBody>
+      </p:sp>
+      <p:graphicFrame>
+        <p:nvGraphicFramePr>
+          <p:cNvPr id="19" name="Chart 18">
+            <a:extLst>
+              <a:ext uri="{FF2B5EF4-FFF2-40B4-BE49-F238E27FC236}">
+                <a16:creationId xmlns:a16="http://schemas.microsoft.com/office/drawing/2014/main" id="{265AA121-A4AC-4E57-8136-49198D2728EF}"/>
+              </a:ext>
+            </a:extLst>
+          </p:cNvPr>
+          <p:cNvGraphicFramePr/>
+          <p:nvPr>
+            <p:extLst>
+              <p:ext uri="{D42A27DB-BD31-4B8C-83A1-F6EECF244321}">
+                <p14:modId xmlns:p14="http://schemas.microsoft.com/office/powerpoint/2010/main" val="857071938"/>
+              </p:ext>
+            </p:extLst>
+          </p:nvPr>
+        </p:nvGraphicFramePr>
+        <p:xfrm>
+          <a:off x="8029248" y="3072830"/>
+          <a:ext cx="2284684" cy="2475184"/>
+        </p:xfrm>
+        <a:graphic>
+          <a:graphicData uri="http://schemas.openxmlformats.org/drawingml/2006/chart">
+            <c:chart xmlns:c="http://schemas.openxmlformats.org/drawingml/2006/chart" xmlns:r="http://schemas.openxmlformats.org/officeDocument/2006/relationships" r:id="rId2"/>
+          </a:graphicData>
+        </a:graphic>
+      </p:graphicFrame>
+    </p:spTree>
+    <p:extLst>
+      <p:ext uri="{BB962C8B-B14F-4D97-AF65-F5344CB8AC3E}">
+        <p14:creationId xmlns:p14="http://schemas.microsoft.com/office/powerpoint/2010/main" val="279575698"/>
+      </p:ext>
+    </p:extLst>
+  </p:cSld>
+  <p:clrMapOvr>
+    <a:masterClrMapping/>
+  </p:clrMapOvr>
+  <p:timing>
+    <p:tnLst>
+      <p:par>
+        <p:cTn id="1" dur="indefinite" restart="never" nodeType="tmRoot">
+          <p:childTnLst>
+            <p:seq concurrent="1" nextAc="seek">
+              <p:cTn id="2" dur="indefinite" nodeType="mainSeq">
+                <p:childTnLst>
+                  <p:par>
+                    <p:cTn id="3" fill="hold">
+                      <p:stCondLst>
+                        <p:cond delay="indefinite"/>
+                      </p:stCondLst>
+                      <p:childTnLst>
+                        <p:par>
+                          <p:cTn id="4" fill="hold">
+                            <p:stCondLst>
+                              <p:cond delay="0"/>
+                            </p:stCondLst>
+                            <p:childTnLst>
+                              <p:par>
+                                <p:cTn id="5" presetID="1" presetClass="entr" presetSubtype="0" fill="hold" grpId="0" nodeType="clickEffect">
+                                  <p:stCondLst>
+                                    <p:cond delay="0"/>
+                                  </p:stCondLst>
+                                  <p:childTnLst>
+                                    <p:set>
+                                      <p:cBhvr>
+                                        <p:cTn id="6" dur="1" fill="hold">
+                                          <p:stCondLst>
+                                            <p:cond delay="0"/>
+                                          </p:stCondLst>
+                                        </p:cTn>
+                                        <p:tgtEl>
+                                          <p:spTgt spid="7"/>
+                                        </p:tgtEl>
+                                        <p:attrNameLst>
+                                          <p:attrName>style.visibility</p:attrName>
+                                        </p:attrNameLst>
+                                      </p:cBhvr>
+                                      <p:to>
+                                        <p:strVal val="visible"/>
+                                      </p:to>
+                                    </p:set>
+                                  </p:childTnLst>
+                                </p:cTn>
+                              </p:par>
+                              <p:par>
+                                <p:cTn id="7" presetID="1" presetClass="entr" presetSubtype="0" fill="hold" grpId="0" nodeType="withEffect">
+                                  <p:stCondLst>
+                                    <p:cond delay="0"/>
+                                  </p:stCondLst>
+                                  <p:childTnLst>
+                                    <p:set>
+                                      <p:cBhvr>
+                                        <p:cTn id="8" dur="1" fill="hold">
+                                          <p:stCondLst>
+                                            <p:cond delay="0"/>
+                                          </p:stCondLst>
+                                        </p:cTn>
+                                        <p:tgtEl>
+                                          <p:spTgt spid="9"/>
+                                        </p:tgtEl>
+                                        <p:attrNameLst>
+                                          <p:attrName>style.visibility</p:attrName>
+                                        </p:attrNameLst>
+                                      </p:cBhvr>
+                                      <p:to>
+                                        <p:strVal val="visible"/>
+                                      </p:to>
+                                    </p:set>
+                                  </p:childTnLst>
+                                </p:cTn>
+                              </p:par>
+                              <p:par>
+                                <p:cTn id="9" presetID="1" presetClass="entr" presetSubtype="0" fill="hold" grpId="0" nodeType="withEffect">
+                                  <p:stCondLst>
+                                    <p:cond delay="0"/>
+                                  </p:stCondLst>
+                                  <p:childTnLst>
+                                    <p:set>
+                                      <p:cBhvr>
+                                        <p:cTn id="10" dur="1" fill="hold">
+                                          <p:stCondLst>
+                                            <p:cond delay="0"/>
+                                          </p:stCondLst>
+                                        </p:cTn>
+                                        <p:tgtEl>
+                                          <p:spTgt spid="10"/>
+                                        </p:tgtEl>
+                                        <p:attrNameLst>
+                                          <p:attrName>style.visibility</p:attrName>
+                                        </p:attrNameLst>
+                                      </p:cBhvr>
+                                      <p:to>
+                                        <p:strVal val="visible"/>
+                                      </p:to>
+                                    </p:set>
+                                  </p:childTnLst>
+                                </p:cTn>
+                              </p:par>
+                              <p:par>
+                                <p:cTn id="11" presetID="1" presetClass="entr" presetSubtype="0" fill="hold" grpId="0" nodeType="withEffect">
+                                  <p:stCondLst>
+                                    <p:cond delay="0"/>
+                                  </p:stCondLst>
+                                  <p:childTnLst>
+                                    <p:set>
+                                      <p:cBhvr>
+                                        <p:cTn id="12" dur="1" fill="hold">
+                                          <p:stCondLst>
+                                            <p:cond delay="0"/>
+                                          </p:stCondLst>
+                                        </p:cTn>
+                                        <p:tgtEl>
+                                          <p:spTgt spid="11"/>
+                                        </p:tgtEl>
+                                        <p:attrNameLst>
+                                          <p:attrName>style.visibility</p:attrName>
+                                        </p:attrNameLst>
+                                      </p:cBhvr>
+                                      <p:to>
+                                        <p:strVal val="visible"/>
+                                      </p:to>
+                                    </p:set>
+                                  </p:childTnLst>
+                                </p:cTn>
+                              </p:par>
+                            </p:childTnLst>
+                          </p:cTn>
+                        </p:par>
+                      </p:childTnLst>
+                    </p:cTn>
+                  </p:par>
+                  <p:par>
+                    <p:cTn id="13" fill="hold">
+                      <p:stCondLst>
+                        <p:cond delay="indefinite"/>
+                      </p:stCondLst>
+                      <p:childTnLst>
+                        <p:par>
+                          <p:cTn id="14" fill="hold">
+                            <p:stCondLst>
+                              <p:cond delay="0"/>
+                            </p:stCondLst>
+                            <p:childTnLst>
+                              <p:par>
+                                <p:cTn id="15" presetID="1" presetClass="entr" presetSubtype="0" fill="hold" grpId="0" nodeType="clickEffect">
+                                  <p:stCondLst>
+                                    <p:cond delay="0"/>
+                                  </p:stCondLst>
+                                  <p:childTnLst>
+                                    <p:set>
+                                      <p:cBhvr>
+                                        <p:cTn id="16" dur="1" fill="hold">
+                                          <p:stCondLst>
+                                            <p:cond delay="0"/>
+                                          </p:stCondLst>
+                                        </p:cTn>
+                                        <p:tgtEl>
+                                          <p:spTgt spid="12"/>
+                                        </p:tgtEl>
+                                        <p:attrNameLst>
+                                          <p:attrName>style.visibility</p:attrName>
+                                        </p:attrNameLst>
+                                      </p:cBhvr>
+                                      <p:to>
+                                        <p:strVal val="visible"/>
+                                      </p:to>
+                                    </p:set>
+                                  </p:childTnLst>
+                                </p:cTn>
+                              </p:par>
+                              <p:par>
+                                <p:cTn id="17" presetID="1" presetClass="entr" presetSubtype="0" fill="hold" grpId="0" nodeType="withEffect">
+                                  <p:stCondLst>
+                                    <p:cond delay="0"/>
+                                  </p:stCondLst>
+                                  <p:childTnLst>
+                                    <p:set>
+                                      <p:cBhvr>
+                                        <p:cTn id="18" dur="1" fill="hold">
+                                          <p:stCondLst>
+                                            <p:cond delay="0"/>
+                                          </p:stCondLst>
+                                        </p:cTn>
+                                        <p:tgtEl>
+                                          <p:spTgt spid="15"/>
+                                        </p:tgtEl>
+                                        <p:attrNameLst>
+                                          <p:attrName>style.visibility</p:attrName>
+                                        </p:attrNameLst>
+                                      </p:cBhvr>
+                                      <p:to>
+                                        <p:strVal val="visible"/>
+                                      </p:to>
+                                    </p:set>
+                                  </p:childTnLst>
+                                </p:cTn>
+                              </p:par>
+                              <p:par>
+                                <p:cTn id="19" presetID="1" presetClass="entr" presetSubtype="0" fill="hold" grpId="0" nodeType="withEffect">
+                                  <p:stCondLst>
+                                    <p:cond delay="0"/>
+                                  </p:stCondLst>
+                                  <p:childTnLst>
+                                    <p:set>
+                                      <p:cBhvr>
+                                        <p:cTn id="20" dur="1" fill="hold">
+                                          <p:stCondLst>
+                                            <p:cond delay="0"/>
+                                          </p:stCondLst>
+                                        </p:cTn>
+                                        <p:tgtEl>
+                                          <p:spTgt spid="16"/>
+                                        </p:tgtEl>
+                                        <p:attrNameLst>
+                                          <p:attrName>style.visibility</p:attrName>
+                                        </p:attrNameLst>
+                                      </p:cBhvr>
+                                      <p:to>
+                                        <p:strVal val="visible"/>
+                                      </p:to>
+                                    </p:set>
+                                  </p:childTnLst>
+                                </p:cTn>
+                              </p:par>
+                            </p:childTnLst>
+                          </p:cTn>
+                        </p:par>
+                      </p:childTnLst>
+                    </p:cTn>
+                  </p:par>
+                  <p:par>
+                    <p:cTn id="21" fill="hold">
+                      <p:stCondLst>
+                        <p:cond delay="indefinite"/>
+                      </p:stCondLst>
+                      <p:childTnLst>
+                        <p:par>
+                          <p:cTn id="22" fill="hold">
+                            <p:stCondLst>
+                              <p:cond delay="0"/>
+                            </p:stCondLst>
+                            <p:childTnLst>
+                              <p:par>
+                                <p:cTn id="23" presetID="1" presetClass="entr" presetSubtype="0" fill="hold" grpId="0" nodeType="clickEffect">
+                                  <p:stCondLst>
+                                    <p:cond delay="0"/>
+                                  </p:stCondLst>
+                                  <p:childTnLst>
+                                    <p:set>
+                                      <p:cBhvr>
+                                        <p:cTn id="24" dur="1" fill="hold">
+                                          <p:stCondLst>
+                                            <p:cond delay="0"/>
+                                          </p:stCondLst>
+                                        </p:cTn>
+                                        <p:tgtEl>
+                                          <p:spTgt spid="13"/>
+                                        </p:tgtEl>
+                                        <p:attrNameLst>
+                                          <p:attrName>style.visibility</p:attrName>
+                                        </p:attrNameLst>
+                                      </p:cBhvr>
+                                      <p:to>
+                                        <p:strVal val="visible"/>
+                                      </p:to>
+                                    </p:set>
+                                  </p:childTnLst>
+                                </p:cTn>
+                              </p:par>
+                              <p:par>
+                                <p:cTn id="25" presetID="1" presetClass="entr" presetSubtype="0" fill="hold" grpId="0" nodeType="withEffect">
+                                  <p:stCondLst>
+                                    <p:cond delay="0"/>
+                                  </p:stCondLst>
+                                  <p:childTnLst>
+                                    <p:set>
+                                      <p:cBhvr>
+                                        <p:cTn id="26" dur="1" fill="hold">
+                                          <p:stCondLst>
+                                            <p:cond delay="0"/>
+                                          </p:stCondLst>
+                                        </p:cTn>
+                                        <p:tgtEl>
+                                          <p:spTgt spid="14"/>
+                                        </p:tgtEl>
+                                        <p:attrNameLst>
+                                          <p:attrName>style.visibility</p:attrName>
+                                        </p:attrNameLst>
+                                      </p:cBhvr>
+                                      <p:to>
+                                        <p:strVal val="visible"/>
+                                      </p:to>
+                                    </p:set>
+                                  </p:childTnLst>
+                                </p:cTn>
+                              </p:par>
+                              <p:par>
+                                <p:cTn id="27" presetID="1" presetClass="entr" presetSubtype="0" fill="hold" grpId="0" nodeType="withEffect">
+                                  <p:stCondLst>
+                                    <p:cond delay="0"/>
+                                  </p:stCondLst>
+                                  <p:childTnLst>
+                                    <p:set>
+                                      <p:cBhvr>
+                                        <p:cTn id="28" dur="1" fill="hold">
+                                          <p:stCondLst>
+                                            <p:cond delay="0"/>
+                                          </p:stCondLst>
+                                        </p:cTn>
+                                        <p:tgtEl>
+                                          <p:spTgt spid="19"/>
+                                        </p:tgtEl>
+                                        <p:attrNameLst>
+                                          <p:attrName>style.visibility</p:attrName>
+                                        </p:attrNameLst>
+                                      </p:cBhvr>
+                                      <p:to>
+                                        <p:strVal val="visible"/>
+                                      </p:to>
+                                    </p:set>
+                                  </p:childTnLst>
+                                </p:cTn>
+                              </p:par>
+                            </p:childTnLst>
+                          </p:cTn>
+                        </p:par>
+                      </p:childTnLst>
+                    </p:cTn>
+                  </p:par>
+                </p:childTnLst>
+              </p:cTn>
+              <p:prevCondLst>
+                <p:cond evt="onPrev" delay="0">
+                  <p:tgtEl>
+                    <p:sldTgt/>
+                  </p:tgtEl>
+                </p:cond>
+              </p:prevCondLst>
+              <p:nextCondLst>
+                <p:cond evt="onNext" delay="0">
+                  <p:tgtEl>
+                    <p:sldTgt/>
+                  </p:tgtEl>
+                </p:cond>
+              </p:nextCondLst>
+            </p:seq>
+          </p:childTnLst>
+        </p:cTn>
+      </p:par>
+    </p:tnLst>
+    <p:bldLst>
+      <p:bldP spid="7" grpId="0" animBg="1"/>
+      <p:bldP spid="9" grpId="0" animBg="1"/>
+      <p:bldP spid="10" grpId="0" animBg="1"/>
+      <p:bldP spid="11" grpId="0" animBg="1"/>
+      <p:bldP spid="12" grpId="0" animBg="1"/>
+      <p:bldP spid="13" grpId="0" animBg="1"/>
+      <p:bldP spid="14" grpId="0" animBg="1"/>
+      <p:bldP spid="15" grpId="0" animBg="1"/>
+      <p:bldP spid="16" grpId="0" animBg="1"/>
+      <p:bldGraphic spid="19" grpId="0">
+        <p:bldAsOne/>
+      </p:bldGraphic>
+    </p:bldLst>
+  </p:timing>
+</p:sld>
+</file>
+
+<file path=ppt/slides/slide3.xml><?xml version="1.0" encoding="utf-8"?>
+<p:sld xmlns:a="http://schemas.openxmlformats.org/drawingml/2006/main" xmlns:r="http://schemas.openxmlformats.org/officeDocument/2006/relationships" xmlns:p="http://schemas.openxmlformats.org/presentationml/2006/main">
+  <p:cSld>
+    <p:spTree>
+      <p:nvGrpSpPr>
+        <p:cNvPr id="1" name=""/>
+        <p:cNvGrpSpPr/>
+        <p:nvPr/>
+      </p:nvGrpSpPr>
+      <p:grpSpPr>
+        <a:xfrm>
+          <a:off x="0" y="0"/>
+          <a:ext cx="0" cy="0"/>
+          <a:chOff x="0" y="0"/>
+          <a:chExt cx="0" cy="0"/>
+        </a:xfrm>
+      </p:grpSpPr>
+      <p:sp>
+        <p:nvSpPr>
+          <p:cNvPr id="2" name="Title 1">
+            <a:extLst>
+              <a:ext uri="{FF2B5EF4-FFF2-40B4-BE49-F238E27FC236}">
+                <a16:creationId xmlns:a16="http://schemas.microsoft.com/office/drawing/2014/main" id="{9490E089-006E-4EAC-A2F0-F4FC20CCF0A5}"/>
+              </a:ext>
+            </a:extLst>
+          </p:cNvPr>
+          <p:cNvSpPr>
+            <a:spLocks noGrp="1"/>
+          </p:cNvSpPr>
+          <p:nvPr>
+            <p:ph type="title"/>
+          </p:nvPr>
+        </p:nvSpPr>
+        <p:spPr/>
+        <p:txBody>
+          <a:bodyPr/>
+          <a:lstStyle/>
+          <a:p>
+            <a:r>
+              <a:rPr lang="en-US" b="1" dirty="0"/>
+              <a:t>Approach</a:t>
+            </a:r>
+          </a:p>
+        </p:txBody>
+      </p:sp>
+      <p:sp>
+        <p:nvSpPr>
+          <p:cNvPr id="4" name="Date Placeholder 3">
+            <a:extLst>
+              <a:ext uri="{FF2B5EF4-FFF2-40B4-BE49-F238E27FC236}">
+                <a16:creationId xmlns:a16="http://schemas.microsoft.com/office/drawing/2014/main" id="{8B2E7034-6BCD-421D-807D-9853800D74CC}"/>
+              </a:ext>
+            </a:extLst>
+          </p:cNvPr>
+          <p:cNvSpPr>
+            <a:spLocks noGrp="1"/>
+          </p:cNvSpPr>
+          <p:nvPr>
+            <p:ph type="dt" sz="half" idx="10"/>
+          </p:nvPr>
+        </p:nvSpPr>
+        <p:spPr/>
+        <p:txBody>
+          <a:bodyPr/>
+          <a:lstStyle/>
+          <a:p>
+            <a:fld id="{F64A956B-0A9E-4726-8DC0-243CDBACFE3D}" type="datetime1">
+              <a:rPr lang="de-DE" smtClean="0"/>
+              <a:t>05.04.2019</a:t>
+            </a:fld>
+            <a:endParaRPr lang="en-US" dirty="0"/>
+          </a:p>
+        </p:txBody>
+      </p:sp>
+      <p:sp>
+        <p:nvSpPr>
+          <p:cNvPr id="5" name="Footer Placeholder 4">
+            <a:extLst>
+              <a:ext uri="{FF2B5EF4-FFF2-40B4-BE49-F238E27FC236}">
+                <a16:creationId xmlns:a16="http://schemas.microsoft.com/office/drawing/2014/main" id="{75C4FAC4-A92E-42BE-A722-E224DC12AEFD}"/>
+              </a:ext>
+            </a:extLst>
+          </p:cNvPr>
+          <p:cNvSpPr>
+            <a:spLocks noGrp="1"/>
+          </p:cNvSpPr>
+          <p:nvPr>
+            <p:ph type="ftr" sz="quarter" idx="11"/>
+          </p:nvPr>
+        </p:nvSpPr>
+        <p:spPr/>
+        <p:txBody>
+          <a:bodyPr/>
+          <a:lstStyle/>
+          <a:p>
+            <a:r>
+              <a:rPr lang="fr-FR"/>
+              <a:t>Daniel F. Perez Ramirez | Combient Challenge</a:t>
+            </a:r>
+            <a:endParaRPr lang="en-US" dirty="0"/>
+          </a:p>
+        </p:txBody>
+      </p:sp>
+      <p:sp>
+        <p:nvSpPr>
+          <p:cNvPr id="6" name="Slide Number Placeholder 5">
+            <a:extLst>
+              <a:ext uri="{FF2B5EF4-FFF2-40B4-BE49-F238E27FC236}">
+                <a16:creationId xmlns:a16="http://schemas.microsoft.com/office/drawing/2014/main" id="{2FCB3602-860E-429E-A2F9-211AF9D26CEE}"/>
+              </a:ext>
+            </a:extLst>
+          </p:cNvPr>
+          <p:cNvSpPr>
+            <a:spLocks noGrp="1"/>
+          </p:cNvSpPr>
+          <p:nvPr>
+            <p:ph type="sldNum" sz="quarter" idx="12"/>
+          </p:nvPr>
+        </p:nvSpPr>
+        <p:spPr/>
+        <p:txBody>
+          <a:bodyPr/>
+          <a:lstStyle/>
+          <a:p>
+            <a:fld id="{29C669B8-FD6D-4BB9-80BA-EA9A87DAE2F8}" type="slidenum">
+              <a:rPr lang="en-US" smtClean="0"/>
+              <a:pPr/>
+              <a:t>3</a:t>
+            </a:fld>
+            <a:endParaRPr lang="en-US"/>
+          </a:p>
+        </p:txBody>
+      </p:sp>
+      <p:sp>
+        <p:nvSpPr>
+          <p:cNvPr id="7" name="Rectangle: Rounded Corners 6">
+            <a:extLst>
+              <a:ext uri="{FF2B5EF4-FFF2-40B4-BE49-F238E27FC236}">
+                <a16:creationId xmlns:a16="http://schemas.microsoft.com/office/drawing/2014/main" id="{08B65755-4623-4618-AD81-38793034738D}"/>
+              </a:ext>
+            </a:extLst>
+          </p:cNvPr>
+          <p:cNvSpPr/>
+          <p:nvPr/>
+        </p:nvSpPr>
+        <p:spPr>
+          <a:xfrm>
+            <a:off x="1416269" y="1864275"/>
+            <a:ext cx="1152646" cy="901264"/>
+          </a:xfrm>
+          <a:prstGeom prst="roundRect">
+            <a:avLst/>
+          </a:prstGeom>
+          <a:solidFill>
+            <a:schemeClr val="accent5">
+              <a:lumMod val="50000"/>
+            </a:schemeClr>
+          </a:solidFill>
+        </p:spPr>
+        <p:style>
+          <a:lnRef idx="2">
+            <a:schemeClr val="accent1">
+              <a:shade val="50000"/>
+            </a:schemeClr>
+          </a:lnRef>
+          <a:fillRef idx="1">
+            <a:schemeClr val="accent1"/>
+          </a:fillRef>
+          <a:effectRef idx="0">
+            <a:schemeClr val="accent1"/>
+          </a:effectRef>
+          <a:fontRef idx="minor">
+            <a:schemeClr val="lt1"/>
+          </a:fontRef>
+        </p:style>
+        <p:txBody>
+          <a:bodyPr rtlCol="0" anchor="ctr"/>
+          <a:lstStyle/>
+          <a:p>
+            <a:pPr algn="ctr"/>
+            <a:r>
+              <a:rPr lang="en-US" dirty="0"/>
+              <a:t>Describe Problem</a:t>
+            </a:r>
+          </a:p>
+        </p:txBody>
+      </p:sp>
+      <p:sp>
+        <p:nvSpPr>
+          <p:cNvPr id="25" name="Rectangle 24">
+            <a:extLst>
+              <a:ext uri="{FF2B5EF4-FFF2-40B4-BE49-F238E27FC236}">
+                <a16:creationId xmlns:a16="http://schemas.microsoft.com/office/drawing/2014/main" id="{33D1397F-539F-48CE-B76D-E8C322F7285E}"/>
+              </a:ext>
+            </a:extLst>
+          </p:cNvPr>
+          <p:cNvSpPr/>
+          <p:nvPr/>
+        </p:nvSpPr>
+        <p:spPr>
+          <a:xfrm>
+            <a:off x="999669" y="5045446"/>
+            <a:ext cx="1623061" cy="1029894"/>
+          </a:xfrm>
+          <a:prstGeom prst="rect">
+            <a:avLst/>
+          </a:prstGeom>
+          <a:solidFill>
+            <a:schemeClr val="bg1">
+              <a:lumMod val="85000"/>
+            </a:schemeClr>
+          </a:solidFill>
+          <a:ln>
+            <a:noFill/>
+          </a:ln>
+        </p:spPr>
+        <p:style>
+          <a:lnRef idx="2">
+            <a:schemeClr val="accent1">
+              <a:shade val="50000"/>
+            </a:schemeClr>
+          </a:lnRef>
+          <a:fillRef idx="1">
+            <a:schemeClr val="accent1"/>
+          </a:fillRef>
+          <a:effectRef idx="0">
+            <a:schemeClr val="accent1"/>
+          </a:effectRef>
+          <a:fontRef idx="minor">
+            <a:schemeClr val="lt1"/>
+          </a:fontRef>
+        </p:style>
+        <p:txBody>
+          <a:bodyPr rtlCol="0" anchor="ctr"/>
+          <a:lstStyle/>
+          <a:p>
+            <a:pPr algn="ctr"/>
+            <a:endParaRPr lang="en-US"/>
+          </a:p>
+        </p:txBody>
+      </p:sp>
+      <p:cxnSp>
+        <p:nvCxnSpPr>
+          <p:cNvPr id="12" name="Straight Connector 11">
+            <a:extLst>
+              <a:ext uri="{FF2B5EF4-FFF2-40B4-BE49-F238E27FC236}">
+                <a16:creationId xmlns:a16="http://schemas.microsoft.com/office/drawing/2014/main" id="{69A3D1AC-D7B8-421E-B069-54A41AED5A84}"/>
+              </a:ext>
+            </a:extLst>
+          </p:cNvPr>
+          <p:cNvCxnSpPr>
+            <a:cxnSpLocks/>
+          </p:cNvCxnSpPr>
+          <p:nvPr/>
+        </p:nvCxnSpPr>
+        <p:spPr>
+          <a:xfrm>
+            <a:off x="1069084" y="5710322"/>
+            <a:ext cx="214132" cy="0"/>
+          </a:xfrm>
+          <a:prstGeom prst="line">
+            <a:avLst/>
+          </a:prstGeom>
+          <a:ln w="34925">
+            <a:solidFill>
+              <a:schemeClr val="tx1"/>
+            </a:solidFill>
+            <a:prstDash val="sysDash"/>
+            <a:tailEnd w="lg" len="med"/>
+          </a:ln>
+        </p:spPr>
+        <p:style>
+          <a:lnRef idx="1">
+            <a:schemeClr val="accent1"/>
+          </a:lnRef>
+          <a:fillRef idx="0">
+            <a:schemeClr val="accent1"/>
+          </a:fillRef>
+          <a:effectRef idx="0">
+            <a:schemeClr val="accent1"/>
+          </a:effectRef>
+          <a:fontRef idx="minor">
+            <a:schemeClr val="tx1"/>
+          </a:fontRef>
+        </p:style>
+      </p:cxnSp>
+      <p:cxnSp>
+        <p:nvCxnSpPr>
+          <p:cNvPr id="15" name="Straight Arrow Connector 14">
+            <a:extLst>
+              <a:ext uri="{FF2B5EF4-FFF2-40B4-BE49-F238E27FC236}">
+                <a16:creationId xmlns:a16="http://schemas.microsoft.com/office/drawing/2014/main" id="{34F542DC-EE4C-4B63-B813-E628A6B6CC63}"/>
+              </a:ext>
+            </a:extLst>
+          </p:cNvPr>
+          <p:cNvCxnSpPr>
+            <a:cxnSpLocks/>
+          </p:cNvCxnSpPr>
+          <p:nvPr/>
+        </p:nvCxnSpPr>
+        <p:spPr>
+          <a:xfrm>
+            <a:off x="1069084" y="5936908"/>
+            <a:ext cx="214132" cy="0"/>
+          </a:xfrm>
+          <a:prstGeom prst="straightConnector1">
+            <a:avLst/>
+          </a:prstGeom>
+          <a:ln w="34925">
+            <a:solidFill>
+              <a:schemeClr val="tx1"/>
+            </a:solidFill>
+            <a:tailEnd type="triangle" w="lg" len="med"/>
+          </a:ln>
+        </p:spPr>
+        <p:style>
+          <a:lnRef idx="1">
+            <a:schemeClr val="accent1"/>
+          </a:lnRef>
+          <a:fillRef idx="0">
+            <a:schemeClr val="accent1"/>
+          </a:fillRef>
+          <a:effectRef idx="0">
+            <a:schemeClr val="accent1"/>
+          </a:effectRef>
+          <a:fontRef idx="minor">
+            <a:schemeClr val="tx1"/>
+          </a:fontRef>
+        </p:style>
+      </p:cxnSp>
+      <p:sp>
+        <p:nvSpPr>
+          <p:cNvPr id="16" name="TextBox 15">
+            <a:extLst>
+              <a:ext uri="{FF2B5EF4-FFF2-40B4-BE49-F238E27FC236}">
+                <a16:creationId xmlns:a16="http://schemas.microsoft.com/office/drawing/2014/main" id="{EF5D8DAD-6072-441A-81E4-B0C2F2ABABF6}"/>
+              </a:ext>
+            </a:extLst>
+          </p:cNvPr>
+          <p:cNvSpPr txBox="1"/>
+          <p:nvPr/>
+        </p:nvSpPr>
+        <p:spPr>
+          <a:xfrm>
+            <a:off x="1242751" y="5560393"/>
+            <a:ext cx="1387309" cy="261610"/>
+          </a:xfrm>
+          <a:prstGeom prst="rect">
+            <a:avLst/>
+          </a:prstGeom>
+          <a:noFill/>
+        </p:spPr>
+        <p:txBody>
+          <a:bodyPr wrap="square" rtlCol="0">
+            <a:spAutoFit/>
+          </a:bodyPr>
+          <a:lstStyle/>
+          <a:p>
+            <a:r>
+              <a:rPr lang="en-US" sz="1100" dirty="0"/>
+              <a:t>To Phase Description</a:t>
+            </a:r>
+          </a:p>
+        </p:txBody>
+      </p:sp>
+      <p:sp>
+        <p:nvSpPr>
+          <p:cNvPr id="17" name="TextBox 16">
+            <a:extLst>
+              <a:ext uri="{FF2B5EF4-FFF2-40B4-BE49-F238E27FC236}">
+                <a16:creationId xmlns:a16="http://schemas.microsoft.com/office/drawing/2014/main" id="{B9003102-22DC-447E-94F0-8F7C0D89B494}"/>
+              </a:ext>
+            </a:extLst>
+          </p:cNvPr>
+          <p:cNvSpPr txBox="1"/>
+          <p:nvPr/>
+        </p:nvSpPr>
+        <p:spPr>
+          <a:xfrm>
+            <a:off x="1242751" y="5798476"/>
+            <a:ext cx="1322539" cy="261610"/>
+          </a:xfrm>
+          <a:prstGeom prst="rect">
+            <a:avLst/>
+          </a:prstGeom>
+          <a:noFill/>
+        </p:spPr>
+        <p:txBody>
+          <a:bodyPr wrap="square" rtlCol="0">
+            <a:spAutoFit/>
+          </a:bodyPr>
+          <a:lstStyle/>
+          <a:p>
+            <a:r>
+              <a:rPr lang="en-US" sz="1100" dirty="0"/>
+              <a:t>Process flow</a:t>
+            </a:r>
+          </a:p>
+        </p:txBody>
+      </p:sp>
+      <p:sp>
+        <p:nvSpPr>
+          <p:cNvPr id="18" name="Rectangle: Rounded Corners 17">
+            <a:extLst>
+              <a:ext uri="{FF2B5EF4-FFF2-40B4-BE49-F238E27FC236}">
+                <a16:creationId xmlns:a16="http://schemas.microsoft.com/office/drawing/2014/main" id="{DFD565E2-BF76-48D9-83A1-8318D5C1B5C9}"/>
+              </a:ext>
+            </a:extLst>
+          </p:cNvPr>
+          <p:cNvSpPr/>
+          <p:nvPr/>
+        </p:nvSpPr>
+        <p:spPr>
+          <a:xfrm>
+            <a:off x="1122264" y="5110334"/>
+            <a:ext cx="160952" cy="147221"/>
+          </a:xfrm>
+          <a:prstGeom prst="roundRect">
+            <a:avLst/>
+          </a:prstGeom>
+          <a:solidFill>
+            <a:schemeClr val="accent5">
+              <a:lumMod val="50000"/>
+            </a:schemeClr>
+          </a:solidFill>
+        </p:spPr>
+        <p:style>
+          <a:lnRef idx="2">
+            <a:schemeClr val="accent1">
+              <a:shade val="50000"/>
+            </a:schemeClr>
+          </a:lnRef>
+          <a:fillRef idx="1">
+            <a:schemeClr val="accent1"/>
+          </a:fillRef>
+          <a:effectRef idx="0">
+            <a:schemeClr val="accent1"/>
+          </a:effectRef>
+          <a:fontRef idx="minor">
+            <a:schemeClr val="lt1"/>
+          </a:fontRef>
+        </p:style>
+        <p:txBody>
+          <a:bodyPr rtlCol="0" anchor="ctr"/>
+          <a:lstStyle/>
+          <a:p>
+            <a:pPr algn="ctr"/>
+            <a:endParaRPr lang="en-US" dirty="0"/>
+          </a:p>
+        </p:txBody>
+      </p:sp>
+      <p:sp>
+        <p:nvSpPr>
+          <p:cNvPr id="19" name="Rectangle: Rounded Corners 18">
+            <a:extLst>
+              <a:ext uri="{FF2B5EF4-FFF2-40B4-BE49-F238E27FC236}">
+                <a16:creationId xmlns:a16="http://schemas.microsoft.com/office/drawing/2014/main" id="{04285023-D48D-4758-BE40-1B07B6F32FBD}"/>
+              </a:ext>
+            </a:extLst>
+          </p:cNvPr>
+          <p:cNvSpPr/>
+          <p:nvPr/>
+        </p:nvSpPr>
+        <p:spPr>
+          <a:xfrm>
+            <a:off x="1122264" y="5361480"/>
+            <a:ext cx="160952" cy="147199"/>
+          </a:xfrm>
+          <a:prstGeom prst="roundRect">
+            <a:avLst/>
+          </a:prstGeom>
+        </p:spPr>
+        <p:style>
+          <a:lnRef idx="2">
+            <a:schemeClr val="accent1">
+              <a:shade val="50000"/>
+            </a:schemeClr>
+          </a:lnRef>
+          <a:fillRef idx="1">
+            <a:schemeClr val="accent1"/>
+          </a:fillRef>
+          <a:effectRef idx="0">
+            <a:schemeClr val="accent1"/>
+          </a:effectRef>
+          <a:fontRef idx="minor">
+            <a:schemeClr val="lt1"/>
+          </a:fontRef>
+        </p:style>
+        <p:txBody>
+          <a:bodyPr rtlCol="0" anchor="ctr"/>
+          <a:lstStyle/>
+          <a:p>
+            <a:pPr algn="ctr"/>
+            <a:endParaRPr lang="en-US" sz="1600" dirty="0"/>
+          </a:p>
+        </p:txBody>
+      </p:sp>
+      <p:sp>
+        <p:nvSpPr>
+          <p:cNvPr id="20" name="TextBox 19">
+            <a:extLst>
+              <a:ext uri="{FF2B5EF4-FFF2-40B4-BE49-F238E27FC236}">
+                <a16:creationId xmlns:a16="http://schemas.microsoft.com/office/drawing/2014/main" id="{5E2E869C-6362-4516-AFE8-A484778AAABA}"/>
+              </a:ext>
+            </a:extLst>
+          </p:cNvPr>
+          <p:cNvSpPr txBox="1"/>
+          <p:nvPr/>
+        </p:nvSpPr>
+        <p:spPr>
+          <a:xfrm>
+            <a:off x="1242751" y="5296592"/>
+            <a:ext cx="1284439" cy="261610"/>
+          </a:xfrm>
+          <a:prstGeom prst="rect">
+            <a:avLst/>
+          </a:prstGeom>
+          <a:noFill/>
+        </p:spPr>
+        <p:txBody>
+          <a:bodyPr wrap="square" rtlCol="0">
+            <a:spAutoFit/>
+          </a:bodyPr>
+          <a:lstStyle/>
+          <a:p>
+            <a:r>
+              <a:rPr lang="en-US" sz="1100" dirty="0"/>
+              <a:t>Phase Deliverables</a:t>
+            </a:r>
+          </a:p>
+        </p:txBody>
+      </p:sp>
+      <p:sp>
+        <p:nvSpPr>
+          <p:cNvPr id="21" name="TextBox 20">
+            <a:extLst>
+              <a:ext uri="{FF2B5EF4-FFF2-40B4-BE49-F238E27FC236}">
+                <a16:creationId xmlns:a16="http://schemas.microsoft.com/office/drawing/2014/main" id="{C9FA9AC7-2825-4F05-9E49-84FA48EF3A2D}"/>
+              </a:ext>
+            </a:extLst>
+          </p:cNvPr>
+          <p:cNvSpPr txBox="1"/>
+          <p:nvPr/>
+        </p:nvSpPr>
+        <p:spPr>
+          <a:xfrm>
+            <a:off x="1242751" y="5045446"/>
+            <a:ext cx="1063459" cy="261610"/>
+          </a:xfrm>
+          <a:prstGeom prst="rect">
+            <a:avLst/>
+          </a:prstGeom>
+          <a:noFill/>
+        </p:spPr>
+        <p:txBody>
+          <a:bodyPr wrap="square" rtlCol="0">
+            <a:spAutoFit/>
+          </a:bodyPr>
+          <a:lstStyle/>
+          <a:p>
+            <a:r>
+              <a:rPr lang="en-US" sz="1100" dirty="0"/>
+              <a:t>Phase</a:t>
+            </a:r>
+          </a:p>
+        </p:txBody>
+      </p:sp>
+      <p:cxnSp>
+        <p:nvCxnSpPr>
+          <p:cNvPr id="38" name="Straight Arrow Connector 37">
+            <a:extLst>
+              <a:ext uri="{FF2B5EF4-FFF2-40B4-BE49-F238E27FC236}">
+                <a16:creationId xmlns:a16="http://schemas.microsoft.com/office/drawing/2014/main" id="{5149059F-43D9-4761-8D2B-499DD269FDA8}"/>
+              </a:ext>
+            </a:extLst>
+          </p:cNvPr>
+          <p:cNvCxnSpPr>
+            <a:cxnSpLocks/>
+            <a:stCxn id="44" idx="6"/>
+            <a:endCxn id="7" idx="1"/>
+          </p:cNvCxnSpPr>
+          <p:nvPr/>
+        </p:nvCxnSpPr>
+        <p:spPr>
+          <a:xfrm>
+            <a:off x="1176684" y="2314907"/>
+            <a:ext cx="239585" cy="0"/>
+          </a:xfrm>
+          <a:prstGeom prst="straightConnector1">
+            <a:avLst/>
+          </a:prstGeom>
+          <a:ln w="34925">
+            <a:solidFill>
+              <a:schemeClr val="tx1"/>
+            </a:solidFill>
+            <a:tailEnd type="triangle" w="lg" len="med"/>
+          </a:ln>
+        </p:spPr>
+        <p:style>
+          <a:lnRef idx="1">
+            <a:schemeClr val="accent1"/>
+          </a:lnRef>
+          <a:fillRef idx="0">
+            <a:schemeClr val="accent1"/>
+          </a:fillRef>
+          <a:effectRef idx="0">
+            <a:schemeClr val="accent1"/>
+          </a:effectRef>
+          <a:fontRef idx="minor">
+            <a:schemeClr val="tx1"/>
+          </a:fontRef>
+        </p:style>
+      </p:cxnSp>
+      <p:grpSp>
+        <p:nvGrpSpPr>
+          <p:cNvPr id="45" name="Group 44">
+            <a:extLst>
+              <a:ext uri="{FF2B5EF4-FFF2-40B4-BE49-F238E27FC236}">
+                <a16:creationId xmlns:a16="http://schemas.microsoft.com/office/drawing/2014/main" id="{046198E5-513E-43C2-8242-6B412F3E9D8C}"/>
+              </a:ext>
+            </a:extLst>
+          </p:cNvPr>
+          <p:cNvGrpSpPr/>
+          <p:nvPr/>
+        </p:nvGrpSpPr>
+        <p:grpSpPr>
+          <a:xfrm>
+            <a:off x="833784" y="2144707"/>
+            <a:ext cx="342900" cy="340399"/>
+            <a:chOff x="3018439" y="2294176"/>
+            <a:chExt cx="342900" cy="340399"/>
+          </a:xfrm>
+        </p:grpSpPr>
+        <p:sp>
+          <p:nvSpPr>
+            <p:cNvPr id="43" name="Oval 42">
+              <a:extLst>
+                <a:ext uri="{FF2B5EF4-FFF2-40B4-BE49-F238E27FC236}">
+                  <a16:creationId xmlns:a16="http://schemas.microsoft.com/office/drawing/2014/main" id="{7CF3E94F-8DF3-4963-A06B-7FC59F34987B}"/>
+                </a:ext>
+              </a:extLst>
+            </p:cNvPr>
+            <p:cNvSpPr/>
+            <p:nvPr/>
+          </p:nvSpPr>
+          <p:spPr>
+            <a:xfrm>
+              <a:off x="3058510" y="2322486"/>
+              <a:ext cx="262759" cy="283779"/>
+            </a:xfrm>
+            <a:prstGeom prst="ellipse">
+              <a:avLst/>
+            </a:prstGeom>
+            <a:solidFill>
+              <a:schemeClr val="tx1"/>
+            </a:solidFill>
+            <a:ln>
+              <a:noFill/>
+            </a:ln>
+          </p:spPr>
+          <p:style>
+            <a:lnRef idx="2">
+              <a:schemeClr val="accent1">
+                <a:shade val="50000"/>
+              </a:schemeClr>
+            </a:lnRef>
+            <a:fillRef idx="1">
+              <a:schemeClr val="accent1"/>
+            </a:fillRef>
+            <a:effectRef idx="0">
+              <a:schemeClr val="accent1"/>
+            </a:effectRef>
+            <a:fontRef idx="minor">
+              <a:schemeClr val="lt1"/>
+            </a:fontRef>
+          </p:style>
+          <p:txBody>
+            <a:bodyPr rtlCol="0" anchor="ctr"/>
+            <a:lstStyle/>
+            <a:p>
+              <a:pPr algn="ctr"/>
+              <a:endParaRPr lang="en-US"/>
+            </a:p>
+          </p:txBody>
+        </p:sp>
+        <p:sp>
+          <p:nvSpPr>
+            <p:cNvPr id="44" name="Oval 43">
+              <a:extLst>
+                <a:ext uri="{FF2B5EF4-FFF2-40B4-BE49-F238E27FC236}">
+                  <a16:creationId xmlns:a16="http://schemas.microsoft.com/office/drawing/2014/main" id="{37607B5B-1FE3-4FED-9387-E54049739156}"/>
+                </a:ext>
+              </a:extLst>
+            </p:cNvPr>
+            <p:cNvSpPr/>
+            <p:nvPr/>
+          </p:nvSpPr>
+          <p:spPr>
+            <a:xfrm>
+              <a:off x="3018439" y="2294176"/>
+              <a:ext cx="342900" cy="340399"/>
+            </a:xfrm>
+            <a:prstGeom prst="ellipse">
+              <a:avLst/>
+            </a:prstGeom>
+            <a:noFill/>
+            <a:ln w="38100">
+              <a:solidFill>
+                <a:schemeClr val="tx1"/>
+              </a:solidFill>
+            </a:ln>
+          </p:spPr>
+          <p:style>
+            <a:lnRef idx="2">
+              <a:schemeClr val="accent1">
+                <a:shade val="50000"/>
+              </a:schemeClr>
+            </a:lnRef>
+            <a:fillRef idx="1">
+              <a:schemeClr val="accent1"/>
+            </a:fillRef>
+            <a:effectRef idx="0">
+              <a:schemeClr val="accent1"/>
+            </a:effectRef>
+            <a:fontRef idx="minor">
+              <a:schemeClr val="lt1"/>
+            </a:fontRef>
+          </p:style>
+          <p:txBody>
+            <a:bodyPr rtlCol="0" anchor="ctr"/>
+            <a:lstStyle/>
+            <a:p>
+              <a:pPr algn="ctr"/>
+              <a:endParaRPr lang="en-US"/>
+            </a:p>
+          </p:txBody>
+        </p:sp>
+      </p:grpSp>
+      <p:sp>
+        <p:nvSpPr>
+          <p:cNvPr id="50" name="Rectangle: Rounded Corners 49">
+            <a:extLst>
+              <a:ext uri="{FF2B5EF4-FFF2-40B4-BE49-F238E27FC236}">
+                <a16:creationId xmlns:a16="http://schemas.microsoft.com/office/drawing/2014/main" id="{F375A9BD-BD19-4364-8B33-DCFED797F771}"/>
+              </a:ext>
+            </a:extLst>
+          </p:cNvPr>
+          <p:cNvSpPr/>
+          <p:nvPr/>
+        </p:nvSpPr>
+        <p:spPr>
+          <a:xfrm>
+            <a:off x="2898894" y="1863134"/>
+            <a:ext cx="1152646" cy="901264"/>
+          </a:xfrm>
+          <a:prstGeom prst="roundRect">
+            <a:avLst/>
+          </a:prstGeom>
+          <a:solidFill>
+            <a:schemeClr val="accent5">
+              <a:lumMod val="50000"/>
+            </a:schemeClr>
+          </a:solidFill>
+        </p:spPr>
+        <p:style>
+          <a:lnRef idx="2">
+            <a:schemeClr val="accent1">
+              <a:shade val="50000"/>
+            </a:schemeClr>
+          </a:lnRef>
+          <a:fillRef idx="1">
+            <a:schemeClr val="accent1"/>
+          </a:fillRef>
+          <a:effectRef idx="0">
+            <a:schemeClr val="accent1"/>
+          </a:effectRef>
+          <a:fontRef idx="minor">
+            <a:schemeClr val="lt1"/>
+          </a:fontRef>
+        </p:style>
+        <p:txBody>
+          <a:bodyPr rtlCol="0" anchor="ctr"/>
+          <a:lstStyle/>
+          <a:p>
+            <a:pPr algn="ctr"/>
+            <a:r>
+              <a:rPr lang="en-US" dirty="0"/>
+              <a:t>Analyze Dataset</a:t>
+            </a:r>
+          </a:p>
+        </p:txBody>
+      </p:sp>
+      <p:sp>
+        <p:nvSpPr>
+          <p:cNvPr id="52" name="Rectangle: Rounded Corners 51">
+            <a:extLst>
+              <a:ext uri="{FF2B5EF4-FFF2-40B4-BE49-F238E27FC236}">
+                <a16:creationId xmlns:a16="http://schemas.microsoft.com/office/drawing/2014/main" id="{566BF4C5-6937-4B3D-8877-E5417EEF681E}"/>
+              </a:ext>
+            </a:extLst>
+          </p:cNvPr>
+          <p:cNvSpPr/>
+          <p:nvPr/>
+        </p:nvSpPr>
+        <p:spPr>
+          <a:xfrm>
+            <a:off x="2190100" y="3329127"/>
+            <a:ext cx="2570233" cy="802078"/>
+          </a:xfrm>
+          <a:prstGeom prst="roundRect">
+            <a:avLst>
+              <a:gd name="adj" fmla="val 22776"/>
+            </a:avLst>
+          </a:prstGeom>
+        </p:spPr>
+        <p:style>
+          <a:lnRef idx="2">
+            <a:schemeClr val="accent1">
+              <a:shade val="50000"/>
+            </a:schemeClr>
+          </a:lnRef>
+          <a:fillRef idx="1">
+            <a:schemeClr val="accent1"/>
+          </a:fillRef>
+          <a:effectRef idx="0">
+            <a:schemeClr val="accent1"/>
+          </a:effectRef>
+          <a:fontRef idx="minor">
+            <a:schemeClr val="lt1"/>
+          </a:fontRef>
+        </p:style>
+        <p:txBody>
+          <a:bodyPr rtlCol="0" anchor="ctr"/>
+          <a:lstStyle/>
+          <a:p>
+            <a:pPr algn="ctr"/>
+            <a:r>
+              <a:rPr lang="en-US" sz="1600" dirty="0"/>
+              <a:t>Insights on the features of the dataset</a:t>
+            </a:r>
+          </a:p>
+          <a:p>
+            <a:pPr algn="ctr"/>
+            <a:r>
+              <a:rPr lang="en-US" sz="1200" dirty="0"/>
+              <a:t>“00_Explore_data.ipynb”</a:t>
+            </a:r>
+          </a:p>
+        </p:txBody>
+      </p:sp>
+      <p:cxnSp>
+        <p:nvCxnSpPr>
+          <p:cNvPr id="59" name="Straight Connector 58">
+            <a:extLst>
+              <a:ext uri="{FF2B5EF4-FFF2-40B4-BE49-F238E27FC236}">
+                <a16:creationId xmlns:a16="http://schemas.microsoft.com/office/drawing/2014/main" id="{6F569B40-1301-482C-B223-974CC85BF4DC}"/>
+              </a:ext>
+            </a:extLst>
+          </p:cNvPr>
+          <p:cNvCxnSpPr>
+            <a:cxnSpLocks/>
+            <a:stCxn id="50" idx="2"/>
+            <a:endCxn id="52" idx="0"/>
+          </p:cNvCxnSpPr>
+          <p:nvPr/>
+        </p:nvCxnSpPr>
+        <p:spPr>
+          <a:xfrm>
+            <a:off x="3475217" y="2764398"/>
+            <a:ext cx="0" cy="564729"/>
+          </a:xfrm>
+          <a:prstGeom prst="line">
+            <a:avLst/>
+          </a:prstGeom>
+          <a:ln w="34925">
+            <a:solidFill>
+              <a:schemeClr val="tx1"/>
+            </a:solidFill>
+            <a:prstDash val="sysDash"/>
+            <a:tailEnd w="lg" len="med"/>
+          </a:ln>
+        </p:spPr>
+        <p:style>
+          <a:lnRef idx="1">
+            <a:schemeClr val="accent1"/>
+          </a:lnRef>
+          <a:fillRef idx="0">
+            <a:schemeClr val="accent1"/>
+          </a:fillRef>
+          <a:effectRef idx="0">
+            <a:schemeClr val="accent1"/>
+          </a:effectRef>
+          <a:fontRef idx="minor">
+            <a:schemeClr val="tx1"/>
+          </a:fontRef>
+        </p:style>
+      </p:cxnSp>
+      <p:cxnSp>
+        <p:nvCxnSpPr>
+          <p:cNvPr id="63" name="Straight Arrow Connector 62">
+            <a:extLst>
+              <a:ext uri="{FF2B5EF4-FFF2-40B4-BE49-F238E27FC236}">
+                <a16:creationId xmlns:a16="http://schemas.microsoft.com/office/drawing/2014/main" id="{0430D294-36F2-45B8-BDA9-A298DED0B2F3}"/>
+              </a:ext>
+            </a:extLst>
+          </p:cNvPr>
+          <p:cNvCxnSpPr>
+            <a:cxnSpLocks/>
+            <a:stCxn id="7" idx="3"/>
+            <a:endCxn id="50" idx="1"/>
+          </p:cNvCxnSpPr>
+          <p:nvPr/>
+        </p:nvCxnSpPr>
+        <p:spPr>
+          <a:xfrm flipV="1">
+            <a:off x="2568915" y="2313766"/>
+            <a:ext cx="329979" cy="1141"/>
+          </a:xfrm>
+          <a:prstGeom prst="straightConnector1">
+            <a:avLst/>
+          </a:prstGeom>
+          <a:ln w="34925">
+            <a:solidFill>
+              <a:schemeClr val="tx1"/>
+            </a:solidFill>
+            <a:tailEnd type="triangle" w="lg" len="med"/>
+          </a:ln>
+        </p:spPr>
+        <p:style>
+          <a:lnRef idx="1">
+            <a:schemeClr val="accent1"/>
+          </a:lnRef>
+          <a:fillRef idx="0">
+            <a:schemeClr val="accent1"/>
+          </a:fillRef>
+          <a:effectRef idx="0">
+            <a:schemeClr val="accent1"/>
+          </a:effectRef>
+          <a:fontRef idx="minor">
+            <a:schemeClr val="tx1"/>
+          </a:fontRef>
+        </p:style>
+      </p:cxnSp>
+      <p:sp>
+        <p:nvSpPr>
+          <p:cNvPr id="69" name="Rectangle: Rounded Corners 68">
+            <a:extLst>
+              <a:ext uri="{FF2B5EF4-FFF2-40B4-BE49-F238E27FC236}">
+                <a16:creationId xmlns:a16="http://schemas.microsoft.com/office/drawing/2014/main" id="{B8AC9C0F-36EA-4DDF-A1D8-AF49372B0EE1}"/>
+              </a:ext>
+            </a:extLst>
+          </p:cNvPr>
+          <p:cNvSpPr/>
+          <p:nvPr/>
+        </p:nvSpPr>
+        <p:spPr>
+          <a:xfrm>
+            <a:off x="5283269" y="1863134"/>
+            <a:ext cx="2211137" cy="901264"/>
+          </a:xfrm>
+          <a:prstGeom prst="roundRect">
+            <a:avLst/>
+          </a:prstGeom>
+          <a:solidFill>
+            <a:schemeClr val="accent5">
+              <a:lumMod val="50000"/>
+            </a:schemeClr>
+          </a:solidFill>
+        </p:spPr>
+        <p:style>
+          <a:lnRef idx="2">
+            <a:schemeClr val="accent1">
+              <a:shade val="50000"/>
+            </a:schemeClr>
+          </a:lnRef>
+          <a:fillRef idx="1">
+            <a:schemeClr val="accent1"/>
+          </a:fillRef>
+          <a:effectRef idx="0">
+            <a:schemeClr val="accent1"/>
+          </a:effectRef>
+          <a:fontRef idx="minor">
+            <a:schemeClr val="lt1"/>
+          </a:fontRef>
+        </p:style>
+        <p:txBody>
+          <a:bodyPr rtlCol="0" anchor="ctr"/>
+          <a:lstStyle/>
+          <a:p>
+            <a:pPr algn="ctr"/>
+            <a:r>
+              <a:rPr lang="en-US" dirty="0"/>
+              <a:t>Research further strategies on imbalanced data</a:t>
+            </a:r>
+          </a:p>
+        </p:txBody>
+      </p:sp>
+      <p:sp>
+        <p:nvSpPr>
+          <p:cNvPr id="71" name="Rectangle: Rounded Corners 70">
+            <a:extLst>
+              <a:ext uri="{FF2B5EF4-FFF2-40B4-BE49-F238E27FC236}">
+                <a16:creationId xmlns:a16="http://schemas.microsoft.com/office/drawing/2014/main" id="{1392072A-15EA-4AC7-A704-AF38A08EC34D}"/>
+              </a:ext>
+            </a:extLst>
+          </p:cNvPr>
+          <p:cNvSpPr/>
+          <p:nvPr/>
+        </p:nvSpPr>
+        <p:spPr>
+          <a:xfrm>
+            <a:off x="4950347" y="2928088"/>
+            <a:ext cx="2874113" cy="1616142"/>
+          </a:xfrm>
+          <a:prstGeom prst="roundRect">
+            <a:avLst>
+              <a:gd name="adj" fmla="val 6309"/>
+            </a:avLst>
+          </a:prstGeom>
+        </p:spPr>
+        <p:style>
+          <a:lnRef idx="2">
+            <a:schemeClr val="accent1">
+              <a:shade val="50000"/>
+            </a:schemeClr>
+          </a:lnRef>
+          <a:fillRef idx="1">
+            <a:schemeClr val="accent1"/>
+          </a:fillRef>
+          <a:effectRef idx="0">
+            <a:schemeClr val="accent1"/>
+          </a:effectRef>
+          <a:fontRef idx="minor">
+            <a:schemeClr val="lt1"/>
+          </a:fontRef>
+        </p:style>
+        <p:txBody>
+          <a:bodyPr rtlCol="0" anchor="ctr"/>
+          <a:lstStyle/>
+          <a:p>
+            <a:pPr algn="ctr"/>
+            <a:r>
+              <a:rPr lang="en-US" sz="1600" dirty="0"/>
+              <a:t>- Remarks on imbalanced data</a:t>
+            </a:r>
+          </a:p>
+          <a:p>
+            <a:pPr algn="ctr"/>
+            <a:r>
+              <a:rPr lang="en-US" sz="1600" dirty="0"/>
+              <a:t>- Formulate and try out hypothesis with different models</a:t>
+            </a:r>
+          </a:p>
+          <a:p>
+            <a:pPr algn="ctr"/>
+            <a:r>
+              <a:rPr lang="en-US" sz="1200" dirty="0"/>
+              <a:t>“00_Explore_data.ipynb”</a:t>
+            </a:r>
+          </a:p>
+          <a:p>
+            <a:pPr algn="ctr"/>
+            <a:r>
+              <a:rPr lang="en-US" sz="1200" dirty="0"/>
+              <a:t>“01_test_pipeline.ipynb”</a:t>
+            </a:r>
+          </a:p>
+        </p:txBody>
+      </p:sp>
+      <p:cxnSp>
+        <p:nvCxnSpPr>
+          <p:cNvPr id="75" name="Straight Arrow Connector 74">
+            <a:extLst>
+              <a:ext uri="{FF2B5EF4-FFF2-40B4-BE49-F238E27FC236}">
+                <a16:creationId xmlns:a16="http://schemas.microsoft.com/office/drawing/2014/main" id="{A0C3B82D-7EA3-43CC-960D-5869B78114BC}"/>
+              </a:ext>
+            </a:extLst>
+          </p:cNvPr>
+          <p:cNvCxnSpPr>
+            <a:cxnSpLocks/>
+            <a:stCxn id="50" idx="3"/>
+            <a:endCxn id="69" idx="1"/>
+          </p:cNvCxnSpPr>
+          <p:nvPr/>
+        </p:nvCxnSpPr>
+        <p:spPr>
+          <a:xfrm>
+            <a:off x="4051540" y="2313766"/>
+            <a:ext cx="1231729" cy="0"/>
+          </a:xfrm>
+          <a:prstGeom prst="straightConnector1">
+            <a:avLst/>
+          </a:prstGeom>
+          <a:ln w="34925">
+            <a:solidFill>
+              <a:schemeClr val="tx1"/>
+            </a:solidFill>
+            <a:tailEnd type="triangle" w="lg" len="med"/>
+          </a:ln>
+        </p:spPr>
+        <p:style>
+          <a:lnRef idx="1">
+            <a:schemeClr val="accent1"/>
+          </a:lnRef>
+          <a:fillRef idx="0">
+            <a:schemeClr val="accent1"/>
+          </a:fillRef>
+          <a:effectRef idx="0">
+            <a:schemeClr val="accent1"/>
+          </a:effectRef>
+          <a:fontRef idx="minor">
+            <a:schemeClr val="tx1"/>
+          </a:fontRef>
+        </p:style>
+      </p:cxnSp>
+      <p:sp>
+        <p:nvSpPr>
+          <p:cNvPr id="79" name="Rectangle: Rounded Corners 78">
+            <a:extLst>
+              <a:ext uri="{FF2B5EF4-FFF2-40B4-BE49-F238E27FC236}">
+                <a16:creationId xmlns:a16="http://schemas.microsoft.com/office/drawing/2014/main" id="{9C698733-DAC7-4B0F-9A83-10EDEFB7D8D5}"/>
+              </a:ext>
+            </a:extLst>
+          </p:cNvPr>
+          <p:cNvSpPr/>
+          <p:nvPr/>
+        </p:nvSpPr>
+        <p:spPr>
+          <a:xfrm>
+            <a:off x="8082754" y="1862436"/>
+            <a:ext cx="2211137" cy="901264"/>
+          </a:xfrm>
+          <a:prstGeom prst="roundRect">
+            <a:avLst/>
+          </a:prstGeom>
+          <a:solidFill>
+            <a:schemeClr val="accent5">
+              <a:lumMod val="50000"/>
+            </a:schemeClr>
+          </a:solidFill>
+        </p:spPr>
+        <p:style>
+          <a:lnRef idx="2">
+            <a:schemeClr val="accent1">
+              <a:shade val="50000"/>
+            </a:schemeClr>
+          </a:lnRef>
+          <a:fillRef idx="1">
+            <a:schemeClr val="accent1"/>
+          </a:fillRef>
+          <a:effectRef idx="0">
+            <a:schemeClr val="accent1"/>
+          </a:effectRef>
+          <a:fontRef idx="minor">
+            <a:schemeClr val="lt1"/>
+          </a:fontRef>
+        </p:style>
+        <p:txBody>
+          <a:bodyPr rtlCol="0" anchor="ctr"/>
+          <a:lstStyle/>
+          <a:p>
+            <a:pPr algn="ctr"/>
+            <a:r>
+              <a:rPr lang="en-US" dirty="0"/>
+              <a:t>Decide model for hyperparam search</a:t>
+            </a:r>
+          </a:p>
+        </p:txBody>
+      </p:sp>
+      <p:cxnSp>
+        <p:nvCxnSpPr>
+          <p:cNvPr id="80" name="Straight Arrow Connector 79">
+            <a:extLst>
+              <a:ext uri="{FF2B5EF4-FFF2-40B4-BE49-F238E27FC236}">
+                <a16:creationId xmlns:a16="http://schemas.microsoft.com/office/drawing/2014/main" id="{7A3C2C3F-F8C0-4738-AE98-BEDEFF502D20}"/>
+              </a:ext>
+            </a:extLst>
+          </p:cNvPr>
+          <p:cNvCxnSpPr>
+            <a:cxnSpLocks/>
+            <a:stCxn id="69" idx="3"/>
+            <a:endCxn id="79" idx="1"/>
+          </p:cNvCxnSpPr>
+          <p:nvPr/>
+        </p:nvCxnSpPr>
+        <p:spPr>
+          <a:xfrm flipV="1">
+            <a:off x="7494406" y="2313068"/>
+            <a:ext cx="588348" cy="698"/>
+          </a:xfrm>
+          <a:prstGeom prst="straightConnector1">
+            <a:avLst/>
+          </a:prstGeom>
+          <a:ln w="34925">
+            <a:solidFill>
+              <a:schemeClr val="tx1"/>
+            </a:solidFill>
+            <a:tailEnd type="triangle" w="lg" len="med"/>
+          </a:ln>
+        </p:spPr>
+        <p:style>
+          <a:lnRef idx="1">
+            <a:schemeClr val="accent1"/>
+          </a:lnRef>
+          <a:fillRef idx="0">
+            <a:schemeClr val="accent1"/>
+          </a:fillRef>
+          <a:effectRef idx="0">
+            <a:schemeClr val="accent1"/>
+          </a:effectRef>
+          <a:fontRef idx="minor">
+            <a:schemeClr val="tx1"/>
+          </a:fontRef>
+        </p:style>
+      </p:cxnSp>
+      <p:sp>
+        <p:nvSpPr>
+          <p:cNvPr id="84" name="Rectangle: Rounded Corners 83">
+            <a:extLst>
+              <a:ext uri="{FF2B5EF4-FFF2-40B4-BE49-F238E27FC236}">
+                <a16:creationId xmlns:a16="http://schemas.microsoft.com/office/drawing/2014/main" id="{6D0FBFCD-0912-4530-BCFE-B9D238F21790}"/>
+              </a:ext>
+            </a:extLst>
+          </p:cNvPr>
+          <p:cNvSpPr/>
+          <p:nvPr/>
+        </p:nvSpPr>
+        <p:spPr>
+          <a:xfrm>
+            <a:off x="8233610" y="3218090"/>
+            <a:ext cx="1909424" cy="1024152"/>
+          </a:xfrm>
+          <a:prstGeom prst="roundRect">
+            <a:avLst>
+              <a:gd name="adj" fmla="val 6309"/>
+            </a:avLst>
+          </a:prstGeom>
+        </p:spPr>
+        <p:style>
+          <a:lnRef idx="2">
+            <a:schemeClr val="accent1">
+              <a:shade val="50000"/>
+            </a:schemeClr>
+          </a:lnRef>
+          <a:fillRef idx="1">
+            <a:schemeClr val="accent1"/>
+          </a:fillRef>
+          <a:effectRef idx="0">
+            <a:schemeClr val="accent1"/>
+          </a:effectRef>
+          <a:fontRef idx="minor">
+            <a:schemeClr val="lt1"/>
+          </a:fontRef>
+        </p:style>
+        <p:txBody>
+          <a:bodyPr rtlCol="0" anchor="ctr"/>
+          <a:lstStyle/>
+          <a:p>
+            <a:pPr algn="ctr"/>
+            <a:r>
+              <a:rPr lang="en-US" sz="1600" dirty="0"/>
+              <a:t>Settle on model, preprocessing- and training strategies</a:t>
+            </a:r>
+          </a:p>
+          <a:p>
+            <a:pPr algn="ctr"/>
+            <a:r>
+              <a:rPr lang="en-US" sz="1200" dirty="0"/>
+              <a:t>“01_test_pipeline.ipynb”</a:t>
+            </a:r>
+          </a:p>
+        </p:txBody>
+      </p:sp>
+      <p:cxnSp>
+        <p:nvCxnSpPr>
+          <p:cNvPr id="86" name="Straight Connector 85">
+            <a:extLst>
+              <a:ext uri="{FF2B5EF4-FFF2-40B4-BE49-F238E27FC236}">
+                <a16:creationId xmlns:a16="http://schemas.microsoft.com/office/drawing/2014/main" id="{C2DE2C61-500B-4F59-8396-6F9D91775677}"/>
+              </a:ext>
+            </a:extLst>
+          </p:cNvPr>
+          <p:cNvCxnSpPr>
+            <a:cxnSpLocks/>
+            <a:stCxn id="69" idx="2"/>
+            <a:endCxn id="71" idx="0"/>
+          </p:cNvCxnSpPr>
+          <p:nvPr/>
+        </p:nvCxnSpPr>
+        <p:spPr>
+          <a:xfrm flipH="1">
+            <a:off x="6387404" y="2764398"/>
+            <a:ext cx="1434" cy="163690"/>
+          </a:xfrm>
+          <a:prstGeom prst="line">
+            <a:avLst/>
+          </a:prstGeom>
+          <a:ln w="34925">
+            <a:solidFill>
+              <a:schemeClr val="tx1"/>
+            </a:solidFill>
+            <a:prstDash val="sysDash"/>
+            <a:tailEnd w="lg" len="med"/>
+          </a:ln>
+        </p:spPr>
+        <p:style>
+          <a:lnRef idx="1">
+            <a:schemeClr val="accent1"/>
+          </a:lnRef>
+          <a:fillRef idx="0">
+            <a:schemeClr val="accent1"/>
+          </a:fillRef>
+          <a:effectRef idx="0">
+            <a:schemeClr val="accent1"/>
+          </a:effectRef>
+          <a:fontRef idx="minor">
+            <a:schemeClr val="tx1"/>
+          </a:fontRef>
+        </p:style>
+      </p:cxnSp>
+      <p:cxnSp>
+        <p:nvCxnSpPr>
+          <p:cNvPr id="92" name="Straight Connector 91">
+            <a:extLst>
+              <a:ext uri="{FF2B5EF4-FFF2-40B4-BE49-F238E27FC236}">
+                <a16:creationId xmlns:a16="http://schemas.microsoft.com/office/drawing/2014/main" id="{065234AD-9C65-4D25-9A59-9F423C8AFDAE}"/>
+              </a:ext>
+            </a:extLst>
+          </p:cNvPr>
+          <p:cNvCxnSpPr>
+            <a:cxnSpLocks/>
+            <a:stCxn id="79" idx="2"/>
+            <a:endCxn id="84" idx="0"/>
+          </p:cNvCxnSpPr>
+          <p:nvPr/>
+        </p:nvCxnSpPr>
+        <p:spPr>
+          <a:xfrm flipH="1">
+            <a:off x="9188322" y="2763700"/>
+            <a:ext cx="1" cy="454390"/>
+          </a:xfrm>
+          <a:prstGeom prst="line">
+            <a:avLst/>
+          </a:prstGeom>
+          <a:ln w="34925">
+            <a:solidFill>
+              <a:schemeClr val="tx1"/>
+            </a:solidFill>
+            <a:prstDash val="sysDash"/>
+            <a:tailEnd w="lg" len="med"/>
+          </a:ln>
+        </p:spPr>
+        <p:style>
+          <a:lnRef idx="1">
+            <a:schemeClr val="accent1"/>
+          </a:lnRef>
+          <a:fillRef idx="0">
+            <a:schemeClr val="accent1"/>
+          </a:fillRef>
+          <a:effectRef idx="0">
+            <a:schemeClr val="accent1"/>
+          </a:effectRef>
+          <a:fontRef idx="minor">
+            <a:schemeClr val="tx1"/>
+          </a:fontRef>
+        </p:style>
+      </p:cxnSp>
+      <p:sp>
+        <p:nvSpPr>
+          <p:cNvPr id="103" name="Rectangle: Rounded Corners 102">
+            <a:extLst>
+              <a:ext uri="{FF2B5EF4-FFF2-40B4-BE49-F238E27FC236}">
+                <a16:creationId xmlns:a16="http://schemas.microsoft.com/office/drawing/2014/main" id="{98B2A9A8-4106-4FF6-99D4-3ED0D51DC6D5}"/>
+              </a:ext>
+            </a:extLst>
+          </p:cNvPr>
+          <p:cNvSpPr/>
+          <p:nvPr/>
+        </p:nvSpPr>
+        <p:spPr>
+          <a:xfrm>
+            <a:off x="7814560" y="4976765"/>
+            <a:ext cx="2211137" cy="901264"/>
+          </a:xfrm>
+          <a:prstGeom prst="roundRect">
+            <a:avLst/>
+          </a:prstGeom>
+          <a:solidFill>
+            <a:schemeClr val="accent5">
+              <a:lumMod val="50000"/>
+            </a:schemeClr>
+          </a:solidFill>
+        </p:spPr>
+        <p:style>
+          <a:lnRef idx="2">
+            <a:schemeClr val="accent1">
+              <a:shade val="50000"/>
+            </a:schemeClr>
+          </a:lnRef>
+          <a:fillRef idx="1">
+            <a:schemeClr val="accent1"/>
+          </a:fillRef>
+          <a:effectRef idx="0">
+            <a:schemeClr val="accent1"/>
+          </a:effectRef>
+          <a:fontRef idx="minor">
+            <a:schemeClr val="lt1"/>
+          </a:fontRef>
+        </p:style>
+        <p:txBody>
+          <a:bodyPr rtlCol="0" anchor="ctr"/>
+          <a:lstStyle/>
+          <a:p>
+            <a:pPr algn="ctr"/>
+            <a:r>
+              <a:rPr lang="en-US" dirty="0"/>
+              <a:t>Build/train/evaluate model</a:t>
+            </a:r>
+          </a:p>
+        </p:txBody>
+      </p:sp>
+      <p:sp>
+        <p:nvSpPr>
+          <p:cNvPr id="105" name="Rectangle: Rounded Corners 104">
+            <a:extLst>
+              <a:ext uri="{FF2B5EF4-FFF2-40B4-BE49-F238E27FC236}">
+                <a16:creationId xmlns:a16="http://schemas.microsoft.com/office/drawing/2014/main" id="{19B07309-560F-4FFE-9830-C6B9D9CB6C72}"/>
+              </a:ext>
+            </a:extLst>
+          </p:cNvPr>
+          <p:cNvSpPr/>
+          <p:nvPr/>
+        </p:nvSpPr>
+        <p:spPr>
+          <a:xfrm>
+            <a:off x="5273369" y="5008986"/>
+            <a:ext cx="1909424" cy="836821"/>
+          </a:xfrm>
+          <a:prstGeom prst="roundRect">
+            <a:avLst>
+              <a:gd name="adj" fmla="val 6309"/>
+            </a:avLst>
+          </a:prstGeom>
+        </p:spPr>
+        <p:style>
+          <a:lnRef idx="2">
+            <a:schemeClr val="accent1">
+              <a:shade val="50000"/>
+            </a:schemeClr>
+          </a:lnRef>
+          <a:fillRef idx="1">
+            <a:schemeClr val="accent1"/>
+          </a:fillRef>
+          <a:effectRef idx="0">
+            <a:schemeClr val="accent1"/>
+          </a:effectRef>
+          <a:fontRef idx="minor">
+            <a:schemeClr val="lt1"/>
+          </a:fontRef>
+        </p:style>
+        <p:txBody>
+          <a:bodyPr rtlCol="0" anchor="ctr"/>
+          <a:lstStyle/>
+          <a:p>
+            <a:pPr algn="ctr"/>
+            <a:r>
+              <a:rPr lang="en-US" sz="1600" dirty="0"/>
+              <a:t>Next Slide</a:t>
+            </a:r>
+          </a:p>
+          <a:p>
+            <a:pPr algn="ctr"/>
+            <a:r>
+              <a:rPr lang="en-US" sz="1200" dirty="0"/>
+              <a:t>“main_model.ipynb”</a:t>
+            </a:r>
+          </a:p>
+        </p:txBody>
+      </p:sp>
+      <p:cxnSp>
+        <p:nvCxnSpPr>
+          <p:cNvPr id="110" name="Connector: Elbow 109">
+            <a:extLst>
+              <a:ext uri="{FF2B5EF4-FFF2-40B4-BE49-F238E27FC236}">
+                <a16:creationId xmlns:a16="http://schemas.microsoft.com/office/drawing/2014/main" id="{32903B2A-93C8-4138-84D7-CEE9BADA72AD}"/>
+              </a:ext>
+            </a:extLst>
+          </p:cNvPr>
+          <p:cNvCxnSpPr>
+            <a:stCxn id="79" idx="3"/>
+            <a:endCxn id="103" idx="3"/>
+          </p:cNvCxnSpPr>
+          <p:nvPr/>
+        </p:nvCxnSpPr>
+        <p:spPr>
+          <a:xfrm flipH="1">
+            <a:off x="10025697" y="2313068"/>
+            <a:ext cx="268194" cy="3114329"/>
+          </a:xfrm>
+          <a:prstGeom prst="bentConnector3">
+            <a:avLst>
+              <a:gd name="adj1" fmla="val -85237"/>
+            </a:avLst>
+          </a:prstGeom>
+          <a:ln w="34925">
+            <a:solidFill>
+              <a:schemeClr val="tx1"/>
+            </a:solidFill>
+            <a:tailEnd type="triangle" w="lg" len="med"/>
+          </a:ln>
+        </p:spPr>
+        <p:style>
+          <a:lnRef idx="1">
+            <a:schemeClr val="accent1"/>
+          </a:lnRef>
+          <a:fillRef idx="0">
+            <a:schemeClr val="accent1"/>
+          </a:fillRef>
+          <a:effectRef idx="0">
+            <a:schemeClr val="accent1"/>
+          </a:effectRef>
+          <a:fontRef idx="minor">
+            <a:schemeClr val="tx1"/>
+          </a:fontRef>
+        </p:style>
+      </p:cxnSp>
+      <p:cxnSp>
+        <p:nvCxnSpPr>
+          <p:cNvPr id="111" name="Straight Connector 110">
+            <a:extLst>
+              <a:ext uri="{FF2B5EF4-FFF2-40B4-BE49-F238E27FC236}">
+                <a16:creationId xmlns:a16="http://schemas.microsoft.com/office/drawing/2014/main" id="{44487816-9F7B-4782-B7A8-D542DE0743C3}"/>
+              </a:ext>
+            </a:extLst>
+          </p:cNvPr>
+          <p:cNvCxnSpPr>
+            <a:cxnSpLocks/>
+            <a:stCxn id="105" idx="3"/>
+            <a:endCxn id="103" idx="1"/>
+          </p:cNvCxnSpPr>
+          <p:nvPr/>
+        </p:nvCxnSpPr>
+        <p:spPr>
+          <a:xfrm>
+            <a:off x="7182793" y="5427397"/>
+            <a:ext cx="631767" cy="0"/>
+          </a:xfrm>
+          <a:prstGeom prst="line">
+            <a:avLst/>
+          </a:prstGeom>
+          <a:ln w="34925">
+            <a:solidFill>
+              <a:schemeClr val="tx1"/>
+            </a:solidFill>
+            <a:prstDash val="sysDash"/>
+            <a:tailEnd w="lg" len="med"/>
+          </a:ln>
+        </p:spPr>
+        <p:style>
+          <a:lnRef idx="1">
+            <a:schemeClr val="accent1"/>
+          </a:lnRef>
+          <a:fillRef idx="0">
+            <a:schemeClr val="accent1"/>
+          </a:fillRef>
+          <a:effectRef idx="0">
+            <a:schemeClr val="accent1"/>
+          </a:effectRef>
+          <a:fontRef idx="minor">
+            <a:schemeClr val="tx1"/>
+          </a:fontRef>
+        </p:style>
+      </p:cxnSp>
+    </p:spTree>
+    <p:extLst>
+      <p:ext uri="{BB962C8B-B14F-4D97-AF65-F5344CB8AC3E}">
+        <p14:creationId xmlns:p14="http://schemas.microsoft.com/office/powerpoint/2010/main" val="2600288729"/>
+      </p:ext>
+    </p:extLst>
+  </p:cSld>
+  <p:clrMapOvr>
+    <a:masterClrMapping/>
+  </p:clrMapOvr>
+  <p:timing>
+    <p:tnLst>
+      <p:par>
+        <p:cTn id="1" dur="indefinite" restart="never" nodeType="tmRoot">
+          <p:childTnLst>
+            <p:seq concurrent="1" nextAc="seek">
+              <p:cTn id="2" dur="indefinite" nodeType="mainSeq">
+                <p:childTnLst>
+                  <p:par>
+                    <p:cTn id="3" fill="hold">
+                      <p:stCondLst>
+                        <p:cond delay="indefinite"/>
+                      </p:stCondLst>
+                      <p:childTnLst>
+                        <p:par>
+                          <p:cTn id="4" fill="hold">
+                            <p:stCondLst>
+                              <p:cond delay="0"/>
+                            </p:stCondLst>
+                            <p:childTnLst>
+                              <p:par>
+                                <p:cTn id="5" presetID="1" presetClass="entr" presetSubtype="0" fill="hold" grpId="0" nodeType="clickEffect">
+                                  <p:stCondLst>
+                                    <p:cond delay="0"/>
+                                  </p:stCondLst>
+                                  <p:childTnLst>
+                                    <p:set>
+                                      <p:cBhvr>
+                                        <p:cTn id="6" dur="1" fill="hold">
+                                          <p:stCondLst>
+                                            <p:cond delay="0"/>
+                                          </p:stCondLst>
+                                        </p:cTn>
+                                        <p:tgtEl>
+                                          <p:spTgt spid="7"/>
+                                        </p:tgtEl>
+                                        <p:attrNameLst>
+                                          <p:attrName>style.visibility</p:attrName>
+                                        </p:attrNameLst>
+                                      </p:cBhvr>
+                                      <p:to>
+                                        <p:strVal val="visible"/>
+                                      </p:to>
+                                    </p:set>
+                                  </p:childTnLst>
+                                </p:cTn>
+                              </p:par>
+                            </p:childTnLst>
+                          </p:cTn>
+                        </p:par>
+                      </p:childTnLst>
+                    </p:cTn>
+                  </p:par>
+                  <p:par>
+                    <p:cTn id="7" fill="hold">
+                      <p:stCondLst>
+                        <p:cond delay="indefinite"/>
+                      </p:stCondLst>
+                      <p:childTnLst>
+                        <p:par>
+                          <p:cTn id="8" fill="hold">
+                            <p:stCondLst>
+                              <p:cond delay="0"/>
+                            </p:stCondLst>
+                            <p:childTnLst>
+                              <p:par>
+                                <p:cTn id="9" presetID="1" presetClass="entr" presetSubtype="0" fill="hold" grpId="0" nodeType="clickEffect">
+                                  <p:stCondLst>
+                                    <p:cond delay="0"/>
+                                  </p:stCondLst>
+                                  <p:childTnLst>
+                                    <p:set>
+                                      <p:cBhvr>
+                                        <p:cTn id="10" dur="1" fill="hold">
+                                          <p:stCondLst>
+                                            <p:cond delay="0"/>
+                                          </p:stCondLst>
+                                        </p:cTn>
+                                        <p:tgtEl>
+                                          <p:spTgt spid="50"/>
+                                        </p:tgtEl>
+                                        <p:attrNameLst>
+                                          <p:attrName>style.visibility</p:attrName>
+                                        </p:attrNameLst>
+                                      </p:cBhvr>
+                                      <p:to>
+                                        <p:strVal val="visible"/>
+                                      </p:to>
+                                    </p:set>
+                                  </p:childTnLst>
+                                </p:cTn>
+                              </p:par>
+                              <p:par>
+                                <p:cTn id="11" presetID="1" presetClass="entr" presetSubtype="0" fill="hold" nodeType="withEffect">
+                                  <p:stCondLst>
+                                    <p:cond delay="0"/>
+                                  </p:stCondLst>
+                                  <p:childTnLst>
+                                    <p:set>
+                                      <p:cBhvr>
+                                        <p:cTn id="12" dur="1" fill="hold">
+                                          <p:stCondLst>
+                                            <p:cond delay="0"/>
+                                          </p:stCondLst>
+                                        </p:cTn>
+                                        <p:tgtEl>
+                                          <p:spTgt spid="63"/>
+                                        </p:tgtEl>
+                                        <p:attrNameLst>
+                                          <p:attrName>style.visibility</p:attrName>
+                                        </p:attrNameLst>
+                                      </p:cBhvr>
+                                      <p:to>
+                                        <p:strVal val="visible"/>
+                                      </p:to>
+                                    </p:set>
+                                  </p:childTnLst>
+                                </p:cTn>
+                              </p:par>
+                              <p:par>
+                                <p:cTn id="13" presetID="1" presetClass="entr" presetSubtype="0" fill="hold" nodeType="withEffect">
+                                  <p:stCondLst>
+                                    <p:cond delay="0"/>
+                                  </p:stCondLst>
+                                  <p:childTnLst>
+                                    <p:set>
+                                      <p:cBhvr>
+                                        <p:cTn id="14" dur="1" fill="hold">
+                                          <p:stCondLst>
+                                            <p:cond delay="0"/>
+                                          </p:stCondLst>
+                                        </p:cTn>
+                                        <p:tgtEl>
+                                          <p:spTgt spid="59"/>
+                                        </p:tgtEl>
+                                        <p:attrNameLst>
+                                          <p:attrName>style.visibility</p:attrName>
+                                        </p:attrNameLst>
+                                      </p:cBhvr>
+                                      <p:to>
+                                        <p:strVal val="visible"/>
+                                      </p:to>
+                                    </p:set>
+                                  </p:childTnLst>
+                                </p:cTn>
+                              </p:par>
+                              <p:par>
+                                <p:cTn id="15" presetID="1" presetClass="entr" presetSubtype="0" fill="hold" grpId="0" nodeType="withEffect">
+                                  <p:stCondLst>
+                                    <p:cond delay="0"/>
+                                  </p:stCondLst>
+                                  <p:childTnLst>
+                                    <p:set>
+                                      <p:cBhvr>
+                                        <p:cTn id="16" dur="1" fill="hold">
+                                          <p:stCondLst>
+                                            <p:cond delay="0"/>
+                                          </p:stCondLst>
+                                        </p:cTn>
+                                        <p:tgtEl>
+                                          <p:spTgt spid="52"/>
+                                        </p:tgtEl>
+                                        <p:attrNameLst>
+                                          <p:attrName>style.visibility</p:attrName>
+                                        </p:attrNameLst>
+                                      </p:cBhvr>
+                                      <p:to>
+                                        <p:strVal val="visible"/>
+                                      </p:to>
+                                    </p:set>
+                                  </p:childTnLst>
+                                </p:cTn>
+                              </p:par>
+                            </p:childTnLst>
+                          </p:cTn>
+                        </p:par>
+                      </p:childTnLst>
+                    </p:cTn>
+                  </p:par>
+                  <p:par>
+                    <p:cTn id="17" fill="hold">
+                      <p:stCondLst>
+                        <p:cond delay="indefinite"/>
+                      </p:stCondLst>
+                      <p:childTnLst>
+                        <p:par>
+                          <p:cTn id="18" fill="hold">
+                            <p:stCondLst>
+                              <p:cond delay="0"/>
+                            </p:stCondLst>
+                            <p:childTnLst>
+                              <p:par>
+                                <p:cTn id="19" presetID="1" presetClass="entr" presetSubtype="0" fill="hold" grpId="0" nodeType="clickEffect">
+                                  <p:stCondLst>
+                                    <p:cond delay="0"/>
+                                  </p:stCondLst>
+                                  <p:childTnLst>
+                                    <p:set>
+                                      <p:cBhvr>
+                                        <p:cTn id="20" dur="1" fill="hold">
+                                          <p:stCondLst>
+                                            <p:cond delay="0"/>
+                                          </p:stCondLst>
+                                        </p:cTn>
+                                        <p:tgtEl>
+                                          <p:spTgt spid="69"/>
+                                        </p:tgtEl>
+                                        <p:attrNameLst>
+                                          <p:attrName>style.visibility</p:attrName>
+                                        </p:attrNameLst>
+                                      </p:cBhvr>
+                                      <p:to>
+                                        <p:strVal val="visible"/>
+                                      </p:to>
+                                    </p:set>
+                                  </p:childTnLst>
+                                </p:cTn>
+                              </p:par>
+                              <p:par>
+                                <p:cTn id="21" presetID="1" presetClass="entr" presetSubtype="0" fill="hold" nodeType="withEffect">
+                                  <p:stCondLst>
+                                    <p:cond delay="0"/>
+                                  </p:stCondLst>
+                                  <p:childTnLst>
+                                    <p:set>
+                                      <p:cBhvr>
+                                        <p:cTn id="22" dur="1" fill="hold">
+                                          <p:stCondLst>
+                                            <p:cond delay="0"/>
+                                          </p:stCondLst>
+                                        </p:cTn>
+                                        <p:tgtEl>
+                                          <p:spTgt spid="75"/>
+                                        </p:tgtEl>
+                                        <p:attrNameLst>
+                                          <p:attrName>style.visibility</p:attrName>
+                                        </p:attrNameLst>
+                                      </p:cBhvr>
+                                      <p:to>
+                                        <p:strVal val="visible"/>
+                                      </p:to>
+                                    </p:set>
+                                  </p:childTnLst>
+                                </p:cTn>
+                              </p:par>
+                              <p:par>
+                                <p:cTn id="23" presetID="1" presetClass="entr" presetSubtype="0" fill="hold" grpId="0" nodeType="withEffect">
+                                  <p:stCondLst>
+                                    <p:cond delay="0"/>
+                                  </p:stCondLst>
+                                  <p:childTnLst>
+                                    <p:set>
+                                      <p:cBhvr>
+                                        <p:cTn id="24" dur="1" fill="hold">
+                                          <p:stCondLst>
+                                            <p:cond delay="0"/>
+                                          </p:stCondLst>
+                                        </p:cTn>
+                                        <p:tgtEl>
+                                          <p:spTgt spid="71"/>
+                                        </p:tgtEl>
+                                        <p:attrNameLst>
+                                          <p:attrName>style.visibility</p:attrName>
+                                        </p:attrNameLst>
+                                      </p:cBhvr>
+                                      <p:to>
+                                        <p:strVal val="visible"/>
+                                      </p:to>
+                                    </p:set>
+                                  </p:childTnLst>
+                                </p:cTn>
+                              </p:par>
+                              <p:par>
+                                <p:cTn id="25" presetID="10" presetClass="entr" presetSubtype="0" fill="hold" nodeType="withEffect">
+                                  <p:stCondLst>
+                                    <p:cond delay="0"/>
+                                  </p:stCondLst>
+                                  <p:childTnLst>
+                                    <p:set>
+                                      <p:cBhvr>
+                                        <p:cTn id="26" dur="1" fill="hold">
+                                          <p:stCondLst>
+                                            <p:cond delay="0"/>
+                                          </p:stCondLst>
+                                        </p:cTn>
+                                        <p:tgtEl>
+                                          <p:spTgt spid="86"/>
+                                        </p:tgtEl>
+                                        <p:attrNameLst>
+                                          <p:attrName>style.visibility</p:attrName>
+                                        </p:attrNameLst>
+                                      </p:cBhvr>
+                                      <p:to>
+                                        <p:strVal val="visible"/>
+                                      </p:to>
+                                    </p:set>
+                                    <p:animEffect transition="in" filter="fade">
+                                      <p:cBhvr>
+                                        <p:cTn id="27" dur="500"/>
+                                        <p:tgtEl>
+                                          <p:spTgt spid="86"/>
+                                        </p:tgtEl>
+                                      </p:cBhvr>
+                                    </p:animEffect>
+                                  </p:childTnLst>
+                                </p:cTn>
+                              </p:par>
+                            </p:childTnLst>
+                          </p:cTn>
+                        </p:par>
+                      </p:childTnLst>
+                    </p:cTn>
+                  </p:par>
+                  <p:par>
+                    <p:cTn id="28" fill="hold">
+                      <p:stCondLst>
+                        <p:cond delay="indefinite"/>
+                      </p:stCondLst>
+                      <p:childTnLst>
+                        <p:par>
+                          <p:cTn id="29" fill="hold">
+                            <p:stCondLst>
+                              <p:cond delay="0"/>
+                            </p:stCondLst>
+                            <p:childTnLst>
+                              <p:par>
+                                <p:cTn id="30" presetID="1" presetClass="entr" presetSubtype="0" fill="hold" grpId="0" nodeType="clickEffect">
+                                  <p:stCondLst>
+                                    <p:cond delay="0"/>
+                                  </p:stCondLst>
+                                  <p:childTnLst>
+                                    <p:set>
+                                      <p:cBhvr>
+                                        <p:cTn id="31" dur="1" fill="hold">
+                                          <p:stCondLst>
+                                            <p:cond delay="0"/>
+                                          </p:stCondLst>
+                                        </p:cTn>
+                                        <p:tgtEl>
+                                          <p:spTgt spid="79"/>
+                                        </p:tgtEl>
+                                        <p:attrNameLst>
+                                          <p:attrName>style.visibility</p:attrName>
+                                        </p:attrNameLst>
+                                      </p:cBhvr>
+                                      <p:to>
+                                        <p:strVal val="visible"/>
+                                      </p:to>
+                                    </p:set>
+                                  </p:childTnLst>
+                                </p:cTn>
+                              </p:par>
+                              <p:par>
+                                <p:cTn id="32" presetID="1" presetClass="entr" presetSubtype="0" fill="hold" nodeType="withEffect">
+                                  <p:stCondLst>
+                                    <p:cond delay="0"/>
+                                  </p:stCondLst>
+                                  <p:childTnLst>
+                                    <p:set>
+                                      <p:cBhvr>
+                                        <p:cTn id="33" dur="1" fill="hold">
+                                          <p:stCondLst>
+                                            <p:cond delay="0"/>
+                                          </p:stCondLst>
+                                        </p:cTn>
+                                        <p:tgtEl>
+                                          <p:spTgt spid="80"/>
+                                        </p:tgtEl>
+                                        <p:attrNameLst>
+                                          <p:attrName>style.visibility</p:attrName>
+                                        </p:attrNameLst>
+                                      </p:cBhvr>
+                                      <p:to>
+                                        <p:strVal val="visible"/>
+                                      </p:to>
+                                    </p:set>
+                                  </p:childTnLst>
+                                </p:cTn>
+                              </p:par>
+                              <p:par>
+                                <p:cTn id="34" presetID="1" presetClass="entr" presetSubtype="0" fill="hold" grpId="0" nodeType="withEffect">
+                                  <p:stCondLst>
+                                    <p:cond delay="0"/>
+                                  </p:stCondLst>
+                                  <p:childTnLst>
+                                    <p:set>
+                                      <p:cBhvr>
+                                        <p:cTn id="35" dur="1" fill="hold">
+                                          <p:stCondLst>
+                                            <p:cond delay="0"/>
+                                          </p:stCondLst>
+                                        </p:cTn>
+                                        <p:tgtEl>
+                                          <p:spTgt spid="84"/>
+                                        </p:tgtEl>
+                                        <p:attrNameLst>
+                                          <p:attrName>style.visibility</p:attrName>
+                                        </p:attrNameLst>
+                                      </p:cBhvr>
+                                      <p:to>
+                                        <p:strVal val="visible"/>
+                                      </p:to>
+                                    </p:set>
+                                  </p:childTnLst>
+                                </p:cTn>
+                              </p:par>
+                              <p:par>
+                                <p:cTn id="36" presetID="1" presetClass="entr" presetSubtype="0" fill="hold" nodeType="withEffect">
+                                  <p:stCondLst>
+                                    <p:cond delay="0"/>
+                                  </p:stCondLst>
+                                  <p:childTnLst>
+                                    <p:set>
+                                      <p:cBhvr>
+                                        <p:cTn id="37" dur="1" fill="hold">
+                                          <p:stCondLst>
+                                            <p:cond delay="0"/>
+                                          </p:stCondLst>
+                                        </p:cTn>
+                                        <p:tgtEl>
+                                          <p:spTgt spid="92"/>
+                                        </p:tgtEl>
+                                        <p:attrNameLst>
+                                          <p:attrName>style.visibility</p:attrName>
+                                        </p:attrNameLst>
+                                      </p:cBhvr>
+                                      <p:to>
+                                        <p:strVal val="visible"/>
+                                      </p:to>
+                                    </p:set>
+                                  </p:childTnLst>
+                                </p:cTn>
+                              </p:par>
+                            </p:childTnLst>
+                          </p:cTn>
+                        </p:par>
+                      </p:childTnLst>
+                    </p:cTn>
+                  </p:par>
+                  <p:par>
+                    <p:cTn id="38" fill="hold">
+                      <p:stCondLst>
+                        <p:cond delay="indefinite"/>
+                      </p:stCondLst>
+                      <p:childTnLst>
+                        <p:par>
+                          <p:cTn id="39" fill="hold">
+                            <p:stCondLst>
+                              <p:cond delay="0"/>
+                            </p:stCondLst>
+                            <p:childTnLst>
+                              <p:par>
+                                <p:cTn id="40" presetID="1" presetClass="entr" presetSubtype="0" fill="hold" grpId="0" nodeType="clickEffect">
+                                  <p:stCondLst>
+                                    <p:cond delay="0"/>
+                                  </p:stCondLst>
+                                  <p:childTnLst>
+                                    <p:set>
+                                      <p:cBhvr>
+                                        <p:cTn id="41" dur="1" fill="hold">
+                                          <p:stCondLst>
+                                            <p:cond delay="0"/>
+                                          </p:stCondLst>
+                                        </p:cTn>
+                                        <p:tgtEl>
+                                          <p:spTgt spid="103"/>
+                                        </p:tgtEl>
+                                        <p:attrNameLst>
+                                          <p:attrName>style.visibility</p:attrName>
+                                        </p:attrNameLst>
+                                      </p:cBhvr>
+                                      <p:to>
+                                        <p:strVal val="visible"/>
+                                      </p:to>
+                                    </p:set>
+                                  </p:childTnLst>
+                                </p:cTn>
+                              </p:par>
+                              <p:par>
+                                <p:cTn id="42" presetID="1" presetClass="entr" presetSubtype="0" fill="hold" nodeType="withEffect">
+                                  <p:stCondLst>
+                                    <p:cond delay="0"/>
+                                  </p:stCondLst>
+                                  <p:childTnLst>
+                                    <p:set>
+                                      <p:cBhvr>
+                                        <p:cTn id="43" dur="1" fill="hold">
+                                          <p:stCondLst>
+                                            <p:cond delay="0"/>
+                                          </p:stCondLst>
+                                        </p:cTn>
+                                        <p:tgtEl>
+                                          <p:spTgt spid="110"/>
+                                        </p:tgtEl>
+                                        <p:attrNameLst>
+                                          <p:attrName>style.visibility</p:attrName>
+                                        </p:attrNameLst>
+                                      </p:cBhvr>
+                                      <p:to>
+                                        <p:strVal val="visible"/>
+                                      </p:to>
+                                    </p:set>
+                                  </p:childTnLst>
+                                </p:cTn>
+                              </p:par>
+                              <p:par>
+                                <p:cTn id="44" presetID="1" presetClass="entr" presetSubtype="0" fill="hold" grpId="0" nodeType="withEffect">
+                                  <p:stCondLst>
+                                    <p:cond delay="0"/>
+                                  </p:stCondLst>
+                                  <p:childTnLst>
+                                    <p:set>
+                                      <p:cBhvr>
+                                        <p:cTn id="45" dur="1" fill="hold">
+                                          <p:stCondLst>
+                                            <p:cond delay="0"/>
+                                          </p:stCondLst>
+                                        </p:cTn>
+                                        <p:tgtEl>
+                                          <p:spTgt spid="105"/>
+                                        </p:tgtEl>
+                                        <p:attrNameLst>
+                                          <p:attrName>style.visibility</p:attrName>
+                                        </p:attrNameLst>
+                                      </p:cBhvr>
+                                      <p:to>
+                                        <p:strVal val="visible"/>
+                                      </p:to>
+                                    </p:set>
+                                  </p:childTnLst>
+                                </p:cTn>
+                              </p:par>
+                              <p:par>
+                                <p:cTn id="46" presetID="1" presetClass="entr" presetSubtype="0" fill="hold" nodeType="withEffect">
+                                  <p:stCondLst>
+                                    <p:cond delay="0"/>
+                                  </p:stCondLst>
+                                  <p:childTnLst>
+                                    <p:set>
+                                      <p:cBhvr>
+                                        <p:cTn id="47" dur="1" fill="hold">
+                                          <p:stCondLst>
+                                            <p:cond delay="0"/>
+                                          </p:stCondLst>
+                                        </p:cTn>
+                                        <p:tgtEl>
+                                          <p:spTgt spid="111"/>
+                                        </p:tgtEl>
+                                        <p:attrNameLst>
+                                          <p:attrName>style.visibility</p:attrName>
+                                        </p:attrNameLst>
+                                      </p:cBhvr>
+                                      <p:to>
+                                        <p:strVal val="visible"/>
+                                      </p:to>
+                                    </p:set>
+                                  </p:childTnLst>
+                                </p:cTn>
+                              </p:par>
+                            </p:childTnLst>
+                          </p:cTn>
+                        </p:par>
+                      </p:childTnLst>
+                    </p:cTn>
+                  </p:par>
+                </p:childTnLst>
+              </p:cTn>
+              <p:prevCondLst>
+                <p:cond evt="onPrev" delay="0">
+                  <p:tgtEl>
+                    <p:sldTgt/>
+                  </p:tgtEl>
+                </p:cond>
+              </p:prevCondLst>
+              <p:nextCondLst>
+                <p:cond evt="onNext" delay="0">
+                  <p:tgtEl>
+                    <p:sldTgt/>
+                  </p:tgtEl>
+                </p:cond>
+              </p:nextCondLst>
+            </p:seq>
+          </p:childTnLst>
+        </p:cTn>
+      </p:par>
+    </p:tnLst>
+    <p:bldLst>
+      <p:bldP spid="7" grpId="0" animBg="1"/>
+      <p:bldP spid="50" grpId="0" animBg="1"/>
+      <p:bldP spid="52" grpId="0" animBg="1"/>
+      <p:bldP spid="69" grpId="0" animBg="1"/>
+      <p:bldP spid="71" grpId="0" animBg="1"/>
+      <p:bldP spid="79" grpId="0" animBg="1"/>
+      <p:bldP spid="84" grpId="0" animBg="1"/>
+      <p:bldP spid="103" grpId="0" animBg="1"/>
+      <p:bldP spid="105" grpId="0" animBg="1"/>
+    </p:bldLst>
+  </p:timing>
+</p:sld>
+</file>
+
+<file path=ppt/slides/slide4.xml><?xml version="1.0" encoding="utf-8"?>
+<p:sld xmlns:a="http://schemas.openxmlformats.org/drawingml/2006/main" xmlns:r="http://schemas.openxmlformats.org/officeDocument/2006/relationships" xmlns:p="http://schemas.openxmlformats.org/presentationml/2006/main">
+  <p:cSld>
+    <p:spTree>
+      <p:nvGrpSpPr>
+        <p:cNvPr id="1" name=""/>
+        <p:cNvGrpSpPr/>
+        <p:nvPr/>
+      </p:nvGrpSpPr>
+      <p:grpSpPr>
+        <a:xfrm>
+          <a:off x="0" y="0"/>
+          <a:ext cx="0" cy="0"/>
+          <a:chOff x="0" y="0"/>
+          <a:chExt cx="0" cy="0"/>
+        </a:xfrm>
+      </p:grpSpPr>
+      <p:sp>
+        <p:nvSpPr>
+          <p:cNvPr id="85" name="Rectangle: Rounded Corners 84">
+            <a:extLst>
+              <a:ext uri="{FF2B5EF4-FFF2-40B4-BE49-F238E27FC236}">
+                <a16:creationId xmlns:a16="http://schemas.microsoft.com/office/drawing/2014/main" id="{945BAF5C-1F28-4D71-AA7D-509DF24A85F7}"/>
+              </a:ext>
+            </a:extLst>
+          </p:cNvPr>
+          <p:cNvSpPr/>
+          <p:nvPr/>
+        </p:nvSpPr>
+        <p:spPr>
+          <a:xfrm>
+            <a:off x="4917440" y="4097212"/>
+            <a:ext cx="6627955" cy="2212145"/>
+          </a:xfrm>
+          <a:prstGeom prst="roundRect">
+            <a:avLst/>
+          </a:prstGeom>
+          <a:solidFill>
+            <a:schemeClr val="accent1">
+              <a:lumMod val="20000"/>
+              <a:lumOff val="80000"/>
+            </a:schemeClr>
+          </a:solidFill>
+          <a:ln>
+            <a:solidFill>
+              <a:schemeClr val="accent5">
+                <a:lumMod val="20000"/>
+                <a:lumOff val="80000"/>
+              </a:schemeClr>
+            </a:solidFill>
+          </a:ln>
+        </p:spPr>
+        <p:style>
+          <a:lnRef idx="2">
+            <a:schemeClr val="accent1">
+              <a:shade val="50000"/>
+            </a:schemeClr>
+          </a:lnRef>
+          <a:fillRef idx="1">
+            <a:schemeClr val="accent1"/>
+          </a:fillRef>
+          <a:effectRef idx="0">
+            <a:schemeClr val="accent1"/>
+          </a:effectRef>
+          <a:fontRef idx="minor">
+            <a:schemeClr val="lt1"/>
+          </a:fontRef>
+        </p:style>
+        <p:txBody>
+          <a:bodyPr rtlCol="0" anchor="b"/>
+          <a:lstStyle/>
+          <a:p>
+            <a:r>
+              <a:rPr lang="en-US" sz="1600" dirty="0">
+                <a:solidFill>
+                  <a:schemeClr val="tx1"/>
+                </a:solidFill>
+              </a:rPr>
+              <a:t>Train &amp; Evaluate</a:t>
+            </a:r>
+          </a:p>
+        </p:txBody>
+      </p:sp>
+      <p:sp>
+        <p:nvSpPr>
+          <p:cNvPr id="48" name="Rectangle: Rounded Corners 47">
+            <a:extLst>
+              <a:ext uri="{FF2B5EF4-FFF2-40B4-BE49-F238E27FC236}">
+                <a16:creationId xmlns:a16="http://schemas.microsoft.com/office/drawing/2014/main" id="{08A58D46-4E47-48F5-8F4F-213A3799BBFF}"/>
+              </a:ext>
+            </a:extLst>
+          </p:cNvPr>
+          <p:cNvSpPr/>
+          <p:nvPr/>
+        </p:nvSpPr>
+        <p:spPr>
+          <a:xfrm>
+            <a:off x="8786211" y="2725066"/>
+            <a:ext cx="2281075" cy="1074729"/>
+          </a:xfrm>
+          <a:prstGeom prst="roundRect">
+            <a:avLst/>
+          </a:prstGeom>
+          <a:solidFill>
+            <a:schemeClr val="accent1">
+              <a:lumMod val="20000"/>
+              <a:lumOff val="80000"/>
+            </a:schemeClr>
+          </a:solidFill>
+          <a:ln>
+            <a:solidFill>
+              <a:schemeClr val="accent5">
+                <a:lumMod val="20000"/>
+                <a:lumOff val="80000"/>
+              </a:schemeClr>
+            </a:solidFill>
+          </a:ln>
+        </p:spPr>
+        <p:style>
+          <a:lnRef idx="2">
+            <a:schemeClr val="accent1">
+              <a:shade val="50000"/>
+            </a:schemeClr>
+          </a:lnRef>
+          <a:fillRef idx="1">
+            <a:schemeClr val="accent1"/>
+          </a:fillRef>
+          <a:effectRef idx="0">
+            <a:schemeClr val="accent1"/>
+          </a:effectRef>
+          <a:fontRef idx="minor">
+            <a:schemeClr val="lt1"/>
+          </a:fontRef>
+        </p:style>
+        <p:txBody>
+          <a:bodyPr rtlCol="0" anchor="b"/>
+          <a:lstStyle/>
+          <a:p>
+            <a:r>
+              <a:rPr lang="en-US" sz="1600" dirty="0">
+                <a:solidFill>
+                  <a:schemeClr val="tx1"/>
+                </a:solidFill>
+              </a:rPr>
+              <a:t>Oversampling</a:t>
+            </a:r>
+          </a:p>
+        </p:txBody>
+      </p:sp>
+      <p:sp>
+        <p:nvSpPr>
+          <p:cNvPr id="29" name="Rectangle: Rounded Corners 28">
+            <a:extLst>
+              <a:ext uri="{FF2B5EF4-FFF2-40B4-BE49-F238E27FC236}">
+                <a16:creationId xmlns:a16="http://schemas.microsoft.com/office/drawing/2014/main" id="{EE52BD44-652C-41B6-9307-5BADDA872AE8}"/>
+              </a:ext>
+            </a:extLst>
+          </p:cNvPr>
+          <p:cNvSpPr/>
+          <p:nvPr/>
+        </p:nvSpPr>
+        <p:spPr>
+          <a:xfrm>
+            <a:off x="505859" y="1560757"/>
+            <a:ext cx="8104741" cy="2482923"/>
+          </a:xfrm>
+          <a:prstGeom prst="roundRect">
+            <a:avLst/>
+          </a:prstGeom>
+          <a:solidFill>
+            <a:schemeClr val="accent1">
+              <a:lumMod val="20000"/>
+              <a:lumOff val="80000"/>
+            </a:schemeClr>
+          </a:solidFill>
+          <a:ln>
+            <a:solidFill>
+              <a:schemeClr val="accent5">
+                <a:lumMod val="20000"/>
+                <a:lumOff val="80000"/>
+              </a:schemeClr>
+            </a:solidFill>
+          </a:ln>
+        </p:spPr>
+        <p:style>
+          <a:lnRef idx="2">
+            <a:schemeClr val="accent1">
+              <a:shade val="50000"/>
+            </a:schemeClr>
+          </a:lnRef>
+          <a:fillRef idx="1">
+            <a:schemeClr val="accent1"/>
+          </a:fillRef>
+          <a:effectRef idx="0">
+            <a:schemeClr val="accent1"/>
+          </a:effectRef>
+          <a:fontRef idx="minor">
+            <a:schemeClr val="lt1"/>
+          </a:fontRef>
+        </p:style>
+        <p:txBody>
+          <a:bodyPr rtlCol="0" anchor="b"/>
+          <a:lstStyle/>
+          <a:p>
+            <a:r>
+              <a:rPr lang="en-US" sz="1600" dirty="0">
+                <a:solidFill>
+                  <a:schemeClr val="tx1"/>
+                </a:solidFill>
+              </a:rPr>
+              <a:t>Load &amp; </a:t>
+            </a:r>
+          </a:p>
+          <a:p>
+            <a:r>
+              <a:rPr lang="en-US" sz="1600" dirty="0">
+                <a:solidFill>
+                  <a:schemeClr val="tx1"/>
+                </a:solidFill>
+              </a:rPr>
+              <a:t>pre-process data</a:t>
+            </a:r>
+          </a:p>
+        </p:txBody>
+      </p:sp>
+      <p:sp>
+        <p:nvSpPr>
+          <p:cNvPr id="2" name="Title 1">
+            <a:extLst>
+              <a:ext uri="{FF2B5EF4-FFF2-40B4-BE49-F238E27FC236}">
+                <a16:creationId xmlns:a16="http://schemas.microsoft.com/office/drawing/2014/main" id="{3D5DC9F0-2FEC-4015-BA02-362BD3666D49}"/>
+              </a:ext>
+            </a:extLst>
+          </p:cNvPr>
+          <p:cNvSpPr>
+            <a:spLocks noGrp="1"/>
+          </p:cNvSpPr>
+          <p:nvPr>
+            <p:ph type="title"/>
+          </p:nvPr>
+        </p:nvSpPr>
+        <p:spPr/>
+        <p:txBody>
+          <a:bodyPr/>
+          <a:lstStyle/>
+          <a:p>
+            <a:r>
+              <a:rPr lang="en-US" b="1" dirty="0"/>
+              <a:t>Model</a:t>
+            </a:r>
+          </a:p>
+        </p:txBody>
+      </p:sp>
+      <p:sp>
+        <p:nvSpPr>
+          <p:cNvPr id="4" name="Date Placeholder 3">
+            <a:extLst>
+              <a:ext uri="{FF2B5EF4-FFF2-40B4-BE49-F238E27FC236}">
+                <a16:creationId xmlns:a16="http://schemas.microsoft.com/office/drawing/2014/main" id="{AE8BC37B-5422-4548-8FD3-21C703D52A5A}"/>
+              </a:ext>
+            </a:extLst>
+          </p:cNvPr>
+          <p:cNvSpPr>
+            <a:spLocks noGrp="1"/>
+          </p:cNvSpPr>
+          <p:nvPr>
+            <p:ph type="dt" sz="half" idx="10"/>
+          </p:nvPr>
+        </p:nvSpPr>
+        <p:spPr/>
+        <p:txBody>
+          <a:bodyPr/>
+          <a:lstStyle/>
+          <a:p>
+            <a:fld id="{F64A956B-0A9E-4726-8DC0-243CDBACFE3D}" type="datetime1">
+              <a:rPr lang="de-DE" smtClean="0"/>
+              <a:t>06.04.2019</a:t>
+            </a:fld>
+            <a:endParaRPr lang="en-US" dirty="0"/>
+          </a:p>
+        </p:txBody>
+      </p:sp>
+      <p:sp>
+        <p:nvSpPr>
+          <p:cNvPr id="5" name="Footer Placeholder 4">
+            <a:extLst>
+              <a:ext uri="{FF2B5EF4-FFF2-40B4-BE49-F238E27FC236}">
+                <a16:creationId xmlns:a16="http://schemas.microsoft.com/office/drawing/2014/main" id="{A399F341-ED06-4623-8088-044F9A8A62F9}"/>
+              </a:ext>
+            </a:extLst>
+          </p:cNvPr>
+          <p:cNvSpPr>
+            <a:spLocks noGrp="1"/>
+          </p:cNvSpPr>
+          <p:nvPr>
+            <p:ph type="ftr" sz="quarter" idx="11"/>
+          </p:nvPr>
+        </p:nvSpPr>
+        <p:spPr/>
+        <p:txBody>
+          <a:bodyPr/>
+          <a:lstStyle/>
+          <a:p>
+            <a:r>
+              <a:rPr lang="fr-FR"/>
+              <a:t>Daniel F. Perez Ramirez | Combient Challenge</a:t>
+            </a:r>
+            <a:endParaRPr lang="en-US" dirty="0"/>
+          </a:p>
+        </p:txBody>
+      </p:sp>
+      <p:sp>
+        <p:nvSpPr>
+          <p:cNvPr id="6" name="Slide Number Placeholder 5">
+            <a:extLst>
+              <a:ext uri="{FF2B5EF4-FFF2-40B4-BE49-F238E27FC236}">
+                <a16:creationId xmlns:a16="http://schemas.microsoft.com/office/drawing/2014/main" id="{DBD52E6D-E684-4BFF-8047-027FDDDC61C8}"/>
+              </a:ext>
+            </a:extLst>
+          </p:cNvPr>
+          <p:cNvSpPr>
+            <a:spLocks noGrp="1"/>
+          </p:cNvSpPr>
+          <p:nvPr>
+            <p:ph type="sldNum" sz="quarter" idx="12"/>
+          </p:nvPr>
+        </p:nvSpPr>
+        <p:spPr/>
+        <p:txBody>
+          <a:bodyPr/>
+          <a:lstStyle/>
+          <a:p>
+            <a:fld id="{29C669B8-FD6D-4BB9-80BA-EA9A87DAE2F8}" type="slidenum">
+              <a:rPr lang="en-US" smtClean="0"/>
+              <a:pPr/>
+              <a:t>4</a:t>
+            </a:fld>
+            <a:endParaRPr lang="en-US"/>
+          </a:p>
+        </p:txBody>
+      </p:sp>
+      <p:sp>
+        <p:nvSpPr>
+          <p:cNvPr id="8" name="Rectangle: Rounded Corners 7">
+            <a:extLst>
+              <a:ext uri="{FF2B5EF4-FFF2-40B4-BE49-F238E27FC236}">
+                <a16:creationId xmlns:a16="http://schemas.microsoft.com/office/drawing/2014/main" id="{180C4C0F-CC72-4276-8F75-05562BC3A0F6}"/>
+              </a:ext>
+            </a:extLst>
+          </p:cNvPr>
+          <p:cNvSpPr/>
+          <p:nvPr/>
+        </p:nvSpPr>
+        <p:spPr>
+          <a:xfrm>
+            <a:off x="838200" y="1762760"/>
+            <a:ext cx="1640840" cy="804297"/>
+          </a:xfrm>
+          <a:prstGeom prst="roundRect">
+            <a:avLst/>
+          </a:prstGeom>
+          <a:solidFill>
+            <a:srgbClr val="613AF2"/>
+          </a:solidFill>
+        </p:spPr>
+        <p:style>
+          <a:lnRef idx="2">
+            <a:schemeClr val="accent1">
+              <a:shade val="50000"/>
+            </a:schemeClr>
+          </a:lnRef>
+          <a:fillRef idx="1">
+            <a:schemeClr val="accent1"/>
+          </a:fillRef>
+          <a:effectRef idx="0">
+            <a:schemeClr val="accent1"/>
+          </a:effectRef>
+          <a:fontRef idx="minor">
+            <a:schemeClr val="lt1"/>
+          </a:fontRef>
+        </p:style>
+        <p:txBody>
+          <a:bodyPr rtlCol="0" anchor="ctr"/>
+          <a:lstStyle/>
+          <a:p>
+            <a:pPr algn="ctr"/>
+            <a:r>
+              <a:rPr lang="en-US" dirty="0"/>
+              <a:t>Load and pre-clean data</a:t>
+            </a:r>
+          </a:p>
+        </p:txBody>
+      </p:sp>
+      <p:cxnSp>
+        <p:nvCxnSpPr>
+          <p:cNvPr id="9" name="Straight Arrow Connector 8">
+            <a:extLst>
+              <a:ext uri="{FF2B5EF4-FFF2-40B4-BE49-F238E27FC236}">
+                <a16:creationId xmlns:a16="http://schemas.microsoft.com/office/drawing/2014/main" id="{AF3C96AD-7D73-4EC4-BCB9-A0A7B5730B59}"/>
+              </a:ext>
+            </a:extLst>
+          </p:cNvPr>
+          <p:cNvCxnSpPr>
+            <a:cxnSpLocks/>
+            <a:stCxn id="8" idx="3"/>
+            <a:endCxn id="11" idx="1"/>
+          </p:cNvCxnSpPr>
+          <p:nvPr/>
+        </p:nvCxnSpPr>
+        <p:spPr>
+          <a:xfrm flipV="1">
+            <a:off x="2479040" y="2164908"/>
+            <a:ext cx="310123" cy="1"/>
+          </a:xfrm>
+          <a:prstGeom prst="straightConnector1">
+            <a:avLst/>
+          </a:prstGeom>
+          <a:ln w="34925">
+            <a:solidFill>
+              <a:schemeClr val="tx1"/>
+            </a:solidFill>
+            <a:tailEnd type="triangle" w="lg" len="med"/>
+          </a:ln>
+        </p:spPr>
+        <p:style>
+          <a:lnRef idx="1">
+            <a:schemeClr val="accent1"/>
+          </a:lnRef>
+          <a:fillRef idx="0">
+            <a:schemeClr val="accent1"/>
+          </a:fillRef>
+          <a:effectRef idx="0">
+            <a:schemeClr val="accent1"/>
+          </a:effectRef>
+          <a:fontRef idx="minor">
+            <a:schemeClr val="tx1"/>
+          </a:fontRef>
+        </p:style>
+      </p:cxnSp>
+      <p:sp>
+        <p:nvSpPr>
+          <p:cNvPr id="10" name="Rectangle 9">
+            <a:extLst>
+              <a:ext uri="{FF2B5EF4-FFF2-40B4-BE49-F238E27FC236}">
+                <a16:creationId xmlns:a16="http://schemas.microsoft.com/office/drawing/2014/main" id="{E1BB2397-FE6B-4035-952F-78790DC55AFB}"/>
+              </a:ext>
+            </a:extLst>
+          </p:cNvPr>
+          <p:cNvSpPr/>
+          <p:nvPr/>
+        </p:nvSpPr>
+        <p:spPr>
+          <a:xfrm>
+            <a:off x="747354" y="2587587"/>
+            <a:ext cx="1822531" cy="603909"/>
+          </a:xfrm>
+          <a:prstGeom prst="rect">
+            <a:avLst/>
+          </a:prstGeom>
+          <a:solidFill>
+            <a:srgbClr val="A189F7"/>
+          </a:solidFill>
+          <a:ln>
+            <a:noFill/>
+          </a:ln>
+        </p:spPr>
+        <p:style>
+          <a:lnRef idx="2">
+            <a:schemeClr val="accent1">
+              <a:shade val="50000"/>
+            </a:schemeClr>
+          </a:lnRef>
+          <a:fillRef idx="1">
+            <a:schemeClr val="accent1"/>
+          </a:fillRef>
+          <a:effectRef idx="0">
+            <a:schemeClr val="accent1"/>
+          </a:effectRef>
+          <a:fontRef idx="minor">
+            <a:schemeClr val="lt1"/>
+          </a:fontRef>
+        </p:style>
+        <p:txBody>
+          <a:bodyPr rtlCol="0" anchor="ctr"/>
+          <a:lstStyle/>
+          <a:p>
+            <a:pPr algn="ctr"/>
+            <a:r>
+              <a:rPr lang="en-US" sz="1200" dirty="0">
+                <a:solidFill>
+                  <a:schemeClr val="tx1"/>
+                </a:solidFill>
+              </a:rPr>
+              <a:t>Remove 0-val features</a:t>
+            </a:r>
+          </a:p>
+          <a:p>
+            <a:pPr algn="ctr"/>
+            <a:r>
+              <a:rPr lang="en-US" sz="1200" dirty="0">
+                <a:solidFill>
+                  <a:schemeClr val="tx1"/>
+                </a:solidFill>
+              </a:rPr>
+              <a:t>Replace unrealistic values</a:t>
+            </a:r>
+          </a:p>
+        </p:txBody>
+      </p:sp>
+      <p:sp>
+        <p:nvSpPr>
+          <p:cNvPr id="11" name="Rectangle: Rounded Corners 10">
+            <a:extLst>
+              <a:ext uri="{FF2B5EF4-FFF2-40B4-BE49-F238E27FC236}">
+                <a16:creationId xmlns:a16="http://schemas.microsoft.com/office/drawing/2014/main" id="{B2E0CAC7-080B-41AB-B6A1-0002F318A0F3}"/>
+              </a:ext>
+            </a:extLst>
+          </p:cNvPr>
+          <p:cNvSpPr/>
+          <p:nvPr/>
+        </p:nvSpPr>
+        <p:spPr>
+          <a:xfrm>
+            <a:off x="2789163" y="1762759"/>
+            <a:ext cx="1726713" cy="804297"/>
+          </a:xfrm>
+          <a:prstGeom prst="roundRect">
+            <a:avLst/>
+          </a:prstGeom>
+          <a:solidFill>
+            <a:srgbClr val="613AF2"/>
+          </a:solidFill>
+        </p:spPr>
+        <p:style>
+          <a:lnRef idx="2">
+            <a:schemeClr val="accent1">
+              <a:shade val="50000"/>
+            </a:schemeClr>
+          </a:lnRef>
+          <a:fillRef idx="1">
+            <a:schemeClr val="accent1"/>
+          </a:fillRef>
+          <a:effectRef idx="0">
+            <a:schemeClr val="accent1"/>
+          </a:effectRef>
+          <a:fontRef idx="minor">
+            <a:schemeClr val="lt1"/>
+          </a:fontRef>
+        </p:style>
+        <p:txBody>
+          <a:bodyPr rtlCol="0" anchor="ctr"/>
+          <a:lstStyle/>
+          <a:p>
+            <a:pPr algn="ctr"/>
+            <a:r>
+              <a:rPr lang="en-US" dirty="0"/>
+              <a:t>Choose specific features</a:t>
+            </a:r>
+          </a:p>
+        </p:txBody>
+      </p:sp>
+      <p:sp>
+        <p:nvSpPr>
+          <p:cNvPr id="13" name="Rectangle 12">
+            <a:extLst>
+              <a:ext uri="{FF2B5EF4-FFF2-40B4-BE49-F238E27FC236}">
+                <a16:creationId xmlns:a16="http://schemas.microsoft.com/office/drawing/2014/main" id="{212F2FF1-C5A3-41F7-9B25-4513BD7C5859}"/>
+              </a:ext>
+            </a:extLst>
+          </p:cNvPr>
+          <p:cNvSpPr/>
+          <p:nvPr/>
+        </p:nvSpPr>
+        <p:spPr>
+          <a:xfrm>
+            <a:off x="505859" y="5018521"/>
+            <a:ext cx="1700785" cy="1042351"/>
+          </a:xfrm>
+          <a:prstGeom prst="rect">
+            <a:avLst/>
+          </a:prstGeom>
+          <a:solidFill>
+            <a:schemeClr val="bg1">
+              <a:lumMod val="85000"/>
+            </a:schemeClr>
+          </a:solidFill>
+          <a:ln>
+            <a:noFill/>
+          </a:ln>
+        </p:spPr>
+        <p:style>
+          <a:lnRef idx="2">
+            <a:schemeClr val="accent1">
+              <a:shade val="50000"/>
+            </a:schemeClr>
+          </a:lnRef>
+          <a:fillRef idx="1">
+            <a:schemeClr val="accent1"/>
+          </a:fillRef>
+          <a:effectRef idx="0">
+            <a:schemeClr val="accent1"/>
+          </a:effectRef>
+          <a:fontRef idx="minor">
+            <a:schemeClr val="lt1"/>
+          </a:fontRef>
+        </p:style>
+        <p:txBody>
+          <a:bodyPr rtlCol="0" anchor="ctr"/>
+          <a:lstStyle/>
+          <a:p>
+            <a:pPr algn="ctr"/>
+            <a:endParaRPr lang="en-US"/>
+          </a:p>
+        </p:txBody>
+      </p:sp>
+      <p:cxnSp>
+        <p:nvCxnSpPr>
+          <p:cNvPr id="15" name="Straight Arrow Connector 14">
+            <a:extLst>
+              <a:ext uri="{FF2B5EF4-FFF2-40B4-BE49-F238E27FC236}">
+                <a16:creationId xmlns:a16="http://schemas.microsoft.com/office/drawing/2014/main" id="{0F5FCDDA-0C6A-40E3-8B74-AE277718B068}"/>
+              </a:ext>
+            </a:extLst>
+          </p:cNvPr>
+          <p:cNvCxnSpPr>
+            <a:cxnSpLocks/>
+          </p:cNvCxnSpPr>
+          <p:nvPr/>
+        </p:nvCxnSpPr>
+        <p:spPr>
+          <a:xfrm>
+            <a:off x="601044" y="5904563"/>
+            <a:ext cx="214132" cy="0"/>
+          </a:xfrm>
+          <a:prstGeom prst="straightConnector1">
+            <a:avLst/>
+          </a:prstGeom>
+          <a:ln w="34925">
+            <a:solidFill>
+              <a:schemeClr val="tx1"/>
+            </a:solidFill>
+            <a:tailEnd type="triangle" w="lg" len="med"/>
+          </a:ln>
+        </p:spPr>
+        <p:style>
+          <a:lnRef idx="1">
+            <a:schemeClr val="accent1"/>
+          </a:lnRef>
+          <a:fillRef idx="0">
+            <a:schemeClr val="accent1"/>
+          </a:fillRef>
+          <a:effectRef idx="0">
+            <a:schemeClr val="accent1"/>
+          </a:effectRef>
+          <a:fontRef idx="minor">
+            <a:schemeClr val="tx1"/>
+          </a:fontRef>
+        </p:style>
+      </p:cxnSp>
+      <p:sp>
+        <p:nvSpPr>
+          <p:cNvPr id="17" name="TextBox 16">
+            <a:extLst>
+              <a:ext uri="{FF2B5EF4-FFF2-40B4-BE49-F238E27FC236}">
+                <a16:creationId xmlns:a16="http://schemas.microsoft.com/office/drawing/2014/main" id="{BF6F9B34-D302-4E1E-B642-CCB2EA2FA83C}"/>
+              </a:ext>
+            </a:extLst>
+          </p:cNvPr>
+          <p:cNvSpPr txBox="1"/>
+          <p:nvPr/>
+        </p:nvSpPr>
+        <p:spPr>
+          <a:xfrm>
+            <a:off x="774711" y="5766131"/>
+            <a:ext cx="1322539" cy="261610"/>
+          </a:xfrm>
+          <a:prstGeom prst="rect">
+            <a:avLst/>
+          </a:prstGeom>
+          <a:noFill/>
+        </p:spPr>
+        <p:txBody>
+          <a:bodyPr wrap="square" rtlCol="0">
+            <a:spAutoFit/>
+          </a:bodyPr>
+          <a:lstStyle/>
+          <a:p>
+            <a:r>
+              <a:rPr lang="en-US" sz="1100" dirty="0"/>
+              <a:t>Process flow</a:t>
+            </a:r>
+          </a:p>
+        </p:txBody>
+      </p:sp>
+      <p:sp>
+        <p:nvSpPr>
+          <p:cNvPr id="18" name="Rectangle: Rounded Corners 17">
+            <a:extLst>
+              <a:ext uri="{FF2B5EF4-FFF2-40B4-BE49-F238E27FC236}">
+                <a16:creationId xmlns:a16="http://schemas.microsoft.com/office/drawing/2014/main" id="{FDF5D519-9B4E-4E5C-AEF8-743E524B3E92}"/>
+              </a:ext>
+            </a:extLst>
+          </p:cNvPr>
+          <p:cNvSpPr/>
+          <p:nvPr/>
+        </p:nvSpPr>
+        <p:spPr>
+          <a:xfrm>
+            <a:off x="646605" y="5122503"/>
+            <a:ext cx="160952" cy="147221"/>
+          </a:xfrm>
+          <a:prstGeom prst="roundRect">
+            <a:avLst/>
+          </a:prstGeom>
+          <a:solidFill>
+            <a:srgbClr val="613AF2"/>
+          </a:solidFill>
+        </p:spPr>
+        <p:style>
+          <a:lnRef idx="2">
+            <a:schemeClr val="accent1">
+              <a:shade val="50000"/>
+            </a:schemeClr>
+          </a:lnRef>
+          <a:fillRef idx="1">
+            <a:schemeClr val="accent1"/>
+          </a:fillRef>
+          <a:effectRef idx="0">
+            <a:schemeClr val="accent1"/>
+          </a:effectRef>
+          <a:fontRef idx="minor">
+            <a:schemeClr val="lt1"/>
+          </a:fontRef>
+        </p:style>
+        <p:txBody>
+          <a:bodyPr rtlCol="0" anchor="ctr"/>
+          <a:lstStyle/>
+          <a:p>
+            <a:pPr algn="ctr"/>
+            <a:endParaRPr lang="en-US" dirty="0"/>
+          </a:p>
+        </p:txBody>
+      </p:sp>
+      <p:sp>
+        <p:nvSpPr>
+          <p:cNvPr id="21" name="TextBox 20">
+            <a:extLst>
+              <a:ext uri="{FF2B5EF4-FFF2-40B4-BE49-F238E27FC236}">
+                <a16:creationId xmlns:a16="http://schemas.microsoft.com/office/drawing/2014/main" id="{73545B4A-68BE-48A2-B9BA-427B5FC8EF2B}"/>
+              </a:ext>
+            </a:extLst>
+          </p:cNvPr>
+          <p:cNvSpPr txBox="1"/>
+          <p:nvPr/>
+        </p:nvSpPr>
+        <p:spPr>
+          <a:xfrm>
+            <a:off x="767092" y="5057615"/>
+            <a:ext cx="1151008" cy="261610"/>
+          </a:xfrm>
+          <a:prstGeom prst="rect">
+            <a:avLst/>
+          </a:prstGeom>
+          <a:noFill/>
+        </p:spPr>
+        <p:txBody>
+          <a:bodyPr wrap="square" rtlCol="0">
+            <a:spAutoFit/>
+          </a:bodyPr>
+          <a:lstStyle/>
+          <a:p>
+            <a:r>
+              <a:rPr lang="en-US" sz="1100" dirty="0"/>
+              <a:t>Step/submodule</a:t>
+            </a:r>
+          </a:p>
+        </p:txBody>
+      </p:sp>
+      <p:sp>
+        <p:nvSpPr>
+          <p:cNvPr id="22" name="Rectangle: Rounded Corners 21">
+            <a:extLst>
+              <a:ext uri="{FF2B5EF4-FFF2-40B4-BE49-F238E27FC236}">
+                <a16:creationId xmlns:a16="http://schemas.microsoft.com/office/drawing/2014/main" id="{7FA6F226-0686-4089-8077-016257B2BC47}"/>
+              </a:ext>
+            </a:extLst>
+          </p:cNvPr>
+          <p:cNvSpPr/>
+          <p:nvPr/>
+        </p:nvSpPr>
+        <p:spPr>
+          <a:xfrm>
+            <a:off x="646605" y="5396664"/>
+            <a:ext cx="160952" cy="147199"/>
+          </a:xfrm>
+          <a:prstGeom prst="roundRect">
+            <a:avLst>
+              <a:gd name="adj" fmla="val 0"/>
+            </a:avLst>
+          </a:prstGeom>
+          <a:solidFill>
+            <a:schemeClr val="accent2">
+              <a:lumMod val="75000"/>
+            </a:schemeClr>
+          </a:solidFill>
+          <a:ln>
+            <a:solidFill>
+              <a:schemeClr val="accent2">
+                <a:lumMod val="75000"/>
+              </a:schemeClr>
+            </a:solidFill>
+          </a:ln>
+        </p:spPr>
+        <p:style>
+          <a:lnRef idx="2">
+            <a:schemeClr val="accent1">
+              <a:shade val="50000"/>
+            </a:schemeClr>
+          </a:lnRef>
+          <a:fillRef idx="1">
+            <a:schemeClr val="accent1"/>
+          </a:fillRef>
+          <a:effectRef idx="0">
+            <a:schemeClr val="accent1"/>
+          </a:effectRef>
+          <a:fontRef idx="minor">
+            <a:schemeClr val="lt1"/>
+          </a:fontRef>
+        </p:style>
+        <p:txBody>
+          <a:bodyPr rtlCol="0" anchor="ctr"/>
+          <a:lstStyle/>
+          <a:p>
+            <a:pPr algn="ctr"/>
+            <a:endParaRPr lang="en-US" sz="1600" dirty="0"/>
+          </a:p>
+        </p:txBody>
+      </p:sp>
+      <p:sp>
+        <p:nvSpPr>
+          <p:cNvPr id="23" name="TextBox 22">
+            <a:extLst>
+              <a:ext uri="{FF2B5EF4-FFF2-40B4-BE49-F238E27FC236}">
+                <a16:creationId xmlns:a16="http://schemas.microsoft.com/office/drawing/2014/main" id="{C6675FD9-EF9E-4B5F-B608-1ED86010F0B8}"/>
+              </a:ext>
+            </a:extLst>
+          </p:cNvPr>
+          <p:cNvSpPr txBox="1"/>
+          <p:nvPr/>
+        </p:nvSpPr>
+        <p:spPr>
+          <a:xfrm>
+            <a:off x="767092" y="5331776"/>
+            <a:ext cx="1284439" cy="261610"/>
+          </a:xfrm>
+          <a:prstGeom prst="rect">
+            <a:avLst/>
+          </a:prstGeom>
+          <a:noFill/>
+        </p:spPr>
+        <p:txBody>
+          <a:bodyPr wrap="square" rtlCol="0">
+            <a:spAutoFit/>
+          </a:bodyPr>
+          <a:lstStyle/>
+          <a:p>
+            <a:r>
+              <a:rPr lang="en-US" sz="1100" dirty="0"/>
+              <a:t>Variance element</a:t>
+            </a:r>
+          </a:p>
+        </p:txBody>
+      </p:sp>
+      <p:sp>
+        <p:nvSpPr>
+          <p:cNvPr id="25" name="Rectangle: Rounded Corners 24">
+            <a:extLst>
+              <a:ext uri="{FF2B5EF4-FFF2-40B4-BE49-F238E27FC236}">
+                <a16:creationId xmlns:a16="http://schemas.microsoft.com/office/drawing/2014/main" id="{FDA80768-3719-49D7-B052-3D13F282B2C8}"/>
+              </a:ext>
+            </a:extLst>
+          </p:cNvPr>
+          <p:cNvSpPr/>
+          <p:nvPr/>
+        </p:nvSpPr>
+        <p:spPr>
+          <a:xfrm>
+            <a:off x="646605" y="5621321"/>
+            <a:ext cx="160952" cy="147199"/>
+          </a:xfrm>
+          <a:prstGeom prst="roundRect">
+            <a:avLst/>
+          </a:prstGeom>
+          <a:solidFill>
+            <a:schemeClr val="accent1">
+              <a:lumMod val="20000"/>
+              <a:lumOff val="80000"/>
+            </a:schemeClr>
+          </a:solidFill>
+          <a:ln>
+            <a:solidFill>
+              <a:schemeClr val="accent5">
+                <a:lumMod val="20000"/>
+                <a:lumOff val="80000"/>
+              </a:schemeClr>
+            </a:solidFill>
+          </a:ln>
+        </p:spPr>
+        <p:style>
+          <a:lnRef idx="2">
+            <a:schemeClr val="accent1">
+              <a:shade val="50000"/>
+            </a:schemeClr>
+          </a:lnRef>
+          <a:fillRef idx="1">
+            <a:schemeClr val="accent1"/>
+          </a:fillRef>
+          <a:effectRef idx="0">
+            <a:schemeClr val="accent1"/>
+          </a:effectRef>
+          <a:fontRef idx="minor">
+            <a:schemeClr val="lt1"/>
+          </a:fontRef>
+        </p:style>
+        <p:txBody>
+          <a:bodyPr rtlCol="0" anchor="ctr"/>
+          <a:lstStyle/>
+          <a:p>
+            <a:pPr algn="ctr"/>
+            <a:endParaRPr lang="en-US" sz="1600" dirty="0"/>
+          </a:p>
+        </p:txBody>
+      </p:sp>
+      <p:sp>
+        <p:nvSpPr>
+          <p:cNvPr id="26" name="TextBox 25">
+            <a:extLst>
+              <a:ext uri="{FF2B5EF4-FFF2-40B4-BE49-F238E27FC236}">
+                <a16:creationId xmlns:a16="http://schemas.microsoft.com/office/drawing/2014/main" id="{B75FB620-A6D0-47BF-87AB-020177501FEB}"/>
+              </a:ext>
+            </a:extLst>
+          </p:cNvPr>
+          <p:cNvSpPr txBox="1"/>
+          <p:nvPr/>
+        </p:nvSpPr>
+        <p:spPr>
+          <a:xfrm>
+            <a:off x="767092" y="5580350"/>
+            <a:ext cx="1424733" cy="261610"/>
+          </a:xfrm>
+          <a:prstGeom prst="rect">
+            <a:avLst/>
+          </a:prstGeom>
+          <a:noFill/>
+        </p:spPr>
+        <p:txBody>
+          <a:bodyPr wrap="square" rtlCol="0">
+            <a:spAutoFit/>
+          </a:bodyPr>
+          <a:lstStyle/>
+          <a:p>
+            <a:r>
+              <a:rPr lang="en-US" sz="1100" dirty="0"/>
+              <a:t>High-level subprocess</a:t>
+            </a:r>
+          </a:p>
+        </p:txBody>
+      </p:sp>
+      <p:sp>
+        <p:nvSpPr>
+          <p:cNvPr id="30" name="Rectangle: Rounded Corners 29">
+            <a:extLst>
+              <a:ext uri="{FF2B5EF4-FFF2-40B4-BE49-F238E27FC236}">
+                <a16:creationId xmlns:a16="http://schemas.microsoft.com/office/drawing/2014/main" id="{3FC5F723-D3A1-4624-8B8B-A930907780D7}"/>
+              </a:ext>
+            </a:extLst>
+          </p:cNvPr>
+          <p:cNvSpPr/>
+          <p:nvPr/>
+        </p:nvSpPr>
+        <p:spPr>
+          <a:xfrm>
+            <a:off x="3049074" y="2587587"/>
+            <a:ext cx="1206889" cy="460454"/>
+          </a:xfrm>
+          <a:prstGeom prst="roundRect">
+            <a:avLst>
+              <a:gd name="adj" fmla="val 0"/>
+            </a:avLst>
+          </a:prstGeom>
+          <a:solidFill>
+            <a:schemeClr val="accent2">
+              <a:lumMod val="75000"/>
+            </a:schemeClr>
+          </a:solidFill>
+          <a:ln>
+            <a:solidFill>
+              <a:schemeClr val="accent2">
+                <a:lumMod val="75000"/>
+              </a:schemeClr>
+            </a:solidFill>
+          </a:ln>
+        </p:spPr>
+        <p:style>
+          <a:lnRef idx="2">
+            <a:schemeClr val="accent1">
+              <a:shade val="50000"/>
+            </a:schemeClr>
+          </a:lnRef>
+          <a:fillRef idx="1">
+            <a:schemeClr val="accent1"/>
+          </a:fillRef>
+          <a:effectRef idx="0">
+            <a:schemeClr val="accent1"/>
+          </a:effectRef>
+          <a:fontRef idx="minor">
+            <a:schemeClr val="lt1"/>
+          </a:fontRef>
+        </p:style>
+        <p:txBody>
+          <a:bodyPr rtlCol="0" anchor="ctr"/>
+          <a:lstStyle/>
+          <a:p>
+            <a:pPr algn="ctr"/>
+            <a:r>
+              <a:rPr lang="en-US" sz="1600" dirty="0"/>
+              <a:t>filter_case</a:t>
+            </a:r>
+          </a:p>
+        </p:txBody>
+      </p:sp>
+      <p:sp>
+        <p:nvSpPr>
+          <p:cNvPr id="31" name="Rectangle 30">
+            <a:extLst>
+              <a:ext uri="{FF2B5EF4-FFF2-40B4-BE49-F238E27FC236}">
+                <a16:creationId xmlns:a16="http://schemas.microsoft.com/office/drawing/2014/main" id="{DBF60B18-2B4E-4ABF-9FEF-DBE6225B7C81}"/>
+              </a:ext>
+            </a:extLst>
+          </p:cNvPr>
+          <p:cNvSpPr/>
+          <p:nvPr/>
+        </p:nvSpPr>
+        <p:spPr>
+          <a:xfrm>
+            <a:off x="2745496" y="3058608"/>
+            <a:ext cx="1822531" cy="845454"/>
+          </a:xfrm>
+          <a:prstGeom prst="rect">
+            <a:avLst/>
+          </a:prstGeom>
+          <a:solidFill>
+            <a:schemeClr val="accent2">
+              <a:lumMod val="60000"/>
+              <a:lumOff val="40000"/>
+            </a:schemeClr>
+          </a:solidFill>
+          <a:ln>
+            <a:noFill/>
+          </a:ln>
+        </p:spPr>
+        <p:style>
+          <a:lnRef idx="2">
+            <a:schemeClr val="accent1">
+              <a:shade val="50000"/>
+            </a:schemeClr>
+          </a:lnRef>
+          <a:fillRef idx="1">
+            <a:schemeClr val="accent1"/>
+          </a:fillRef>
+          <a:effectRef idx="0">
+            <a:schemeClr val="accent1"/>
+          </a:effectRef>
+          <a:fontRef idx="minor">
+            <a:schemeClr val="lt1"/>
+          </a:fontRef>
+        </p:style>
+        <p:txBody>
+          <a:bodyPr rtlCol="0" anchor="ctr"/>
+          <a:lstStyle/>
+          <a:p>
+            <a:pPr algn="ctr"/>
+            <a:r>
+              <a:rPr lang="en-US" sz="1200" dirty="0">
+                <a:solidFill>
+                  <a:schemeClr val="tx1"/>
+                </a:solidFill>
+              </a:rPr>
+              <a:t>List of strings of cases for extracting specific columns grouped by their value_counts</a:t>
+            </a:r>
+          </a:p>
+        </p:txBody>
+      </p:sp>
+      <p:sp>
+        <p:nvSpPr>
+          <p:cNvPr id="32" name="Rectangle: Rounded Corners 31">
+            <a:extLst>
+              <a:ext uri="{FF2B5EF4-FFF2-40B4-BE49-F238E27FC236}">
+                <a16:creationId xmlns:a16="http://schemas.microsoft.com/office/drawing/2014/main" id="{5BC9370A-DF2F-4E29-8963-B5F761E2FE6B}"/>
+              </a:ext>
+            </a:extLst>
+          </p:cNvPr>
+          <p:cNvSpPr/>
+          <p:nvPr/>
+        </p:nvSpPr>
+        <p:spPr>
+          <a:xfrm>
+            <a:off x="4843379" y="1762759"/>
+            <a:ext cx="1726713" cy="804297"/>
+          </a:xfrm>
+          <a:prstGeom prst="roundRect">
+            <a:avLst/>
+          </a:prstGeom>
+          <a:solidFill>
+            <a:srgbClr val="613AF2"/>
+          </a:solidFill>
+        </p:spPr>
+        <p:style>
+          <a:lnRef idx="2">
+            <a:schemeClr val="accent1">
+              <a:shade val="50000"/>
+            </a:schemeClr>
+          </a:lnRef>
+          <a:fillRef idx="1">
+            <a:schemeClr val="accent1"/>
+          </a:fillRef>
+          <a:effectRef idx="0">
+            <a:schemeClr val="accent1"/>
+          </a:effectRef>
+          <a:fontRef idx="minor">
+            <a:schemeClr val="lt1"/>
+          </a:fontRef>
+        </p:style>
+        <p:txBody>
+          <a:bodyPr rtlCol="0" anchor="ctr"/>
+          <a:lstStyle/>
+          <a:p>
+            <a:pPr algn="ctr"/>
+            <a:r>
+              <a:rPr lang="en-US" dirty="0"/>
+              <a:t>Normalization</a:t>
+            </a:r>
+          </a:p>
+        </p:txBody>
+      </p:sp>
+      <p:cxnSp>
+        <p:nvCxnSpPr>
+          <p:cNvPr id="33" name="Straight Arrow Connector 32">
+            <a:extLst>
+              <a:ext uri="{FF2B5EF4-FFF2-40B4-BE49-F238E27FC236}">
+                <a16:creationId xmlns:a16="http://schemas.microsoft.com/office/drawing/2014/main" id="{C79230B6-7028-4917-BE57-854EC0FEFE9C}"/>
+              </a:ext>
+            </a:extLst>
+          </p:cNvPr>
+          <p:cNvCxnSpPr>
+            <a:cxnSpLocks/>
+            <a:stCxn id="11" idx="3"/>
+            <a:endCxn id="32" idx="1"/>
+          </p:cNvCxnSpPr>
+          <p:nvPr/>
+        </p:nvCxnSpPr>
+        <p:spPr>
+          <a:xfrm>
+            <a:off x="4515876" y="2164908"/>
+            <a:ext cx="327503" cy="0"/>
+          </a:xfrm>
+          <a:prstGeom prst="straightConnector1">
+            <a:avLst/>
+          </a:prstGeom>
+          <a:ln w="34925">
+            <a:solidFill>
+              <a:schemeClr val="tx1"/>
+            </a:solidFill>
+            <a:tailEnd type="triangle" w="lg" len="med"/>
+          </a:ln>
+        </p:spPr>
+        <p:style>
+          <a:lnRef idx="1">
+            <a:schemeClr val="accent1"/>
+          </a:lnRef>
+          <a:fillRef idx="0">
+            <a:schemeClr val="accent1"/>
+          </a:fillRef>
+          <a:effectRef idx="0">
+            <a:schemeClr val="accent1"/>
+          </a:effectRef>
+          <a:fontRef idx="minor">
+            <a:schemeClr val="tx1"/>
+          </a:fontRef>
+        </p:style>
+      </p:cxnSp>
+      <p:sp>
+        <p:nvSpPr>
+          <p:cNvPr id="37" name="Rectangle: Rounded Corners 36">
+            <a:extLst>
+              <a:ext uri="{FF2B5EF4-FFF2-40B4-BE49-F238E27FC236}">
+                <a16:creationId xmlns:a16="http://schemas.microsoft.com/office/drawing/2014/main" id="{D3092A97-C01B-4CFF-8850-83FE773F9957}"/>
+              </a:ext>
+            </a:extLst>
+          </p:cNvPr>
+          <p:cNvSpPr/>
+          <p:nvPr/>
+        </p:nvSpPr>
+        <p:spPr>
+          <a:xfrm>
+            <a:off x="5132419" y="2587587"/>
+            <a:ext cx="1206889" cy="460454"/>
+          </a:xfrm>
+          <a:prstGeom prst="roundRect">
+            <a:avLst>
+              <a:gd name="adj" fmla="val 0"/>
+            </a:avLst>
+          </a:prstGeom>
+          <a:solidFill>
+            <a:schemeClr val="accent2">
+              <a:lumMod val="75000"/>
+            </a:schemeClr>
+          </a:solidFill>
+          <a:ln>
+            <a:solidFill>
+              <a:schemeClr val="accent2">
+                <a:lumMod val="75000"/>
+              </a:schemeClr>
+            </a:solidFill>
+          </a:ln>
+        </p:spPr>
+        <p:style>
+          <a:lnRef idx="2">
+            <a:schemeClr val="accent1">
+              <a:shade val="50000"/>
+            </a:schemeClr>
+          </a:lnRef>
+          <a:fillRef idx="1">
+            <a:schemeClr val="accent1"/>
+          </a:fillRef>
+          <a:effectRef idx="0">
+            <a:schemeClr val="accent1"/>
+          </a:effectRef>
+          <a:fontRef idx="minor">
+            <a:schemeClr val="lt1"/>
+          </a:fontRef>
+        </p:style>
+        <p:txBody>
+          <a:bodyPr rtlCol="0" anchor="ctr"/>
+          <a:lstStyle/>
+          <a:p>
+            <a:pPr algn="ctr"/>
+            <a:r>
+              <a:rPr lang="en-US" sz="1600" dirty="0"/>
+              <a:t>norm_case</a:t>
+            </a:r>
+          </a:p>
+        </p:txBody>
+      </p:sp>
+      <p:sp>
+        <p:nvSpPr>
+          <p:cNvPr id="38" name="Rectangle 37">
+            <a:extLst>
+              <a:ext uri="{FF2B5EF4-FFF2-40B4-BE49-F238E27FC236}">
+                <a16:creationId xmlns:a16="http://schemas.microsoft.com/office/drawing/2014/main" id="{EDC309CD-C192-4C7A-8FE4-372F99530639}"/>
+              </a:ext>
+            </a:extLst>
+          </p:cNvPr>
+          <p:cNvSpPr/>
+          <p:nvPr/>
+        </p:nvSpPr>
+        <p:spPr>
+          <a:xfrm>
+            <a:off x="4828841" y="3058608"/>
+            <a:ext cx="1822531" cy="845454"/>
+          </a:xfrm>
+          <a:prstGeom prst="rect">
+            <a:avLst/>
+          </a:prstGeom>
+          <a:solidFill>
+            <a:schemeClr val="accent2">
+              <a:lumMod val="60000"/>
+              <a:lumOff val="40000"/>
+            </a:schemeClr>
+          </a:solidFill>
+          <a:ln>
+            <a:noFill/>
+          </a:ln>
+        </p:spPr>
+        <p:style>
+          <a:lnRef idx="2">
+            <a:schemeClr val="accent1">
+              <a:shade val="50000"/>
+            </a:schemeClr>
+          </a:lnRef>
+          <a:fillRef idx="1">
+            <a:schemeClr val="accent1"/>
+          </a:fillRef>
+          <a:effectRef idx="0">
+            <a:schemeClr val="accent1"/>
+          </a:effectRef>
+          <a:fontRef idx="minor">
+            <a:schemeClr val="lt1"/>
+          </a:fontRef>
+        </p:style>
+        <p:txBody>
+          <a:bodyPr rtlCol="0" anchor="ctr"/>
+          <a:lstStyle/>
+          <a:p>
+            <a:pPr algn="ctr"/>
+            <a:r>
+              <a:rPr lang="en-US" sz="1200" dirty="0">
+                <a:solidFill>
+                  <a:schemeClr val="tx1"/>
+                </a:solidFill>
+              </a:rPr>
+              <a:t>List of strings of cases for normalization: mean-normalization and Min-Max-normalization</a:t>
+            </a:r>
+          </a:p>
+        </p:txBody>
+      </p:sp>
+      <p:sp>
+        <p:nvSpPr>
+          <p:cNvPr id="39" name="Rectangle: Rounded Corners 38">
+            <a:extLst>
+              <a:ext uri="{FF2B5EF4-FFF2-40B4-BE49-F238E27FC236}">
+                <a16:creationId xmlns:a16="http://schemas.microsoft.com/office/drawing/2014/main" id="{EFB78DB9-8CB3-4B76-87EC-B36E089E1ACF}"/>
+              </a:ext>
+            </a:extLst>
+          </p:cNvPr>
+          <p:cNvSpPr/>
+          <p:nvPr/>
+        </p:nvSpPr>
+        <p:spPr>
+          <a:xfrm>
+            <a:off x="6964926" y="1762515"/>
+            <a:ext cx="867006" cy="804297"/>
+          </a:xfrm>
+          <a:prstGeom prst="roundRect">
+            <a:avLst/>
+          </a:prstGeom>
+          <a:solidFill>
+            <a:srgbClr val="613AF2"/>
+          </a:solidFill>
+        </p:spPr>
+        <p:style>
+          <a:lnRef idx="2">
+            <a:schemeClr val="accent1">
+              <a:shade val="50000"/>
+            </a:schemeClr>
+          </a:lnRef>
+          <a:fillRef idx="1">
+            <a:schemeClr val="accent1"/>
+          </a:fillRef>
+          <a:effectRef idx="0">
+            <a:schemeClr val="accent1"/>
+          </a:effectRef>
+          <a:fontRef idx="minor">
+            <a:schemeClr val="lt1"/>
+          </a:fontRef>
+        </p:style>
+        <p:txBody>
+          <a:bodyPr rtlCol="0" anchor="ctr"/>
+          <a:lstStyle/>
+          <a:p>
+            <a:pPr algn="ctr"/>
+            <a:r>
+              <a:rPr lang="en-US" dirty="0"/>
+              <a:t>PCA</a:t>
+            </a:r>
+          </a:p>
+        </p:txBody>
+      </p:sp>
+      <p:sp>
+        <p:nvSpPr>
+          <p:cNvPr id="40" name="Rectangle: Rounded Corners 39">
+            <a:extLst>
+              <a:ext uri="{FF2B5EF4-FFF2-40B4-BE49-F238E27FC236}">
+                <a16:creationId xmlns:a16="http://schemas.microsoft.com/office/drawing/2014/main" id="{EC702223-1B3E-4F4F-BC3E-13FED715556D}"/>
+              </a:ext>
+            </a:extLst>
+          </p:cNvPr>
+          <p:cNvSpPr/>
+          <p:nvPr/>
+        </p:nvSpPr>
+        <p:spPr>
+          <a:xfrm>
+            <a:off x="6856293" y="2577379"/>
+            <a:ext cx="1206889" cy="460454"/>
+          </a:xfrm>
+          <a:prstGeom prst="roundRect">
+            <a:avLst>
+              <a:gd name="adj" fmla="val 0"/>
+            </a:avLst>
+          </a:prstGeom>
+          <a:solidFill>
+            <a:schemeClr val="accent2">
+              <a:lumMod val="75000"/>
+            </a:schemeClr>
+          </a:solidFill>
+          <a:ln>
+            <a:solidFill>
+              <a:schemeClr val="accent2">
+                <a:lumMod val="75000"/>
+              </a:schemeClr>
+            </a:solidFill>
+          </a:ln>
+        </p:spPr>
+        <p:style>
+          <a:lnRef idx="2">
+            <a:schemeClr val="accent1">
+              <a:shade val="50000"/>
+            </a:schemeClr>
+          </a:lnRef>
+          <a:fillRef idx="1">
+            <a:schemeClr val="accent1"/>
+          </a:fillRef>
+          <a:effectRef idx="0">
+            <a:schemeClr val="accent1"/>
+          </a:effectRef>
+          <a:fontRef idx="minor">
+            <a:schemeClr val="lt1"/>
+          </a:fontRef>
+        </p:style>
+        <p:txBody>
+          <a:bodyPr rtlCol="0" anchor="ctr"/>
+          <a:lstStyle/>
+          <a:p>
+            <a:pPr algn="ctr"/>
+            <a:r>
+              <a:rPr lang="en-US" sz="1600" dirty="0"/>
+              <a:t>pca_dim</a:t>
+            </a:r>
+          </a:p>
+        </p:txBody>
+      </p:sp>
+      <p:sp>
+        <p:nvSpPr>
+          <p:cNvPr id="41" name="Rectangle 40">
+            <a:extLst>
+              <a:ext uri="{FF2B5EF4-FFF2-40B4-BE49-F238E27FC236}">
+                <a16:creationId xmlns:a16="http://schemas.microsoft.com/office/drawing/2014/main" id="{20371DFC-D305-4379-965F-8EC379BF5D46}"/>
+              </a:ext>
+            </a:extLst>
+          </p:cNvPr>
+          <p:cNvSpPr/>
+          <p:nvPr/>
+        </p:nvSpPr>
+        <p:spPr>
+          <a:xfrm>
+            <a:off x="6964926" y="3048400"/>
+            <a:ext cx="1050618" cy="845454"/>
+          </a:xfrm>
+          <a:prstGeom prst="rect">
+            <a:avLst/>
+          </a:prstGeom>
+          <a:solidFill>
+            <a:schemeClr val="accent2">
+              <a:lumMod val="60000"/>
+              <a:lumOff val="40000"/>
+            </a:schemeClr>
+          </a:solidFill>
+          <a:ln>
+            <a:noFill/>
+          </a:ln>
+        </p:spPr>
+        <p:style>
+          <a:lnRef idx="2">
+            <a:schemeClr val="accent1">
+              <a:shade val="50000"/>
+            </a:schemeClr>
+          </a:lnRef>
+          <a:fillRef idx="1">
+            <a:schemeClr val="accent1"/>
+          </a:fillRef>
+          <a:effectRef idx="0">
+            <a:schemeClr val="accent1"/>
+          </a:effectRef>
+          <a:fontRef idx="minor">
+            <a:schemeClr val="lt1"/>
+          </a:fontRef>
+        </p:style>
+        <p:txBody>
+          <a:bodyPr rtlCol="0" anchor="ctr"/>
+          <a:lstStyle/>
+          <a:p>
+            <a:pPr algn="ctr"/>
+            <a:r>
+              <a:rPr lang="en-US" sz="1200" dirty="0">
+                <a:solidFill>
+                  <a:schemeClr val="tx1"/>
+                </a:solidFill>
+              </a:rPr>
+              <a:t>Number of principal components applied</a:t>
+            </a:r>
+          </a:p>
+        </p:txBody>
+      </p:sp>
+      <p:cxnSp>
+        <p:nvCxnSpPr>
+          <p:cNvPr id="42" name="Straight Arrow Connector 41">
+            <a:extLst>
+              <a:ext uri="{FF2B5EF4-FFF2-40B4-BE49-F238E27FC236}">
+                <a16:creationId xmlns:a16="http://schemas.microsoft.com/office/drawing/2014/main" id="{E444935B-634F-4308-83A4-7CC3D0BF1000}"/>
+              </a:ext>
+            </a:extLst>
+          </p:cNvPr>
+          <p:cNvCxnSpPr>
+            <a:cxnSpLocks/>
+            <a:stCxn id="32" idx="3"/>
+            <a:endCxn id="39" idx="1"/>
+          </p:cNvCxnSpPr>
+          <p:nvPr/>
+        </p:nvCxnSpPr>
+        <p:spPr>
+          <a:xfrm flipV="1">
+            <a:off x="6570092" y="2164664"/>
+            <a:ext cx="394834" cy="244"/>
+          </a:xfrm>
+          <a:prstGeom prst="straightConnector1">
+            <a:avLst/>
+          </a:prstGeom>
+          <a:ln w="34925">
+            <a:solidFill>
+              <a:schemeClr val="tx1"/>
+            </a:solidFill>
+            <a:tailEnd type="triangle" w="lg" len="med"/>
+          </a:ln>
+        </p:spPr>
+        <p:style>
+          <a:lnRef idx="1">
+            <a:schemeClr val="accent1"/>
+          </a:lnRef>
+          <a:fillRef idx="0">
+            <a:schemeClr val="accent1"/>
+          </a:fillRef>
+          <a:effectRef idx="0">
+            <a:schemeClr val="accent1"/>
+          </a:effectRef>
+          <a:fontRef idx="minor">
+            <a:schemeClr val="tx1"/>
+          </a:fontRef>
+        </p:style>
+      </p:cxnSp>
+      <p:sp>
+        <p:nvSpPr>
+          <p:cNvPr id="45" name="Rectangle: Rounded Corners 44">
+            <a:extLst>
+              <a:ext uri="{FF2B5EF4-FFF2-40B4-BE49-F238E27FC236}">
+                <a16:creationId xmlns:a16="http://schemas.microsoft.com/office/drawing/2014/main" id="{677D3E01-13D9-4D63-8AE8-4AA9C34529B5}"/>
+              </a:ext>
+            </a:extLst>
+          </p:cNvPr>
+          <p:cNvSpPr/>
+          <p:nvPr/>
+        </p:nvSpPr>
+        <p:spPr>
+          <a:xfrm>
+            <a:off x="8015544" y="4278508"/>
+            <a:ext cx="3241061" cy="1598867"/>
+          </a:xfrm>
+          <a:prstGeom prst="roundRect">
+            <a:avLst/>
+          </a:prstGeom>
+          <a:solidFill>
+            <a:srgbClr val="613AF2"/>
+          </a:solidFill>
+        </p:spPr>
+        <p:style>
+          <a:lnRef idx="2">
+            <a:schemeClr val="accent1">
+              <a:shade val="50000"/>
+            </a:schemeClr>
+          </a:lnRef>
+          <a:fillRef idx="1">
+            <a:schemeClr val="accent1"/>
+          </a:fillRef>
+          <a:effectRef idx="0">
+            <a:schemeClr val="accent1"/>
+          </a:effectRef>
+          <a:fontRef idx="minor">
+            <a:schemeClr val="lt1"/>
+          </a:fontRef>
+        </p:style>
+        <p:txBody>
+          <a:bodyPr rtlCol="0" anchor="t"/>
+          <a:lstStyle/>
+          <a:p>
+            <a:pPr algn="ctr"/>
+            <a:r>
+              <a:rPr lang="en-US" dirty="0"/>
+              <a:t>Cross-Validation on Train</a:t>
+            </a:r>
+          </a:p>
+        </p:txBody>
+      </p:sp>
+      <p:sp>
+        <p:nvSpPr>
+          <p:cNvPr id="46" name="Rectangle: Rounded Corners 45">
+            <a:extLst>
+              <a:ext uri="{FF2B5EF4-FFF2-40B4-BE49-F238E27FC236}">
+                <a16:creationId xmlns:a16="http://schemas.microsoft.com/office/drawing/2014/main" id="{B382C74D-235F-4CAF-A3AB-E7EB262DEC73}"/>
+              </a:ext>
+            </a:extLst>
+          </p:cNvPr>
+          <p:cNvSpPr/>
+          <p:nvPr/>
+        </p:nvSpPr>
+        <p:spPr>
+          <a:xfrm>
+            <a:off x="8957446" y="1870438"/>
+            <a:ext cx="1833206" cy="588449"/>
+          </a:xfrm>
+          <a:prstGeom prst="roundRect">
+            <a:avLst/>
+          </a:prstGeom>
+          <a:solidFill>
+            <a:srgbClr val="613AF2"/>
+          </a:solidFill>
+        </p:spPr>
+        <p:style>
+          <a:lnRef idx="2">
+            <a:schemeClr val="accent1">
+              <a:shade val="50000"/>
+            </a:schemeClr>
+          </a:lnRef>
+          <a:fillRef idx="1">
+            <a:schemeClr val="accent1"/>
+          </a:fillRef>
+          <a:effectRef idx="0">
+            <a:schemeClr val="accent1"/>
+          </a:effectRef>
+          <a:fontRef idx="minor">
+            <a:schemeClr val="lt1"/>
+          </a:fontRef>
+        </p:style>
+        <p:txBody>
+          <a:bodyPr rtlCol="0" anchor="ctr"/>
+          <a:lstStyle/>
+          <a:p>
+            <a:pPr algn="ctr"/>
+            <a:r>
+              <a:rPr lang="en-US" dirty="0"/>
+              <a:t>Train-Test-Split</a:t>
+            </a:r>
+          </a:p>
+        </p:txBody>
+      </p:sp>
+      <p:sp>
+        <p:nvSpPr>
+          <p:cNvPr id="47" name="Rectangle: Rounded Corners 46">
+            <a:extLst>
+              <a:ext uri="{FF2B5EF4-FFF2-40B4-BE49-F238E27FC236}">
+                <a16:creationId xmlns:a16="http://schemas.microsoft.com/office/drawing/2014/main" id="{FD5EA2FF-FF56-4AA6-9FD8-B068AB857689}"/>
+              </a:ext>
+            </a:extLst>
+          </p:cNvPr>
+          <p:cNvSpPr/>
+          <p:nvPr/>
+        </p:nvSpPr>
+        <p:spPr>
+          <a:xfrm>
+            <a:off x="8960369" y="2865403"/>
+            <a:ext cx="1833206" cy="588449"/>
+          </a:xfrm>
+          <a:prstGeom prst="roundRect">
+            <a:avLst/>
+          </a:prstGeom>
+          <a:solidFill>
+            <a:srgbClr val="613AF2"/>
+          </a:solidFill>
+        </p:spPr>
+        <p:style>
+          <a:lnRef idx="2">
+            <a:schemeClr val="accent1">
+              <a:shade val="50000"/>
+            </a:schemeClr>
+          </a:lnRef>
+          <a:fillRef idx="1">
+            <a:schemeClr val="accent1"/>
+          </a:fillRef>
+          <a:effectRef idx="0">
+            <a:schemeClr val="accent1"/>
+          </a:effectRef>
+          <a:fontRef idx="minor">
+            <a:schemeClr val="lt1"/>
+          </a:fontRef>
+        </p:style>
+        <p:txBody>
+          <a:bodyPr rtlCol="0" anchor="ctr"/>
+          <a:lstStyle/>
+          <a:p>
+            <a:pPr algn="ctr"/>
+            <a:r>
+              <a:rPr lang="en-US" dirty="0"/>
+              <a:t>SMOTE</a:t>
+            </a:r>
+          </a:p>
+        </p:txBody>
+      </p:sp>
+      <p:sp>
+        <p:nvSpPr>
+          <p:cNvPr id="49" name="Rectangle 48">
+            <a:extLst>
+              <a:ext uri="{FF2B5EF4-FFF2-40B4-BE49-F238E27FC236}">
+                <a16:creationId xmlns:a16="http://schemas.microsoft.com/office/drawing/2014/main" id="{F4EDFD5D-EEC2-4F0E-AC29-2E17E0FDCAE1}"/>
+              </a:ext>
+            </a:extLst>
+          </p:cNvPr>
+          <p:cNvSpPr/>
+          <p:nvPr/>
+        </p:nvSpPr>
+        <p:spPr>
+          <a:xfrm>
+            <a:off x="9385493" y="1585636"/>
+            <a:ext cx="976769" cy="294223"/>
+          </a:xfrm>
+          <a:prstGeom prst="rect">
+            <a:avLst/>
+          </a:prstGeom>
+          <a:solidFill>
+            <a:srgbClr val="A189F7"/>
+          </a:solidFill>
+          <a:ln>
+            <a:noFill/>
+          </a:ln>
+        </p:spPr>
+        <p:style>
+          <a:lnRef idx="2">
+            <a:schemeClr val="accent1">
+              <a:shade val="50000"/>
+            </a:schemeClr>
+          </a:lnRef>
+          <a:fillRef idx="1">
+            <a:schemeClr val="accent1"/>
+          </a:fillRef>
+          <a:effectRef idx="0">
+            <a:schemeClr val="accent1"/>
+          </a:effectRef>
+          <a:fontRef idx="minor">
+            <a:schemeClr val="lt1"/>
+          </a:fontRef>
+        </p:style>
+        <p:txBody>
+          <a:bodyPr rtlCol="0" anchor="ctr"/>
+          <a:lstStyle/>
+          <a:p>
+            <a:pPr algn="ctr"/>
+            <a:r>
+              <a:rPr lang="en-US" sz="1200" dirty="0">
+                <a:solidFill>
+                  <a:schemeClr val="tx1"/>
+                </a:solidFill>
+              </a:rPr>
+              <a:t>Stratified</a:t>
+            </a:r>
+          </a:p>
+        </p:txBody>
+      </p:sp>
+      <p:cxnSp>
+        <p:nvCxnSpPr>
+          <p:cNvPr id="50" name="Straight Arrow Connector 49">
+            <a:extLst>
+              <a:ext uri="{FF2B5EF4-FFF2-40B4-BE49-F238E27FC236}">
+                <a16:creationId xmlns:a16="http://schemas.microsoft.com/office/drawing/2014/main" id="{E1FFD32E-9D84-4F6E-A7CE-97D3FB6BD6E6}"/>
+              </a:ext>
+            </a:extLst>
+          </p:cNvPr>
+          <p:cNvCxnSpPr>
+            <a:cxnSpLocks/>
+            <a:stCxn id="39" idx="3"/>
+            <a:endCxn id="46" idx="1"/>
+          </p:cNvCxnSpPr>
+          <p:nvPr/>
+        </p:nvCxnSpPr>
+        <p:spPr>
+          <a:xfrm flipV="1">
+            <a:off x="7831932" y="2164663"/>
+            <a:ext cx="1125514" cy="1"/>
+          </a:xfrm>
+          <a:prstGeom prst="straightConnector1">
+            <a:avLst/>
+          </a:prstGeom>
+          <a:ln w="34925">
+            <a:solidFill>
+              <a:schemeClr val="tx1"/>
+            </a:solidFill>
+            <a:tailEnd type="triangle" w="lg" len="med"/>
+          </a:ln>
+        </p:spPr>
+        <p:style>
+          <a:lnRef idx="1">
+            <a:schemeClr val="accent1"/>
+          </a:lnRef>
+          <a:fillRef idx="0">
+            <a:schemeClr val="accent1"/>
+          </a:fillRef>
+          <a:effectRef idx="0">
+            <a:schemeClr val="accent1"/>
+          </a:effectRef>
+          <a:fontRef idx="minor">
+            <a:schemeClr val="tx1"/>
+          </a:fontRef>
+        </p:style>
+      </p:cxnSp>
+      <p:cxnSp>
+        <p:nvCxnSpPr>
+          <p:cNvPr id="53" name="Straight Arrow Connector 52">
+            <a:extLst>
+              <a:ext uri="{FF2B5EF4-FFF2-40B4-BE49-F238E27FC236}">
+                <a16:creationId xmlns:a16="http://schemas.microsoft.com/office/drawing/2014/main" id="{7270E287-E068-4F4E-B231-DF13CBD6CF13}"/>
+              </a:ext>
+            </a:extLst>
+          </p:cNvPr>
+          <p:cNvCxnSpPr>
+            <a:cxnSpLocks/>
+            <a:stCxn id="46" idx="2"/>
+            <a:endCxn id="47" idx="0"/>
+          </p:cNvCxnSpPr>
+          <p:nvPr/>
+        </p:nvCxnSpPr>
+        <p:spPr>
+          <a:xfrm>
+            <a:off x="9874049" y="2458887"/>
+            <a:ext cx="2923" cy="406516"/>
+          </a:xfrm>
+          <a:prstGeom prst="straightConnector1">
+            <a:avLst/>
+          </a:prstGeom>
+          <a:ln w="34925">
+            <a:solidFill>
+              <a:schemeClr val="tx1"/>
+            </a:solidFill>
+            <a:tailEnd type="triangle" w="lg" len="med"/>
+          </a:ln>
+        </p:spPr>
+        <p:style>
+          <a:lnRef idx="1">
+            <a:schemeClr val="accent1"/>
+          </a:lnRef>
+          <a:fillRef idx="0">
+            <a:schemeClr val="accent1"/>
+          </a:fillRef>
+          <a:effectRef idx="0">
+            <a:schemeClr val="accent1"/>
+          </a:effectRef>
+          <a:fontRef idx="minor">
+            <a:schemeClr val="tx1"/>
+          </a:fontRef>
+        </p:style>
+      </p:cxnSp>
+      <p:sp>
+        <p:nvSpPr>
+          <p:cNvPr id="57" name="Rectangle: Rounded Corners 56">
+            <a:extLst>
+              <a:ext uri="{FF2B5EF4-FFF2-40B4-BE49-F238E27FC236}">
+                <a16:creationId xmlns:a16="http://schemas.microsoft.com/office/drawing/2014/main" id="{16D5ADFF-8B5E-4182-96F9-1049A6436647}"/>
+              </a:ext>
+            </a:extLst>
+          </p:cNvPr>
+          <p:cNvSpPr/>
+          <p:nvPr/>
+        </p:nvSpPr>
+        <p:spPr>
+          <a:xfrm>
+            <a:off x="8381123" y="4772830"/>
+            <a:ext cx="1152646" cy="901264"/>
+          </a:xfrm>
+          <a:prstGeom prst="roundRect">
+            <a:avLst/>
+          </a:prstGeom>
+          <a:solidFill>
+            <a:schemeClr val="accent5">
+              <a:lumMod val="50000"/>
+            </a:schemeClr>
+          </a:solidFill>
+        </p:spPr>
+        <p:style>
+          <a:lnRef idx="2">
+            <a:schemeClr val="accent1">
+              <a:shade val="50000"/>
+            </a:schemeClr>
+          </a:lnRef>
+          <a:fillRef idx="1">
+            <a:schemeClr val="accent1"/>
+          </a:fillRef>
+          <a:effectRef idx="0">
+            <a:schemeClr val="accent1"/>
+          </a:effectRef>
+          <a:fontRef idx="minor">
+            <a:schemeClr val="lt1"/>
+          </a:fontRef>
+        </p:style>
+        <p:txBody>
+          <a:bodyPr rtlCol="0" anchor="ctr"/>
+          <a:lstStyle/>
+          <a:p>
+            <a:pPr algn="ctr"/>
+            <a:r>
+              <a:rPr lang="en-US" dirty="0"/>
+              <a:t>Random Forest Classifier</a:t>
+            </a:r>
+          </a:p>
+        </p:txBody>
+      </p:sp>
+      <p:sp>
+        <p:nvSpPr>
+          <p:cNvPr id="58" name="Rectangle: Rounded Corners 57">
+            <a:extLst>
+              <a:ext uri="{FF2B5EF4-FFF2-40B4-BE49-F238E27FC236}">
+                <a16:creationId xmlns:a16="http://schemas.microsoft.com/office/drawing/2014/main" id="{5E4E2E1D-2A47-4AF2-B125-CA6FF3D6111C}"/>
+              </a:ext>
+            </a:extLst>
+          </p:cNvPr>
+          <p:cNvSpPr/>
+          <p:nvPr/>
+        </p:nvSpPr>
+        <p:spPr>
+          <a:xfrm>
+            <a:off x="9564249" y="4849846"/>
+            <a:ext cx="1353954" cy="321695"/>
+          </a:xfrm>
+          <a:prstGeom prst="roundRect">
+            <a:avLst>
+              <a:gd name="adj" fmla="val 0"/>
+            </a:avLst>
+          </a:prstGeom>
+          <a:solidFill>
+            <a:schemeClr val="accent2">
+              <a:lumMod val="75000"/>
+            </a:schemeClr>
+          </a:solidFill>
+          <a:ln>
+            <a:solidFill>
+              <a:schemeClr val="accent2">
+                <a:lumMod val="75000"/>
+              </a:schemeClr>
+            </a:solidFill>
+          </a:ln>
+        </p:spPr>
+        <p:style>
+          <a:lnRef idx="2">
+            <a:schemeClr val="accent1">
+              <a:shade val="50000"/>
+            </a:schemeClr>
+          </a:lnRef>
+          <a:fillRef idx="1">
+            <a:schemeClr val="accent1"/>
+          </a:fillRef>
+          <a:effectRef idx="0">
+            <a:schemeClr val="accent1"/>
+          </a:effectRef>
+          <a:fontRef idx="minor">
+            <a:schemeClr val="lt1"/>
+          </a:fontRef>
+        </p:style>
+        <p:txBody>
+          <a:bodyPr rtlCol="0" anchor="ctr"/>
+          <a:lstStyle/>
+          <a:p>
+            <a:pPr algn="ctr"/>
+            <a:r>
+              <a:rPr lang="en-US" sz="1600" dirty="0"/>
+              <a:t>n_estimators</a:t>
+            </a:r>
+          </a:p>
+        </p:txBody>
+      </p:sp>
+      <p:sp>
+        <p:nvSpPr>
+          <p:cNvPr id="59" name="Rectangle: Rounded Corners 58">
+            <a:extLst>
+              <a:ext uri="{FF2B5EF4-FFF2-40B4-BE49-F238E27FC236}">
+                <a16:creationId xmlns:a16="http://schemas.microsoft.com/office/drawing/2014/main" id="{CE831044-974F-461B-8F7E-89F5B28A6393}"/>
+              </a:ext>
+            </a:extLst>
+          </p:cNvPr>
+          <p:cNvSpPr/>
+          <p:nvPr/>
+        </p:nvSpPr>
+        <p:spPr>
+          <a:xfrm>
+            <a:off x="9574409" y="5218002"/>
+            <a:ext cx="1353954" cy="321695"/>
+          </a:xfrm>
+          <a:prstGeom prst="roundRect">
+            <a:avLst>
+              <a:gd name="adj" fmla="val 0"/>
+            </a:avLst>
+          </a:prstGeom>
+          <a:solidFill>
+            <a:schemeClr val="accent2">
+              <a:lumMod val="75000"/>
+            </a:schemeClr>
+          </a:solidFill>
+          <a:ln>
+            <a:solidFill>
+              <a:schemeClr val="accent2">
+                <a:lumMod val="75000"/>
+              </a:schemeClr>
+            </a:solidFill>
+          </a:ln>
+        </p:spPr>
+        <p:style>
+          <a:lnRef idx="2">
+            <a:schemeClr val="accent1">
+              <a:shade val="50000"/>
+            </a:schemeClr>
+          </a:lnRef>
+          <a:fillRef idx="1">
+            <a:schemeClr val="accent1"/>
+          </a:fillRef>
+          <a:effectRef idx="0">
+            <a:schemeClr val="accent1"/>
+          </a:effectRef>
+          <a:fontRef idx="minor">
+            <a:schemeClr val="lt1"/>
+          </a:fontRef>
+        </p:style>
+        <p:txBody>
+          <a:bodyPr rtlCol="0" anchor="ctr"/>
+          <a:lstStyle/>
+          <a:p>
+            <a:pPr algn="ctr"/>
+            <a:r>
+              <a:rPr lang="en-US" sz="1600" dirty="0"/>
+              <a:t>max_depth</a:t>
+            </a:r>
+          </a:p>
+        </p:txBody>
+      </p:sp>
+      <p:cxnSp>
+        <p:nvCxnSpPr>
+          <p:cNvPr id="67" name="Connector: Elbow 66">
+            <a:extLst>
+              <a:ext uri="{FF2B5EF4-FFF2-40B4-BE49-F238E27FC236}">
+                <a16:creationId xmlns:a16="http://schemas.microsoft.com/office/drawing/2014/main" id="{7A55FFEC-23CA-4764-BED2-1AC41005DE1D}"/>
+              </a:ext>
+            </a:extLst>
+          </p:cNvPr>
+          <p:cNvCxnSpPr>
+            <a:stCxn id="47" idx="3"/>
+            <a:endCxn id="45" idx="0"/>
+          </p:cNvCxnSpPr>
+          <p:nvPr/>
+        </p:nvCxnSpPr>
+        <p:spPr>
+          <a:xfrm flipH="1">
+            <a:off x="9636075" y="3159628"/>
+            <a:ext cx="1157500" cy="1118880"/>
+          </a:xfrm>
+          <a:prstGeom prst="bentConnector4">
+            <a:avLst>
+              <a:gd name="adj1" fmla="val -41693"/>
+              <a:gd name="adj2" fmla="val 74953"/>
+            </a:avLst>
+          </a:prstGeom>
+          <a:ln w="34925">
+            <a:solidFill>
+              <a:schemeClr val="tx1"/>
+            </a:solidFill>
+            <a:tailEnd type="triangle" w="lg" len="med"/>
+          </a:ln>
+        </p:spPr>
+        <p:style>
+          <a:lnRef idx="1">
+            <a:schemeClr val="accent1"/>
+          </a:lnRef>
+          <a:fillRef idx="0">
+            <a:schemeClr val="accent1"/>
+          </a:fillRef>
+          <a:effectRef idx="0">
+            <a:schemeClr val="accent1"/>
+          </a:effectRef>
+          <a:fontRef idx="minor">
+            <a:schemeClr val="tx1"/>
+          </a:fontRef>
+        </p:style>
+      </p:cxnSp>
+      <p:sp>
+        <p:nvSpPr>
+          <p:cNvPr id="70" name="Rectangle: Rounded Corners 69">
+            <a:extLst>
+              <a:ext uri="{FF2B5EF4-FFF2-40B4-BE49-F238E27FC236}">
+                <a16:creationId xmlns:a16="http://schemas.microsoft.com/office/drawing/2014/main" id="{FB4CC757-23B7-4C00-895C-48982708F896}"/>
+              </a:ext>
+            </a:extLst>
+          </p:cNvPr>
+          <p:cNvSpPr/>
+          <p:nvPr/>
+        </p:nvSpPr>
+        <p:spPr>
+          <a:xfrm>
+            <a:off x="5379022" y="4216355"/>
+            <a:ext cx="1827372" cy="726869"/>
+          </a:xfrm>
+          <a:prstGeom prst="roundRect">
+            <a:avLst/>
+          </a:prstGeom>
+          <a:solidFill>
+            <a:srgbClr val="613AF2"/>
+          </a:solidFill>
+        </p:spPr>
+        <p:style>
+          <a:lnRef idx="2">
+            <a:schemeClr val="accent1">
+              <a:shade val="50000"/>
+            </a:schemeClr>
+          </a:lnRef>
+          <a:fillRef idx="1">
+            <a:schemeClr val="accent1"/>
+          </a:fillRef>
+          <a:effectRef idx="0">
+            <a:schemeClr val="accent1"/>
+          </a:effectRef>
+          <a:fontRef idx="minor">
+            <a:schemeClr val="lt1"/>
+          </a:fontRef>
+        </p:style>
+        <p:txBody>
+          <a:bodyPr rtlCol="0" anchor="t"/>
+          <a:lstStyle/>
+          <a:p>
+            <a:pPr algn="ctr"/>
+            <a:r>
+              <a:rPr lang="en-US" dirty="0"/>
+              <a:t>AUC ROC </a:t>
+            </a:r>
+          </a:p>
+          <a:p>
+            <a:pPr algn="ctr"/>
+            <a:r>
+              <a:rPr lang="en-US" dirty="0"/>
+              <a:t>Evaluate on Test</a:t>
+            </a:r>
+          </a:p>
+        </p:txBody>
+      </p:sp>
+      <p:sp>
+        <p:nvSpPr>
+          <p:cNvPr id="71" name="Rectangle: Rounded Corners 70">
+            <a:extLst>
+              <a:ext uri="{FF2B5EF4-FFF2-40B4-BE49-F238E27FC236}">
+                <a16:creationId xmlns:a16="http://schemas.microsoft.com/office/drawing/2014/main" id="{FAA52A34-F150-4974-8D8C-1FDF30D7DCAA}"/>
+              </a:ext>
+            </a:extLst>
+          </p:cNvPr>
+          <p:cNvSpPr/>
+          <p:nvPr/>
+        </p:nvSpPr>
+        <p:spPr>
+          <a:xfrm>
+            <a:off x="5379022" y="5084338"/>
+            <a:ext cx="1827372" cy="726869"/>
+          </a:xfrm>
+          <a:prstGeom prst="roundRect">
+            <a:avLst/>
+          </a:prstGeom>
+          <a:solidFill>
+            <a:srgbClr val="613AF2"/>
+          </a:solidFill>
+        </p:spPr>
+        <p:style>
+          <a:lnRef idx="2">
+            <a:schemeClr val="accent1">
+              <a:shade val="50000"/>
+            </a:schemeClr>
+          </a:lnRef>
+          <a:fillRef idx="1">
+            <a:schemeClr val="accent1"/>
+          </a:fillRef>
+          <a:effectRef idx="0">
+            <a:schemeClr val="accent1"/>
+          </a:effectRef>
+          <a:fontRef idx="minor">
+            <a:schemeClr val="lt1"/>
+          </a:fontRef>
+        </p:style>
+        <p:txBody>
+          <a:bodyPr rtlCol="0" anchor="t"/>
+          <a:lstStyle/>
+          <a:p>
+            <a:pPr algn="ctr"/>
+            <a:r>
+              <a:rPr lang="en-US" dirty="0"/>
+              <a:t>Update best model</a:t>
+            </a:r>
+          </a:p>
+        </p:txBody>
+      </p:sp>
+      <p:cxnSp>
+        <p:nvCxnSpPr>
+          <p:cNvPr id="72" name="Connector: Elbow 71">
+            <a:extLst>
+              <a:ext uri="{FF2B5EF4-FFF2-40B4-BE49-F238E27FC236}">
+                <a16:creationId xmlns:a16="http://schemas.microsoft.com/office/drawing/2014/main" id="{9E238B59-7547-4AFD-B78A-32C395B9164D}"/>
+              </a:ext>
+            </a:extLst>
+          </p:cNvPr>
+          <p:cNvCxnSpPr>
+            <a:cxnSpLocks/>
+            <a:stCxn id="45" idx="1"/>
+            <a:endCxn id="70" idx="3"/>
+          </p:cNvCxnSpPr>
+          <p:nvPr/>
+        </p:nvCxnSpPr>
+        <p:spPr>
+          <a:xfrm rot="10800000">
+            <a:off x="7206394" y="4579790"/>
+            <a:ext cx="809150" cy="498152"/>
+          </a:xfrm>
+          <a:prstGeom prst="bentConnector3">
+            <a:avLst>
+              <a:gd name="adj1" fmla="val 50000"/>
+            </a:avLst>
+          </a:prstGeom>
+          <a:ln w="34925">
+            <a:solidFill>
+              <a:schemeClr val="tx1"/>
+            </a:solidFill>
+            <a:tailEnd type="triangle" w="lg" len="med"/>
+          </a:ln>
+        </p:spPr>
+        <p:style>
+          <a:lnRef idx="1">
+            <a:schemeClr val="accent1"/>
+          </a:lnRef>
+          <a:fillRef idx="0">
+            <a:schemeClr val="accent1"/>
+          </a:fillRef>
+          <a:effectRef idx="0">
+            <a:schemeClr val="accent1"/>
+          </a:effectRef>
+          <a:fontRef idx="minor">
+            <a:schemeClr val="tx1"/>
+          </a:fontRef>
+        </p:style>
+      </p:cxnSp>
+      <p:cxnSp>
+        <p:nvCxnSpPr>
+          <p:cNvPr id="76" name="Straight Arrow Connector 75">
+            <a:extLst>
+              <a:ext uri="{FF2B5EF4-FFF2-40B4-BE49-F238E27FC236}">
+                <a16:creationId xmlns:a16="http://schemas.microsoft.com/office/drawing/2014/main" id="{9D1D3178-9505-4B39-84A9-5F80F17BAC8B}"/>
+              </a:ext>
+            </a:extLst>
+          </p:cNvPr>
+          <p:cNvCxnSpPr>
+            <a:cxnSpLocks/>
+            <a:stCxn id="70" idx="2"/>
+            <a:endCxn id="71" idx="0"/>
+          </p:cNvCxnSpPr>
+          <p:nvPr/>
+        </p:nvCxnSpPr>
+        <p:spPr>
+          <a:xfrm>
+            <a:off x="6292708" y="4943224"/>
+            <a:ext cx="0" cy="141114"/>
+          </a:xfrm>
+          <a:prstGeom prst="straightConnector1">
+            <a:avLst/>
+          </a:prstGeom>
+          <a:ln w="34925">
+            <a:solidFill>
+              <a:schemeClr val="tx1"/>
+            </a:solidFill>
+            <a:tailEnd type="triangle" w="lg" len="med"/>
+          </a:ln>
+        </p:spPr>
+        <p:style>
+          <a:lnRef idx="1">
+            <a:schemeClr val="accent1"/>
+          </a:lnRef>
+          <a:fillRef idx="0">
+            <a:schemeClr val="accent1"/>
+          </a:fillRef>
+          <a:effectRef idx="0">
+            <a:schemeClr val="accent1"/>
+          </a:effectRef>
+          <a:fontRef idx="minor">
+            <a:schemeClr val="tx1"/>
+          </a:fontRef>
+        </p:style>
+      </p:cxnSp>
+      <p:sp>
+        <p:nvSpPr>
+          <p:cNvPr id="81" name="Rectangle: Rounded Corners 80">
+            <a:extLst>
+              <a:ext uri="{FF2B5EF4-FFF2-40B4-BE49-F238E27FC236}">
+                <a16:creationId xmlns:a16="http://schemas.microsoft.com/office/drawing/2014/main" id="{FCB3D4FE-BBBB-4D02-8148-73F23EE555C4}"/>
+              </a:ext>
+            </a:extLst>
+          </p:cNvPr>
+          <p:cNvSpPr/>
+          <p:nvPr/>
+        </p:nvSpPr>
+        <p:spPr>
+          <a:xfrm>
+            <a:off x="2692412" y="4837758"/>
+            <a:ext cx="1827372" cy="726869"/>
+          </a:xfrm>
+          <a:prstGeom prst="roundRect">
+            <a:avLst/>
+          </a:prstGeom>
+          <a:solidFill>
+            <a:srgbClr val="613AF2"/>
+          </a:solidFill>
+        </p:spPr>
+        <p:style>
+          <a:lnRef idx="2">
+            <a:schemeClr val="accent1">
+              <a:shade val="50000"/>
+            </a:schemeClr>
+          </a:lnRef>
+          <a:fillRef idx="1">
+            <a:schemeClr val="accent1"/>
+          </a:fillRef>
+          <a:effectRef idx="0">
+            <a:schemeClr val="accent1"/>
+          </a:effectRef>
+          <a:fontRef idx="minor">
+            <a:schemeClr val="lt1"/>
+          </a:fontRef>
+        </p:style>
+        <p:txBody>
+          <a:bodyPr rtlCol="0" anchor="t"/>
+          <a:lstStyle/>
+          <a:p>
+            <a:pPr algn="ctr"/>
+            <a:r>
+              <a:rPr lang="en-US" dirty="0"/>
+              <a:t>Save best RF on AUC test set</a:t>
+            </a:r>
+          </a:p>
+        </p:txBody>
+      </p:sp>
+      <p:cxnSp>
+        <p:nvCxnSpPr>
+          <p:cNvPr id="82" name="Connector: Elbow 81">
+            <a:extLst>
+              <a:ext uri="{FF2B5EF4-FFF2-40B4-BE49-F238E27FC236}">
+                <a16:creationId xmlns:a16="http://schemas.microsoft.com/office/drawing/2014/main" id="{B82D80A3-2E59-4B8B-9794-933D115530EC}"/>
+              </a:ext>
+            </a:extLst>
+          </p:cNvPr>
+          <p:cNvCxnSpPr>
+            <a:cxnSpLocks/>
+            <a:stCxn id="85" idx="1"/>
+            <a:endCxn id="81" idx="3"/>
+          </p:cNvCxnSpPr>
+          <p:nvPr/>
+        </p:nvCxnSpPr>
+        <p:spPr>
+          <a:xfrm rot="10800000">
+            <a:off x="4519784" y="5201193"/>
+            <a:ext cx="397656" cy="2092"/>
+          </a:xfrm>
+          <a:prstGeom prst="bentConnector3">
+            <a:avLst>
+              <a:gd name="adj1" fmla="val 50000"/>
+            </a:avLst>
+          </a:prstGeom>
+          <a:ln w="34925">
+            <a:solidFill>
+              <a:schemeClr val="tx1"/>
+            </a:solidFill>
+            <a:tailEnd type="triangle" w="lg" len="med"/>
+          </a:ln>
+        </p:spPr>
+        <p:style>
+          <a:lnRef idx="1">
+            <a:schemeClr val="accent1"/>
+          </a:lnRef>
+          <a:fillRef idx="0">
+            <a:schemeClr val="accent1"/>
+          </a:fillRef>
+          <a:effectRef idx="0">
+            <a:schemeClr val="accent1"/>
+          </a:effectRef>
+          <a:fontRef idx="minor">
+            <a:schemeClr val="tx1"/>
+          </a:fontRef>
+        </p:style>
+      </p:cxnSp>
+      <p:sp>
+        <p:nvSpPr>
+          <p:cNvPr id="88" name="Rectangle 87">
+            <a:extLst>
+              <a:ext uri="{FF2B5EF4-FFF2-40B4-BE49-F238E27FC236}">
+                <a16:creationId xmlns:a16="http://schemas.microsoft.com/office/drawing/2014/main" id="{C998D286-C6C6-4988-A8AE-BB8021EE09CA}"/>
+              </a:ext>
+            </a:extLst>
+          </p:cNvPr>
+          <p:cNvSpPr/>
+          <p:nvPr/>
+        </p:nvSpPr>
+        <p:spPr>
+          <a:xfrm>
+            <a:off x="10031609" y="5884168"/>
+            <a:ext cx="976769" cy="294223"/>
+          </a:xfrm>
+          <a:prstGeom prst="rect">
+            <a:avLst/>
+          </a:prstGeom>
+          <a:solidFill>
+            <a:srgbClr val="A189F7"/>
+          </a:solidFill>
+          <a:ln>
+            <a:noFill/>
+          </a:ln>
+        </p:spPr>
+        <p:style>
+          <a:lnRef idx="2">
+            <a:schemeClr val="accent1">
+              <a:shade val="50000"/>
+            </a:schemeClr>
+          </a:lnRef>
+          <a:fillRef idx="1">
+            <a:schemeClr val="accent1"/>
+          </a:fillRef>
+          <a:effectRef idx="0">
+            <a:schemeClr val="accent1"/>
+          </a:effectRef>
+          <a:fontRef idx="minor">
+            <a:schemeClr val="lt1"/>
+          </a:fontRef>
+        </p:style>
+        <p:txBody>
+          <a:bodyPr rtlCol="0" anchor="ctr"/>
+          <a:lstStyle/>
+          <a:p>
+            <a:pPr algn="ctr"/>
+            <a:r>
+              <a:rPr lang="en-US" sz="1200" dirty="0">
+                <a:solidFill>
+                  <a:schemeClr val="tx1"/>
+                </a:solidFill>
+              </a:rPr>
+              <a:t>Stratified</a:t>
+            </a:r>
+          </a:p>
+        </p:txBody>
+      </p:sp>
+      <p:cxnSp>
+        <p:nvCxnSpPr>
+          <p:cNvPr id="91" name="Connector: Elbow 90">
+            <a:extLst>
+              <a:ext uri="{FF2B5EF4-FFF2-40B4-BE49-F238E27FC236}">
+                <a16:creationId xmlns:a16="http://schemas.microsoft.com/office/drawing/2014/main" id="{FF85C028-7635-4212-9B45-4D8CFBF2227F}"/>
+              </a:ext>
+            </a:extLst>
+          </p:cNvPr>
+          <p:cNvCxnSpPr>
+            <a:cxnSpLocks/>
+            <a:stCxn id="71" idx="3"/>
+            <a:endCxn id="45" idx="2"/>
+          </p:cNvCxnSpPr>
+          <p:nvPr/>
+        </p:nvCxnSpPr>
+        <p:spPr>
+          <a:xfrm>
+            <a:off x="7206394" y="5447773"/>
+            <a:ext cx="2429681" cy="429602"/>
+          </a:xfrm>
+          <a:prstGeom prst="bentConnector4">
+            <a:avLst>
+              <a:gd name="adj1" fmla="val 16651"/>
+              <a:gd name="adj2" fmla="val 153212"/>
+            </a:avLst>
+          </a:prstGeom>
+          <a:ln w="34925">
+            <a:solidFill>
+              <a:schemeClr val="tx1"/>
+            </a:solidFill>
+            <a:tailEnd type="triangle" w="lg" len="med"/>
+          </a:ln>
+        </p:spPr>
+        <p:style>
+          <a:lnRef idx="1">
+            <a:schemeClr val="accent1"/>
+          </a:lnRef>
+          <a:fillRef idx="0">
+            <a:schemeClr val="accent1"/>
+          </a:fillRef>
+          <a:effectRef idx="0">
+            <a:schemeClr val="accent1"/>
+          </a:effectRef>
+          <a:fontRef idx="minor">
+            <a:schemeClr val="tx1"/>
+          </a:fontRef>
+        </p:style>
+      </p:cxnSp>
+    </p:spTree>
+    <p:extLst>
+      <p:ext uri="{BB962C8B-B14F-4D97-AF65-F5344CB8AC3E}">
+        <p14:creationId xmlns:p14="http://schemas.microsoft.com/office/powerpoint/2010/main" val="1918963850"/>
+      </p:ext>
+    </p:extLst>
+  </p:cSld>
+  <p:clrMapOvr>
+    <a:masterClrMapping/>
+  </p:clrMapOvr>
+  <p:timing>
+    <p:tnLst>
+      <p:par>
+        <p:cTn id="1" dur="indefinite" restart="never" nodeType="tmRoot">
+          <p:childTnLst>
+            <p:seq concurrent="1" nextAc="seek">
+              <p:cTn id="2" dur="indefinite" nodeType="mainSeq">
+                <p:childTnLst>
+                  <p:par>
+                    <p:cTn id="3" fill="hold">
+                      <p:stCondLst>
+                        <p:cond delay="indefinite"/>
+                      </p:stCondLst>
+                      <p:childTnLst>
+                        <p:par>
+                          <p:cTn id="4" fill="hold">
+                            <p:stCondLst>
+                              <p:cond delay="0"/>
+                            </p:stCondLst>
+                            <p:childTnLst>
+                              <p:par>
+                                <p:cTn id="5" presetID="1" presetClass="entr" presetSubtype="0" fill="hold" grpId="0" nodeType="clickEffect">
+                                  <p:stCondLst>
+                                    <p:cond delay="0"/>
+                                  </p:stCondLst>
+                                  <p:childTnLst>
+                                    <p:set>
+                                      <p:cBhvr>
+                                        <p:cTn id="6" dur="1" fill="hold">
+                                          <p:stCondLst>
+                                            <p:cond delay="0"/>
+                                          </p:stCondLst>
+                                        </p:cTn>
+                                        <p:tgtEl>
+                                          <p:spTgt spid="8"/>
+                                        </p:tgtEl>
+                                        <p:attrNameLst>
+                                          <p:attrName>style.visibility</p:attrName>
+                                        </p:attrNameLst>
+                                      </p:cBhvr>
+                                      <p:to>
+                                        <p:strVal val="visible"/>
+                                      </p:to>
+                                    </p:set>
+                                  </p:childTnLst>
+                                </p:cTn>
+                              </p:par>
+                              <p:par>
+                                <p:cTn id="7" presetID="1" presetClass="entr" presetSubtype="0" fill="hold" grpId="0" nodeType="withEffect">
+                                  <p:stCondLst>
+                                    <p:cond delay="0"/>
+                                  </p:stCondLst>
+                                  <p:childTnLst>
+                                    <p:set>
+                                      <p:cBhvr>
+                                        <p:cTn id="8" dur="1" fill="hold">
+                                          <p:stCondLst>
+                                            <p:cond delay="0"/>
+                                          </p:stCondLst>
+                                        </p:cTn>
+                                        <p:tgtEl>
+                                          <p:spTgt spid="10"/>
+                                        </p:tgtEl>
+                                        <p:attrNameLst>
+                                          <p:attrName>style.visibility</p:attrName>
+                                        </p:attrNameLst>
+                                      </p:cBhvr>
+                                      <p:to>
+                                        <p:strVal val="visible"/>
+                                      </p:to>
+                                    </p:set>
+                                  </p:childTnLst>
+                                </p:cTn>
+                              </p:par>
+                              <p:par>
+                                <p:cTn id="9" presetID="1" presetClass="entr" presetSubtype="0" fill="hold" grpId="0" nodeType="withEffect">
+                                  <p:stCondLst>
+                                    <p:cond delay="0"/>
+                                  </p:stCondLst>
+                                  <p:childTnLst>
+                                    <p:set>
+                                      <p:cBhvr>
+                                        <p:cTn id="10" dur="1" fill="hold">
+                                          <p:stCondLst>
+                                            <p:cond delay="0"/>
+                                          </p:stCondLst>
+                                        </p:cTn>
+                                        <p:tgtEl>
+                                          <p:spTgt spid="29"/>
+                                        </p:tgtEl>
+                                        <p:attrNameLst>
+                                          <p:attrName>style.visibility</p:attrName>
+                                        </p:attrNameLst>
+                                      </p:cBhvr>
+                                      <p:to>
+                                        <p:strVal val="visible"/>
+                                      </p:to>
+                                    </p:set>
+                                  </p:childTnLst>
+                                </p:cTn>
+                              </p:par>
+                            </p:childTnLst>
+                          </p:cTn>
+                        </p:par>
+                      </p:childTnLst>
+                    </p:cTn>
+                  </p:par>
+                  <p:par>
+                    <p:cTn id="11" fill="hold">
+                      <p:stCondLst>
+                        <p:cond delay="indefinite"/>
+                      </p:stCondLst>
+                      <p:childTnLst>
+                        <p:par>
+                          <p:cTn id="12" fill="hold">
+                            <p:stCondLst>
+                              <p:cond delay="0"/>
+                            </p:stCondLst>
+                            <p:childTnLst>
+                              <p:par>
+                                <p:cTn id="13" presetID="1" presetClass="entr" presetSubtype="0" fill="hold" nodeType="clickEffect">
+                                  <p:stCondLst>
+                                    <p:cond delay="0"/>
+                                  </p:stCondLst>
+                                  <p:childTnLst>
+                                    <p:set>
+                                      <p:cBhvr>
+                                        <p:cTn id="14" dur="1" fill="hold">
+                                          <p:stCondLst>
+                                            <p:cond delay="0"/>
+                                          </p:stCondLst>
+                                        </p:cTn>
+                                        <p:tgtEl>
+                                          <p:spTgt spid="9"/>
+                                        </p:tgtEl>
+                                        <p:attrNameLst>
+                                          <p:attrName>style.visibility</p:attrName>
+                                        </p:attrNameLst>
+                                      </p:cBhvr>
+                                      <p:to>
+                                        <p:strVal val="visible"/>
+                                      </p:to>
+                                    </p:set>
+                                  </p:childTnLst>
+                                </p:cTn>
+                              </p:par>
+                              <p:par>
+                                <p:cTn id="15" presetID="1" presetClass="entr" presetSubtype="0" fill="hold" grpId="0" nodeType="withEffect">
+                                  <p:stCondLst>
+                                    <p:cond delay="0"/>
+                                  </p:stCondLst>
+                                  <p:childTnLst>
+                                    <p:set>
+                                      <p:cBhvr>
+                                        <p:cTn id="16" dur="1" fill="hold">
+                                          <p:stCondLst>
+                                            <p:cond delay="0"/>
+                                          </p:stCondLst>
+                                        </p:cTn>
+                                        <p:tgtEl>
+                                          <p:spTgt spid="11"/>
+                                        </p:tgtEl>
+                                        <p:attrNameLst>
+                                          <p:attrName>style.visibility</p:attrName>
+                                        </p:attrNameLst>
+                                      </p:cBhvr>
+                                      <p:to>
+                                        <p:strVal val="visible"/>
+                                      </p:to>
+                                    </p:set>
+                                  </p:childTnLst>
+                                </p:cTn>
+                              </p:par>
+                              <p:par>
+                                <p:cTn id="17" presetID="1" presetClass="entr" presetSubtype="0" fill="hold" grpId="0" nodeType="withEffect">
+                                  <p:stCondLst>
+                                    <p:cond delay="0"/>
+                                  </p:stCondLst>
+                                  <p:childTnLst>
+                                    <p:set>
+                                      <p:cBhvr>
+                                        <p:cTn id="18" dur="1" fill="hold">
+                                          <p:stCondLst>
+                                            <p:cond delay="0"/>
+                                          </p:stCondLst>
+                                        </p:cTn>
+                                        <p:tgtEl>
+                                          <p:spTgt spid="30"/>
+                                        </p:tgtEl>
+                                        <p:attrNameLst>
+                                          <p:attrName>style.visibility</p:attrName>
+                                        </p:attrNameLst>
+                                      </p:cBhvr>
+                                      <p:to>
+                                        <p:strVal val="visible"/>
+                                      </p:to>
+                                    </p:set>
+                                  </p:childTnLst>
+                                </p:cTn>
+                              </p:par>
+                              <p:par>
+                                <p:cTn id="19" presetID="1" presetClass="entr" presetSubtype="0" fill="hold" grpId="0" nodeType="withEffect">
+                                  <p:stCondLst>
+                                    <p:cond delay="0"/>
+                                  </p:stCondLst>
+                                  <p:childTnLst>
+                                    <p:set>
+                                      <p:cBhvr>
+                                        <p:cTn id="20" dur="1" fill="hold">
+                                          <p:stCondLst>
+                                            <p:cond delay="0"/>
+                                          </p:stCondLst>
+                                        </p:cTn>
+                                        <p:tgtEl>
+                                          <p:spTgt spid="31"/>
+                                        </p:tgtEl>
+                                        <p:attrNameLst>
+                                          <p:attrName>style.visibility</p:attrName>
+                                        </p:attrNameLst>
+                                      </p:cBhvr>
+                                      <p:to>
+                                        <p:strVal val="visible"/>
+                                      </p:to>
+                                    </p:set>
+                                  </p:childTnLst>
+                                </p:cTn>
+                              </p:par>
+                            </p:childTnLst>
+                          </p:cTn>
+                        </p:par>
+                      </p:childTnLst>
+                    </p:cTn>
+                  </p:par>
+                  <p:par>
+                    <p:cTn id="21" fill="hold">
+                      <p:stCondLst>
+                        <p:cond delay="indefinite"/>
+                      </p:stCondLst>
+                      <p:childTnLst>
+                        <p:par>
+                          <p:cTn id="22" fill="hold">
+                            <p:stCondLst>
+                              <p:cond delay="0"/>
+                            </p:stCondLst>
+                            <p:childTnLst>
+                              <p:par>
+                                <p:cTn id="23" presetID="1" presetClass="entr" presetSubtype="0" fill="hold" nodeType="clickEffect">
+                                  <p:stCondLst>
+                                    <p:cond delay="0"/>
+                                  </p:stCondLst>
+                                  <p:childTnLst>
+                                    <p:set>
+                                      <p:cBhvr>
+                                        <p:cTn id="24" dur="1" fill="hold">
+                                          <p:stCondLst>
+                                            <p:cond delay="0"/>
+                                          </p:stCondLst>
+                                        </p:cTn>
+                                        <p:tgtEl>
+                                          <p:spTgt spid="33"/>
+                                        </p:tgtEl>
+                                        <p:attrNameLst>
+                                          <p:attrName>style.visibility</p:attrName>
+                                        </p:attrNameLst>
+                                      </p:cBhvr>
+                                      <p:to>
+                                        <p:strVal val="visible"/>
+                                      </p:to>
+                                    </p:set>
+                                  </p:childTnLst>
+                                </p:cTn>
+                              </p:par>
+                              <p:par>
+                                <p:cTn id="25" presetID="1" presetClass="entr" presetSubtype="0" fill="hold" grpId="0" nodeType="withEffect">
+                                  <p:stCondLst>
+                                    <p:cond delay="0"/>
+                                  </p:stCondLst>
+                                  <p:childTnLst>
+                                    <p:set>
+                                      <p:cBhvr>
+                                        <p:cTn id="26" dur="1" fill="hold">
+                                          <p:stCondLst>
+                                            <p:cond delay="0"/>
+                                          </p:stCondLst>
+                                        </p:cTn>
+                                        <p:tgtEl>
+                                          <p:spTgt spid="32"/>
+                                        </p:tgtEl>
+                                        <p:attrNameLst>
+                                          <p:attrName>style.visibility</p:attrName>
+                                        </p:attrNameLst>
+                                      </p:cBhvr>
+                                      <p:to>
+                                        <p:strVal val="visible"/>
+                                      </p:to>
+                                    </p:set>
+                                  </p:childTnLst>
+                                </p:cTn>
+                              </p:par>
+                              <p:par>
+                                <p:cTn id="27" presetID="1" presetClass="entr" presetSubtype="0" fill="hold" grpId="0" nodeType="withEffect">
+                                  <p:stCondLst>
+                                    <p:cond delay="0"/>
+                                  </p:stCondLst>
+                                  <p:childTnLst>
+                                    <p:set>
+                                      <p:cBhvr>
+                                        <p:cTn id="28" dur="1" fill="hold">
+                                          <p:stCondLst>
+                                            <p:cond delay="0"/>
+                                          </p:stCondLst>
+                                        </p:cTn>
+                                        <p:tgtEl>
+                                          <p:spTgt spid="37"/>
+                                        </p:tgtEl>
+                                        <p:attrNameLst>
+                                          <p:attrName>style.visibility</p:attrName>
+                                        </p:attrNameLst>
+                                      </p:cBhvr>
+                                      <p:to>
+                                        <p:strVal val="visible"/>
+                                      </p:to>
+                                    </p:set>
+                                  </p:childTnLst>
+                                </p:cTn>
+                              </p:par>
+                              <p:par>
+                                <p:cTn id="29" presetID="1" presetClass="entr" presetSubtype="0" fill="hold" grpId="0" nodeType="withEffect">
+                                  <p:stCondLst>
+                                    <p:cond delay="0"/>
+                                  </p:stCondLst>
+                                  <p:childTnLst>
+                                    <p:set>
+                                      <p:cBhvr>
+                                        <p:cTn id="30" dur="1" fill="hold">
+                                          <p:stCondLst>
+                                            <p:cond delay="0"/>
+                                          </p:stCondLst>
+                                        </p:cTn>
+                                        <p:tgtEl>
+                                          <p:spTgt spid="38"/>
+                                        </p:tgtEl>
+                                        <p:attrNameLst>
+                                          <p:attrName>style.visibility</p:attrName>
+                                        </p:attrNameLst>
+                                      </p:cBhvr>
+                                      <p:to>
+                                        <p:strVal val="visible"/>
+                                      </p:to>
+                                    </p:set>
+                                  </p:childTnLst>
+                                </p:cTn>
+                              </p:par>
+                            </p:childTnLst>
+                          </p:cTn>
+                        </p:par>
+                      </p:childTnLst>
+                    </p:cTn>
+                  </p:par>
+                  <p:par>
+                    <p:cTn id="31" fill="hold">
+                      <p:stCondLst>
+                        <p:cond delay="indefinite"/>
+                      </p:stCondLst>
+                      <p:childTnLst>
+                        <p:par>
+                          <p:cTn id="32" fill="hold">
+                            <p:stCondLst>
+                              <p:cond delay="0"/>
+                            </p:stCondLst>
+                            <p:childTnLst>
+                              <p:par>
+                                <p:cTn id="33" presetID="1" presetClass="entr" presetSubtype="0" fill="hold" nodeType="clickEffect">
+                                  <p:stCondLst>
+                                    <p:cond delay="0"/>
+                                  </p:stCondLst>
+                                  <p:childTnLst>
+                                    <p:set>
+                                      <p:cBhvr>
+                                        <p:cTn id="34" dur="1" fill="hold">
+                                          <p:stCondLst>
+                                            <p:cond delay="0"/>
+                                          </p:stCondLst>
+                                        </p:cTn>
+                                        <p:tgtEl>
+                                          <p:spTgt spid="42"/>
+                                        </p:tgtEl>
+                                        <p:attrNameLst>
+                                          <p:attrName>style.visibility</p:attrName>
+                                        </p:attrNameLst>
+                                      </p:cBhvr>
+                                      <p:to>
+                                        <p:strVal val="visible"/>
+                                      </p:to>
+                                    </p:set>
+                                  </p:childTnLst>
+                                </p:cTn>
+                              </p:par>
+                              <p:par>
+                                <p:cTn id="35" presetID="1" presetClass="entr" presetSubtype="0" fill="hold" grpId="0" nodeType="withEffect">
+                                  <p:stCondLst>
+                                    <p:cond delay="0"/>
+                                  </p:stCondLst>
+                                  <p:childTnLst>
+                                    <p:set>
+                                      <p:cBhvr>
+                                        <p:cTn id="36" dur="1" fill="hold">
+                                          <p:stCondLst>
+                                            <p:cond delay="0"/>
+                                          </p:stCondLst>
+                                        </p:cTn>
+                                        <p:tgtEl>
+                                          <p:spTgt spid="39"/>
+                                        </p:tgtEl>
+                                        <p:attrNameLst>
+                                          <p:attrName>style.visibility</p:attrName>
+                                        </p:attrNameLst>
+                                      </p:cBhvr>
+                                      <p:to>
+                                        <p:strVal val="visible"/>
+                                      </p:to>
+                                    </p:set>
+                                  </p:childTnLst>
+                                </p:cTn>
+                              </p:par>
+                              <p:par>
+                                <p:cTn id="37" presetID="1" presetClass="entr" presetSubtype="0" fill="hold" grpId="0" nodeType="withEffect">
+                                  <p:stCondLst>
+                                    <p:cond delay="0"/>
+                                  </p:stCondLst>
+                                  <p:childTnLst>
+                                    <p:set>
+                                      <p:cBhvr>
+                                        <p:cTn id="38" dur="1" fill="hold">
+                                          <p:stCondLst>
+                                            <p:cond delay="0"/>
+                                          </p:stCondLst>
+                                        </p:cTn>
+                                        <p:tgtEl>
+                                          <p:spTgt spid="40"/>
+                                        </p:tgtEl>
+                                        <p:attrNameLst>
+                                          <p:attrName>style.visibility</p:attrName>
+                                        </p:attrNameLst>
+                                      </p:cBhvr>
+                                      <p:to>
+                                        <p:strVal val="visible"/>
+                                      </p:to>
+                                    </p:set>
+                                  </p:childTnLst>
+                                </p:cTn>
+                              </p:par>
+                              <p:par>
+                                <p:cTn id="39" presetID="1" presetClass="entr" presetSubtype="0" fill="hold" grpId="0" nodeType="withEffect">
+                                  <p:stCondLst>
+                                    <p:cond delay="0"/>
+                                  </p:stCondLst>
+                                  <p:childTnLst>
+                                    <p:set>
+                                      <p:cBhvr>
+                                        <p:cTn id="40" dur="1" fill="hold">
+                                          <p:stCondLst>
+                                            <p:cond delay="0"/>
+                                          </p:stCondLst>
+                                        </p:cTn>
+                                        <p:tgtEl>
+                                          <p:spTgt spid="41"/>
+                                        </p:tgtEl>
+                                        <p:attrNameLst>
+                                          <p:attrName>style.visibility</p:attrName>
+                                        </p:attrNameLst>
+                                      </p:cBhvr>
+                                      <p:to>
+                                        <p:strVal val="visible"/>
+                                      </p:to>
+                                    </p:set>
+                                  </p:childTnLst>
+                                </p:cTn>
+                              </p:par>
+                            </p:childTnLst>
+                          </p:cTn>
+                        </p:par>
+                      </p:childTnLst>
+                    </p:cTn>
+                  </p:par>
+                  <p:par>
+                    <p:cTn id="41" fill="hold">
+                      <p:stCondLst>
+                        <p:cond delay="indefinite"/>
+                      </p:stCondLst>
+                      <p:childTnLst>
+                        <p:par>
+                          <p:cTn id="42" fill="hold">
+                            <p:stCondLst>
+                              <p:cond delay="0"/>
+                            </p:stCondLst>
+                            <p:childTnLst>
+                              <p:par>
+                                <p:cTn id="43" presetID="1" presetClass="entr" presetSubtype="0" fill="hold" nodeType="clickEffect">
+                                  <p:stCondLst>
+                                    <p:cond delay="0"/>
+                                  </p:stCondLst>
+                                  <p:childTnLst>
+                                    <p:set>
+                                      <p:cBhvr>
+                                        <p:cTn id="44" dur="1" fill="hold">
+                                          <p:stCondLst>
+                                            <p:cond delay="0"/>
+                                          </p:stCondLst>
+                                        </p:cTn>
+                                        <p:tgtEl>
+                                          <p:spTgt spid="50"/>
+                                        </p:tgtEl>
+                                        <p:attrNameLst>
+                                          <p:attrName>style.visibility</p:attrName>
+                                        </p:attrNameLst>
+                                      </p:cBhvr>
+                                      <p:to>
+                                        <p:strVal val="visible"/>
+                                      </p:to>
+                                    </p:set>
+                                  </p:childTnLst>
+                                </p:cTn>
+                              </p:par>
+                              <p:par>
+                                <p:cTn id="45" presetID="1" presetClass="entr" presetSubtype="0" fill="hold" grpId="0" nodeType="withEffect">
+                                  <p:stCondLst>
+                                    <p:cond delay="0"/>
+                                  </p:stCondLst>
+                                  <p:childTnLst>
+                                    <p:set>
+                                      <p:cBhvr>
+                                        <p:cTn id="46" dur="1" fill="hold">
+                                          <p:stCondLst>
+                                            <p:cond delay="0"/>
+                                          </p:stCondLst>
+                                        </p:cTn>
+                                        <p:tgtEl>
+                                          <p:spTgt spid="46"/>
+                                        </p:tgtEl>
+                                        <p:attrNameLst>
+                                          <p:attrName>style.visibility</p:attrName>
+                                        </p:attrNameLst>
+                                      </p:cBhvr>
+                                      <p:to>
+                                        <p:strVal val="visible"/>
+                                      </p:to>
+                                    </p:set>
+                                  </p:childTnLst>
+                                </p:cTn>
+                              </p:par>
+                              <p:par>
+                                <p:cTn id="47" presetID="1" presetClass="entr" presetSubtype="0" fill="hold" grpId="0" nodeType="withEffect">
+                                  <p:stCondLst>
+                                    <p:cond delay="0"/>
+                                  </p:stCondLst>
+                                  <p:childTnLst>
+                                    <p:set>
+                                      <p:cBhvr>
+                                        <p:cTn id="48" dur="1" fill="hold">
+                                          <p:stCondLst>
+                                            <p:cond delay="0"/>
+                                          </p:stCondLst>
+                                        </p:cTn>
+                                        <p:tgtEl>
+                                          <p:spTgt spid="49"/>
+                                        </p:tgtEl>
+                                        <p:attrNameLst>
+                                          <p:attrName>style.visibility</p:attrName>
+                                        </p:attrNameLst>
+                                      </p:cBhvr>
+                                      <p:to>
+                                        <p:strVal val="visible"/>
+                                      </p:to>
+                                    </p:set>
+                                  </p:childTnLst>
+                                </p:cTn>
+                              </p:par>
+                            </p:childTnLst>
+                          </p:cTn>
+                        </p:par>
+                      </p:childTnLst>
+                    </p:cTn>
+                  </p:par>
+                  <p:par>
+                    <p:cTn id="49" fill="hold">
+                      <p:stCondLst>
+                        <p:cond delay="indefinite"/>
+                      </p:stCondLst>
+                      <p:childTnLst>
+                        <p:par>
+                          <p:cTn id="50" fill="hold">
+                            <p:stCondLst>
+                              <p:cond delay="0"/>
+                            </p:stCondLst>
+                            <p:childTnLst>
+                              <p:par>
+                                <p:cTn id="51" presetID="1" presetClass="entr" presetSubtype="0" fill="hold" nodeType="clickEffect">
+                                  <p:stCondLst>
+                                    <p:cond delay="0"/>
+                                  </p:stCondLst>
+                                  <p:childTnLst>
+                                    <p:set>
+                                      <p:cBhvr>
+                                        <p:cTn id="52" dur="1" fill="hold">
+                                          <p:stCondLst>
+                                            <p:cond delay="0"/>
+                                          </p:stCondLst>
+                                        </p:cTn>
+                                        <p:tgtEl>
+                                          <p:spTgt spid="53"/>
+                                        </p:tgtEl>
+                                        <p:attrNameLst>
+                                          <p:attrName>style.visibility</p:attrName>
+                                        </p:attrNameLst>
+                                      </p:cBhvr>
+                                      <p:to>
+                                        <p:strVal val="visible"/>
+                                      </p:to>
+                                    </p:set>
+                                  </p:childTnLst>
+                                </p:cTn>
+                              </p:par>
+                              <p:par>
+                                <p:cTn id="53" presetID="1" presetClass="entr" presetSubtype="0" fill="hold" grpId="0" nodeType="withEffect">
+                                  <p:stCondLst>
+                                    <p:cond delay="0"/>
+                                  </p:stCondLst>
+                                  <p:childTnLst>
+                                    <p:set>
+                                      <p:cBhvr>
+                                        <p:cTn id="54" dur="1" fill="hold">
+                                          <p:stCondLst>
+                                            <p:cond delay="0"/>
+                                          </p:stCondLst>
+                                        </p:cTn>
+                                        <p:tgtEl>
+                                          <p:spTgt spid="47"/>
+                                        </p:tgtEl>
+                                        <p:attrNameLst>
+                                          <p:attrName>style.visibility</p:attrName>
+                                        </p:attrNameLst>
+                                      </p:cBhvr>
+                                      <p:to>
+                                        <p:strVal val="visible"/>
+                                      </p:to>
+                                    </p:set>
+                                  </p:childTnLst>
+                                </p:cTn>
+                              </p:par>
+                              <p:par>
+                                <p:cTn id="55" presetID="1" presetClass="entr" presetSubtype="0" fill="hold" grpId="0" nodeType="withEffect">
+                                  <p:stCondLst>
+                                    <p:cond delay="0"/>
+                                  </p:stCondLst>
+                                  <p:childTnLst>
+                                    <p:set>
+                                      <p:cBhvr>
+                                        <p:cTn id="56" dur="1" fill="hold">
+                                          <p:stCondLst>
+                                            <p:cond delay="0"/>
+                                          </p:stCondLst>
+                                        </p:cTn>
+                                        <p:tgtEl>
+                                          <p:spTgt spid="48"/>
+                                        </p:tgtEl>
+                                        <p:attrNameLst>
+                                          <p:attrName>style.visibility</p:attrName>
+                                        </p:attrNameLst>
+                                      </p:cBhvr>
+                                      <p:to>
+                                        <p:strVal val="visible"/>
+                                      </p:to>
+                                    </p:set>
+                                  </p:childTnLst>
+                                </p:cTn>
+                              </p:par>
+                            </p:childTnLst>
+                          </p:cTn>
+                        </p:par>
+                      </p:childTnLst>
+                    </p:cTn>
+                  </p:par>
+                  <p:par>
+                    <p:cTn id="57" fill="hold">
+                      <p:stCondLst>
+                        <p:cond delay="indefinite"/>
+                      </p:stCondLst>
+                      <p:childTnLst>
+                        <p:par>
+                          <p:cTn id="58" fill="hold">
+                            <p:stCondLst>
+                              <p:cond delay="0"/>
+                            </p:stCondLst>
+                            <p:childTnLst>
+                              <p:par>
+                                <p:cTn id="59" presetID="1" presetClass="entr" presetSubtype="0" fill="hold" nodeType="clickEffect">
+                                  <p:stCondLst>
+                                    <p:cond delay="0"/>
+                                  </p:stCondLst>
+                                  <p:childTnLst>
+                                    <p:set>
+                                      <p:cBhvr>
+                                        <p:cTn id="60" dur="1" fill="hold">
+                                          <p:stCondLst>
+                                            <p:cond delay="0"/>
+                                          </p:stCondLst>
+                                        </p:cTn>
+                                        <p:tgtEl>
+                                          <p:spTgt spid="67"/>
+                                        </p:tgtEl>
+                                        <p:attrNameLst>
+                                          <p:attrName>style.visibility</p:attrName>
+                                        </p:attrNameLst>
+                                      </p:cBhvr>
+                                      <p:to>
+                                        <p:strVal val="visible"/>
+                                      </p:to>
+                                    </p:set>
+                                  </p:childTnLst>
+                                </p:cTn>
+                              </p:par>
+                              <p:par>
+                                <p:cTn id="61" presetID="1" presetClass="entr" presetSubtype="0" fill="hold" grpId="0" nodeType="withEffect">
+                                  <p:stCondLst>
+                                    <p:cond delay="0"/>
+                                  </p:stCondLst>
+                                  <p:childTnLst>
+                                    <p:set>
+                                      <p:cBhvr>
+                                        <p:cTn id="62" dur="1" fill="hold">
+                                          <p:stCondLst>
+                                            <p:cond delay="0"/>
+                                          </p:stCondLst>
+                                        </p:cTn>
+                                        <p:tgtEl>
+                                          <p:spTgt spid="45"/>
+                                        </p:tgtEl>
+                                        <p:attrNameLst>
+                                          <p:attrName>style.visibility</p:attrName>
+                                        </p:attrNameLst>
+                                      </p:cBhvr>
+                                      <p:to>
+                                        <p:strVal val="visible"/>
+                                      </p:to>
+                                    </p:set>
+                                  </p:childTnLst>
+                                </p:cTn>
+                              </p:par>
+                              <p:par>
+                                <p:cTn id="63" presetID="1" presetClass="entr" presetSubtype="0" fill="hold" grpId="0" nodeType="withEffect">
+                                  <p:stCondLst>
+                                    <p:cond delay="0"/>
+                                  </p:stCondLst>
+                                  <p:childTnLst>
+                                    <p:set>
+                                      <p:cBhvr>
+                                        <p:cTn id="64" dur="1" fill="hold">
+                                          <p:stCondLst>
+                                            <p:cond delay="0"/>
+                                          </p:stCondLst>
+                                        </p:cTn>
+                                        <p:tgtEl>
+                                          <p:spTgt spid="85"/>
+                                        </p:tgtEl>
+                                        <p:attrNameLst>
+                                          <p:attrName>style.visibility</p:attrName>
+                                        </p:attrNameLst>
+                                      </p:cBhvr>
+                                      <p:to>
+                                        <p:strVal val="visible"/>
+                                      </p:to>
+                                    </p:set>
+                                  </p:childTnLst>
+                                </p:cTn>
+                              </p:par>
+                              <p:par>
+                                <p:cTn id="65" presetID="1" presetClass="entr" presetSubtype="0" fill="hold" grpId="0" nodeType="withEffect">
+                                  <p:stCondLst>
+                                    <p:cond delay="0"/>
+                                  </p:stCondLst>
+                                  <p:childTnLst>
+                                    <p:set>
+                                      <p:cBhvr>
+                                        <p:cTn id="66" dur="1" fill="hold">
+                                          <p:stCondLst>
+                                            <p:cond delay="0"/>
+                                          </p:stCondLst>
+                                        </p:cTn>
+                                        <p:tgtEl>
+                                          <p:spTgt spid="59"/>
+                                        </p:tgtEl>
+                                        <p:attrNameLst>
+                                          <p:attrName>style.visibility</p:attrName>
+                                        </p:attrNameLst>
+                                      </p:cBhvr>
+                                      <p:to>
+                                        <p:strVal val="visible"/>
+                                      </p:to>
+                                    </p:set>
+                                  </p:childTnLst>
+                                </p:cTn>
+                              </p:par>
+                              <p:par>
+                                <p:cTn id="67" presetID="1" presetClass="entr" presetSubtype="0" fill="hold" grpId="0" nodeType="withEffect">
+                                  <p:stCondLst>
+                                    <p:cond delay="0"/>
+                                  </p:stCondLst>
+                                  <p:childTnLst>
+                                    <p:set>
+                                      <p:cBhvr>
+                                        <p:cTn id="68" dur="1" fill="hold">
+                                          <p:stCondLst>
+                                            <p:cond delay="0"/>
+                                          </p:stCondLst>
+                                        </p:cTn>
+                                        <p:tgtEl>
+                                          <p:spTgt spid="58"/>
+                                        </p:tgtEl>
+                                        <p:attrNameLst>
+                                          <p:attrName>style.visibility</p:attrName>
+                                        </p:attrNameLst>
+                                      </p:cBhvr>
+                                      <p:to>
+                                        <p:strVal val="visible"/>
+                                      </p:to>
+                                    </p:set>
+                                  </p:childTnLst>
+                                </p:cTn>
+                              </p:par>
+                              <p:par>
+                                <p:cTn id="69" presetID="1" presetClass="entr" presetSubtype="0" fill="hold" grpId="0" nodeType="withEffect">
+                                  <p:stCondLst>
+                                    <p:cond delay="0"/>
+                                  </p:stCondLst>
+                                  <p:childTnLst>
+                                    <p:set>
+                                      <p:cBhvr>
+                                        <p:cTn id="70" dur="1" fill="hold">
+                                          <p:stCondLst>
+                                            <p:cond delay="0"/>
+                                          </p:stCondLst>
+                                        </p:cTn>
+                                        <p:tgtEl>
+                                          <p:spTgt spid="88"/>
+                                        </p:tgtEl>
+                                        <p:attrNameLst>
+                                          <p:attrName>style.visibility</p:attrName>
+                                        </p:attrNameLst>
+                                      </p:cBhvr>
+                                      <p:to>
+                                        <p:strVal val="visible"/>
+                                      </p:to>
+                                    </p:set>
+                                  </p:childTnLst>
+                                </p:cTn>
+                              </p:par>
+                              <p:par>
+                                <p:cTn id="71" presetID="1" presetClass="entr" presetSubtype="0" fill="hold" grpId="0" nodeType="withEffect">
+                                  <p:stCondLst>
+                                    <p:cond delay="0"/>
+                                  </p:stCondLst>
+                                  <p:childTnLst>
+                                    <p:set>
+                                      <p:cBhvr>
+                                        <p:cTn id="72" dur="1" fill="hold">
+                                          <p:stCondLst>
+                                            <p:cond delay="0"/>
+                                          </p:stCondLst>
+                                        </p:cTn>
+                                        <p:tgtEl>
+                                          <p:spTgt spid="57"/>
+                                        </p:tgtEl>
+                                        <p:attrNameLst>
+                                          <p:attrName>style.visibility</p:attrName>
+                                        </p:attrNameLst>
+                                      </p:cBhvr>
+                                      <p:to>
+                                        <p:strVal val="visible"/>
+                                      </p:to>
+                                    </p:set>
+                                  </p:childTnLst>
+                                </p:cTn>
+                              </p:par>
+                            </p:childTnLst>
+                          </p:cTn>
+                        </p:par>
+                      </p:childTnLst>
+                    </p:cTn>
+                  </p:par>
+                  <p:par>
+                    <p:cTn id="73" fill="hold">
+                      <p:stCondLst>
+                        <p:cond delay="indefinite"/>
+                      </p:stCondLst>
+                      <p:childTnLst>
+                        <p:par>
+                          <p:cTn id="74" fill="hold">
+                            <p:stCondLst>
+                              <p:cond delay="0"/>
+                            </p:stCondLst>
+                            <p:childTnLst>
+                              <p:par>
+                                <p:cTn id="75" presetID="1" presetClass="entr" presetSubtype="0" fill="hold" nodeType="clickEffect">
+                                  <p:stCondLst>
+                                    <p:cond delay="0"/>
+                                  </p:stCondLst>
+                                  <p:childTnLst>
+                                    <p:set>
+                                      <p:cBhvr>
+                                        <p:cTn id="76" dur="1" fill="hold">
+                                          <p:stCondLst>
+                                            <p:cond delay="0"/>
+                                          </p:stCondLst>
+                                        </p:cTn>
+                                        <p:tgtEl>
+                                          <p:spTgt spid="72"/>
+                                        </p:tgtEl>
+                                        <p:attrNameLst>
+                                          <p:attrName>style.visibility</p:attrName>
+                                        </p:attrNameLst>
+                                      </p:cBhvr>
+                                      <p:to>
+                                        <p:strVal val="visible"/>
+                                      </p:to>
+                                    </p:set>
+                                  </p:childTnLst>
+                                </p:cTn>
+                              </p:par>
+                              <p:par>
+                                <p:cTn id="77" presetID="1" presetClass="entr" presetSubtype="0" fill="hold" grpId="0" nodeType="withEffect">
+                                  <p:stCondLst>
+                                    <p:cond delay="0"/>
+                                  </p:stCondLst>
+                                  <p:childTnLst>
+                                    <p:set>
+                                      <p:cBhvr>
+                                        <p:cTn id="78" dur="1" fill="hold">
+                                          <p:stCondLst>
+                                            <p:cond delay="0"/>
+                                          </p:stCondLst>
+                                        </p:cTn>
+                                        <p:tgtEl>
+                                          <p:spTgt spid="70"/>
+                                        </p:tgtEl>
+                                        <p:attrNameLst>
+                                          <p:attrName>style.visibility</p:attrName>
+                                        </p:attrNameLst>
+                                      </p:cBhvr>
+                                      <p:to>
+                                        <p:strVal val="visible"/>
+                                      </p:to>
+                                    </p:set>
+                                  </p:childTnLst>
+                                </p:cTn>
+                              </p:par>
+                            </p:childTnLst>
+                          </p:cTn>
+                        </p:par>
+                      </p:childTnLst>
+                    </p:cTn>
+                  </p:par>
+                  <p:par>
+                    <p:cTn id="79" fill="hold">
+                      <p:stCondLst>
+                        <p:cond delay="indefinite"/>
+                      </p:stCondLst>
+                      <p:childTnLst>
+                        <p:par>
+                          <p:cTn id="80" fill="hold">
+                            <p:stCondLst>
+                              <p:cond delay="0"/>
+                            </p:stCondLst>
+                            <p:childTnLst>
+                              <p:par>
+                                <p:cTn id="81" presetID="1" presetClass="entr" presetSubtype="0" fill="hold" nodeType="clickEffect">
+                                  <p:stCondLst>
+                                    <p:cond delay="0"/>
+                                  </p:stCondLst>
+                                  <p:childTnLst>
+                                    <p:set>
+                                      <p:cBhvr>
+                                        <p:cTn id="82" dur="1" fill="hold">
+                                          <p:stCondLst>
+                                            <p:cond delay="0"/>
+                                          </p:stCondLst>
+                                        </p:cTn>
+                                        <p:tgtEl>
+                                          <p:spTgt spid="76"/>
+                                        </p:tgtEl>
+                                        <p:attrNameLst>
+                                          <p:attrName>style.visibility</p:attrName>
+                                        </p:attrNameLst>
+                                      </p:cBhvr>
+                                      <p:to>
+                                        <p:strVal val="visible"/>
+                                      </p:to>
+                                    </p:set>
+                                  </p:childTnLst>
+                                </p:cTn>
+                              </p:par>
+                              <p:par>
+                                <p:cTn id="83" presetID="1" presetClass="entr" presetSubtype="0" fill="hold" nodeType="withEffect">
+                                  <p:stCondLst>
+                                    <p:cond delay="0"/>
+                                  </p:stCondLst>
+                                  <p:childTnLst>
+                                    <p:set>
+                                      <p:cBhvr>
+                                        <p:cTn id="84" dur="1" fill="hold">
+                                          <p:stCondLst>
+                                            <p:cond delay="0"/>
+                                          </p:stCondLst>
+                                        </p:cTn>
+                                        <p:tgtEl>
+                                          <p:spTgt spid="91"/>
+                                        </p:tgtEl>
+                                        <p:attrNameLst>
+                                          <p:attrName>style.visibility</p:attrName>
+                                        </p:attrNameLst>
+                                      </p:cBhvr>
+                                      <p:to>
+                                        <p:strVal val="visible"/>
+                                      </p:to>
+                                    </p:set>
+                                  </p:childTnLst>
+                                </p:cTn>
+                              </p:par>
+                              <p:par>
+                                <p:cTn id="85" presetID="1" presetClass="entr" presetSubtype="0" fill="hold" grpId="0" nodeType="withEffect">
+                                  <p:stCondLst>
+                                    <p:cond delay="0"/>
+                                  </p:stCondLst>
+                                  <p:childTnLst>
+                                    <p:set>
+                                      <p:cBhvr>
+                                        <p:cTn id="86" dur="1" fill="hold">
+                                          <p:stCondLst>
+                                            <p:cond delay="0"/>
+                                          </p:stCondLst>
+                                        </p:cTn>
+                                        <p:tgtEl>
+                                          <p:spTgt spid="71"/>
+                                        </p:tgtEl>
+                                        <p:attrNameLst>
+                                          <p:attrName>style.visibility</p:attrName>
+                                        </p:attrNameLst>
+                                      </p:cBhvr>
+                                      <p:to>
+                                        <p:strVal val="visible"/>
+                                      </p:to>
+                                    </p:set>
+                                  </p:childTnLst>
+                                </p:cTn>
+                              </p:par>
+                            </p:childTnLst>
+                          </p:cTn>
+                        </p:par>
+                      </p:childTnLst>
+                    </p:cTn>
+                  </p:par>
+                  <p:par>
+                    <p:cTn id="87" fill="hold">
+                      <p:stCondLst>
+                        <p:cond delay="indefinite"/>
+                      </p:stCondLst>
+                      <p:childTnLst>
+                        <p:par>
+                          <p:cTn id="88" fill="hold">
+                            <p:stCondLst>
+                              <p:cond delay="0"/>
+                            </p:stCondLst>
+                            <p:childTnLst>
+                              <p:par>
+                                <p:cTn id="89" presetID="1" presetClass="entr" presetSubtype="0" fill="hold" nodeType="clickEffect">
+                                  <p:stCondLst>
+                                    <p:cond delay="0"/>
+                                  </p:stCondLst>
+                                  <p:childTnLst>
+                                    <p:set>
+                                      <p:cBhvr>
+                                        <p:cTn id="90" dur="1" fill="hold">
+                                          <p:stCondLst>
+                                            <p:cond delay="0"/>
+                                          </p:stCondLst>
+                                        </p:cTn>
+                                        <p:tgtEl>
+                                          <p:spTgt spid="82"/>
+                                        </p:tgtEl>
+                                        <p:attrNameLst>
+                                          <p:attrName>style.visibility</p:attrName>
+                                        </p:attrNameLst>
+                                      </p:cBhvr>
+                                      <p:to>
+                                        <p:strVal val="visible"/>
+                                      </p:to>
+                                    </p:set>
+                                  </p:childTnLst>
+                                </p:cTn>
+                              </p:par>
+                              <p:par>
+                                <p:cTn id="91" presetID="1" presetClass="entr" presetSubtype="0" fill="hold" grpId="0" nodeType="withEffect">
+                                  <p:stCondLst>
+                                    <p:cond delay="0"/>
+                                  </p:stCondLst>
+                                  <p:childTnLst>
+                                    <p:set>
+                                      <p:cBhvr>
+                                        <p:cTn id="92" dur="1" fill="hold">
+                                          <p:stCondLst>
+                                            <p:cond delay="0"/>
+                                          </p:stCondLst>
+                                        </p:cTn>
+                                        <p:tgtEl>
+                                          <p:spTgt spid="81"/>
+                                        </p:tgtEl>
+                                        <p:attrNameLst>
+                                          <p:attrName>style.visibility</p:attrName>
+                                        </p:attrNameLst>
+                                      </p:cBhvr>
+                                      <p:to>
+                                        <p:strVal val="visible"/>
+                                      </p:to>
+                                    </p:set>
+                                  </p:childTnLst>
+                                </p:cTn>
+                              </p:par>
+                            </p:childTnLst>
+                          </p:cTn>
+                        </p:par>
+                      </p:childTnLst>
+                    </p:cTn>
+                  </p:par>
+                </p:childTnLst>
+              </p:cTn>
+              <p:prevCondLst>
+                <p:cond evt="onPrev" delay="0">
+                  <p:tgtEl>
+                    <p:sldTgt/>
+                  </p:tgtEl>
+                </p:cond>
+              </p:prevCondLst>
+              <p:nextCondLst>
+                <p:cond evt="onNext" delay="0">
+                  <p:tgtEl>
+                    <p:sldTgt/>
+                  </p:tgtEl>
+                </p:cond>
+              </p:nextCondLst>
+            </p:seq>
+          </p:childTnLst>
+        </p:cTn>
+      </p:par>
+    </p:tnLst>
+    <p:bldLst>
+      <p:bldP spid="85" grpId="0" animBg="1"/>
+      <p:bldP spid="48" grpId="0" animBg="1"/>
+      <p:bldP spid="29" grpId="0" animBg="1"/>
+      <p:bldP spid="8" grpId="0" animBg="1"/>
+      <p:bldP spid="10" grpId="0" animBg="1"/>
+      <p:bldP spid="11" grpId="0" animBg="1"/>
+      <p:bldP spid="30" grpId="0" animBg="1"/>
+      <p:bldP spid="31" grpId="0" animBg="1"/>
+      <p:bldP spid="32" grpId="0" animBg="1"/>
+      <p:bldP spid="37" grpId="0" animBg="1"/>
+      <p:bldP spid="38" grpId="0" animBg="1"/>
+      <p:bldP spid="39" grpId="0" animBg="1"/>
+      <p:bldP spid="40" grpId="0" animBg="1"/>
+      <p:bldP spid="41" grpId="0" animBg="1"/>
+      <p:bldP spid="45" grpId="0" animBg="1"/>
+      <p:bldP spid="46" grpId="0" animBg="1"/>
+      <p:bldP spid="47" grpId="0" animBg="1"/>
+      <p:bldP spid="49" grpId="0" animBg="1"/>
+      <p:bldP spid="57" grpId="0" animBg="1"/>
+      <p:bldP spid="58" grpId="0" animBg="1"/>
+      <p:bldP spid="59" grpId="0" animBg="1"/>
+      <p:bldP spid="70" grpId="0" animBg="1"/>
+      <p:bldP spid="71" grpId="0" animBg="1"/>
+      <p:bldP spid="81" grpId="0" animBg="1"/>
+      <p:bldP spid="88" grpId="0" animBg="1"/>
+    </p:bldLst>
+  </p:timing>
+</p:sld>
+</file>
+
+<file path=ppt/slides/slide5.xml><?xml version="1.0" encoding="utf-8"?>
 <p:sld xmlns:a="http://schemas.openxmlformats.org/drawingml/2006/main" xmlns:r="http://schemas.openxmlformats.org/officeDocument/2006/relationships" xmlns:p="http://schemas.openxmlformats.org/presentationml/2006/main">
   <p:cSld>
     <p:bg>
@@ -4371,6 +12791,125 @@
       </p:grpSpPr>
       <p:sp>
         <p:nvSpPr>
+          <p:cNvPr id="3" name="Content Placeholder 2">
+            <a:extLst>
+              <a:ext uri="{FF2B5EF4-FFF2-40B4-BE49-F238E27FC236}">
+                <a16:creationId xmlns:a16="http://schemas.microsoft.com/office/drawing/2014/main" id="{9F42A1A2-9253-4B67-9A38-03B19247BE8F}"/>
+              </a:ext>
+            </a:extLst>
+          </p:cNvPr>
+          <p:cNvSpPr>
+            <a:spLocks noGrp="1"/>
+          </p:cNvSpPr>
+          <p:nvPr>
+            <p:ph idx="1"/>
+          </p:nvPr>
+        </p:nvSpPr>
+        <p:spPr/>
+        <p:txBody>
+          <a:bodyPr>
+            <a:normAutofit/>
+          </a:bodyPr>
+          <a:lstStyle/>
+          <a:p>
+            <a:r>
+              <a:rPr lang="es-CO" sz="2400" dirty="0"/>
+              <a:t>108 cases </a:t>
+            </a:r>
+            <a:r>
+              <a:rPr lang="es-CO" sz="2400" dirty="0" err="1"/>
+              <a:t>evaluated</a:t>
+            </a:r>
+            <a:endParaRPr lang="es-CO" sz="2400" dirty="0"/>
+          </a:p>
+          <a:p>
+            <a:pPr lvl="1"/>
+            <a:r>
+              <a:rPr lang="es-CO" sz="2000" dirty="0"/>
+              <a:t>3 </a:t>
+            </a:r>
+            <a:r>
+              <a:rPr lang="es-CO" sz="2000" dirty="0" err="1"/>
+              <a:t>filter</a:t>
+            </a:r>
+            <a:r>
+              <a:rPr lang="es-CO" sz="2000" dirty="0"/>
+              <a:t> cases</a:t>
+            </a:r>
+          </a:p>
+          <a:p>
+            <a:pPr lvl="1"/>
+            <a:r>
+              <a:rPr lang="es-CO" sz="2000" dirty="0"/>
+              <a:t>2 </a:t>
+            </a:r>
+            <a:r>
+              <a:rPr lang="es-CO" sz="2000" dirty="0" err="1"/>
+              <a:t>norm</a:t>
+            </a:r>
+            <a:r>
+              <a:rPr lang="es-CO" sz="2000" dirty="0"/>
+              <a:t> cases</a:t>
+            </a:r>
+          </a:p>
+          <a:p>
+            <a:pPr lvl="1"/>
+            <a:r>
+              <a:rPr lang="es-CO" sz="2000" dirty="0"/>
+              <a:t>3 </a:t>
+            </a:r>
+            <a:r>
+              <a:rPr lang="es-CO" sz="2000" dirty="0" err="1"/>
+              <a:t>different</a:t>
+            </a:r>
+            <a:r>
+              <a:rPr lang="es-CO" sz="2000" dirty="0"/>
+              <a:t> PCA </a:t>
+            </a:r>
+            <a:r>
+              <a:rPr lang="es-CO" sz="2000" dirty="0" err="1"/>
+              <a:t>dimensions</a:t>
+            </a:r>
+            <a:endParaRPr lang="es-CO" sz="2000" dirty="0"/>
+          </a:p>
+          <a:p>
+            <a:pPr lvl="1"/>
+            <a:r>
+              <a:rPr lang="es-CO" sz="2000" dirty="0"/>
+              <a:t>2 n_estimators </a:t>
+            </a:r>
+            <a:r>
+              <a:rPr lang="es-CO" sz="2000" dirty="0" err="1"/>
+              <a:t>alternatives</a:t>
+            </a:r>
+            <a:endParaRPr lang="es-CO" sz="2000" dirty="0"/>
+          </a:p>
+          <a:p>
+            <a:pPr lvl="1"/>
+            <a:r>
+              <a:rPr lang="es-CO" sz="2000" dirty="0"/>
+              <a:t>3 max_depth </a:t>
+            </a:r>
+            <a:r>
+              <a:rPr lang="es-CO" sz="2000" dirty="0" err="1"/>
+              <a:t>alternatives</a:t>
+            </a:r>
+            <a:endParaRPr lang="es-CO" sz="2000" dirty="0"/>
+          </a:p>
+          <a:p>
+            <a:pPr lvl="1"/>
+            <a:endParaRPr lang="es-CO" sz="2000" dirty="0"/>
+          </a:p>
+          <a:p>
+            <a:pPr marL="0" indent="0">
+              <a:buNone/>
+            </a:pPr>
+            <a:endParaRPr lang="en-US" sz="2400" dirty="0"/>
+          </a:p>
+        </p:txBody>
+      </p:sp>
+      <p:sp>
+        <p:nvSpPr>
           <p:cNvPr id="15" name="Title 14">
             <a:extLst>
               <a:ext uri="{FF2B5EF4-FFF2-40B4-BE49-F238E27FC236}">
@@ -4395,25 +12934,129 @@
           <a:bodyPr/>
           <a:lstStyle/>
           <a:p>
+            <a:r>
+              <a:rPr lang="en-US" b="1" dirty="0"/>
+              <a:t>Results</a:t>
+            </a:r>
+          </a:p>
+        </p:txBody>
+      </p:sp>
+      <p:sp>
+        <p:nvSpPr>
+          <p:cNvPr id="11" name="Date Placeholder 10">
+            <a:extLst>
+              <a:ext uri="{FF2B5EF4-FFF2-40B4-BE49-F238E27FC236}">
+                <a16:creationId xmlns:a16="http://schemas.microsoft.com/office/drawing/2014/main" id="{184BB2BE-83D0-4AC1-B60F-E672D2FE19BA}"/>
+              </a:ext>
+            </a:extLst>
+          </p:cNvPr>
+          <p:cNvSpPr>
+            <a:spLocks noGrp="1"/>
+          </p:cNvSpPr>
+          <p:nvPr>
+            <p:ph type="dt" sz="half" idx="10"/>
+          </p:nvPr>
+        </p:nvSpPr>
+        <p:spPr>
+          <a:xfrm>
+            <a:off x="838200" y="6438953"/>
+            <a:ext cx="2743200" cy="365125"/>
+          </a:xfrm>
+        </p:spPr>
+        <p:txBody>
+          <a:bodyPr/>
+          <a:lstStyle/>
+          <a:p>
+            <a:fld id="{92C16DDF-001A-45BC-8843-7D1A898A2F6A}" type="datetime1">
+              <a:rPr lang="de-DE" smtClean="0"/>
+              <a:t>06.04.2019</a:t>
+            </a:fld>
             <a:endParaRPr lang="en-US" dirty="0"/>
+          </a:p>
+        </p:txBody>
+      </p:sp>
+      <p:sp>
+        <p:nvSpPr>
+          <p:cNvPr id="13" name="Footer Placeholder 12">
+            <a:extLst>
+              <a:ext uri="{FF2B5EF4-FFF2-40B4-BE49-F238E27FC236}">
+                <a16:creationId xmlns:a16="http://schemas.microsoft.com/office/drawing/2014/main" id="{BF531AD1-D3F6-449D-9A71-0AB43C798BE0}"/>
+              </a:ext>
+            </a:extLst>
+          </p:cNvPr>
+          <p:cNvSpPr>
+            <a:spLocks noGrp="1"/>
+          </p:cNvSpPr>
+          <p:nvPr>
+            <p:ph type="ftr" sz="quarter" idx="11"/>
+          </p:nvPr>
+        </p:nvSpPr>
+        <p:spPr>
+          <a:xfrm>
+            <a:off x="4038600" y="6438953"/>
+            <a:ext cx="4114800" cy="365125"/>
+          </a:xfrm>
+        </p:spPr>
+        <p:txBody>
+          <a:bodyPr/>
+          <a:lstStyle/>
+          <a:p>
+            <a:r>
+              <a:rPr lang="fr-FR"/>
+              <a:t>Daniel F. Perez Ramirez | Combient Challenge</a:t>
+            </a:r>
+            <a:endParaRPr lang="en-US" dirty="0"/>
+          </a:p>
+        </p:txBody>
+      </p:sp>
+      <p:sp>
+        <p:nvSpPr>
+          <p:cNvPr id="16" name="Slide Number Placeholder 15">
+            <a:extLst>
+              <a:ext uri="{FF2B5EF4-FFF2-40B4-BE49-F238E27FC236}">
+                <a16:creationId xmlns:a16="http://schemas.microsoft.com/office/drawing/2014/main" id="{088A2EC8-66B7-497A-BD0A-54DB35C93062}"/>
+              </a:ext>
+            </a:extLst>
+          </p:cNvPr>
+          <p:cNvSpPr>
+            <a:spLocks noGrp="1"/>
+          </p:cNvSpPr>
+          <p:nvPr>
+            <p:ph type="sldNum" sz="quarter" idx="12"/>
+          </p:nvPr>
+        </p:nvSpPr>
+        <p:spPr>
+          <a:xfrm>
+            <a:off x="8610600" y="6438953"/>
+            <a:ext cx="2743200" cy="365125"/>
+          </a:xfrm>
+        </p:spPr>
+        <p:txBody>
+          <a:bodyPr/>
+          <a:lstStyle/>
+          <a:p>
+            <a:fld id="{29C669B8-FD6D-4BB9-80BA-EA9A87DAE2F8}" type="slidenum">
+              <a:rPr lang="en-US" smtClean="0"/>
+              <a:pPr/>
+              <a:t>5</a:t>
+            </a:fld>
+            <a:endParaRPr lang="en-US"/>
           </a:p>
         </p:txBody>
       </p:sp>
       <p:pic>
         <p:nvPicPr>
-          <p:cNvPr id="14" name="Content Placeholder 3">
-            <a:extLst>
-              <a:ext uri="{FF2B5EF4-FFF2-40B4-BE49-F238E27FC236}">
-                <a16:creationId xmlns:a16="http://schemas.microsoft.com/office/drawing/2014/main" id="{10FE840E-B55F-4C40-8F7E-3A678E8288EF}"/>
+          <p:cNvPr id="5" name="Picture 4">
+            <a:extLst>
+              <a:ext uri="{FF2B5EF4-FFF2-40B4-BE49-F238E27FC236}">
+                <a16:creationId xmlns:a16="http://schemas.microsoft.com/office/drawing/2014/main" id="{20FCC4D0-97D9-40CA-8832-EB0BE352BFD3}"/>
               </a:ext>
             </a:extLst>
           </p:cNvPr>
           <p:cNvPicPr>
-            <a:picLocks noGrp="1" noChangeAspect="1"/>
+            <a:picLocks noChangeAspect="1"/>
           </p:cNvPicPr>
-          <p:nvPr>
-            <p:ph idx="1"/>
-          </p:nvPr>
+          <p:nvPr/>
         </p:nvPicPr>
         <p:blipFill>
           <a:blip r:embed="rId2"/>
@@ -4423,8 +13066,8 @@
         </p:blipFill>
         <p:spPr>
           <a:xfrm>
-            <a:off x="1262744" y="2078231"/>
-            <a:ext cx="3088741" cy="2241221"/>
+            <a:off x="5221338" y="2010196"/>
+            <a:ext cx="5864123" cy="3836211"/>
           </a:xfrm>
           <a:prstGeom prst="rect">
             <a:avLst/>
@@ -4433,113 +13076,45 @@
       </p:pic>
       <p:sp>
         <p:nvSpPr>
-          <p:cNvPr id="11" name="Date Placeholder 10">
-            <a:extLst>
-              <a:ext uri="{FF2B5EF4-FFF2-40B4-BE49-F238E27FC236}">
-                <a16:creationId xmlns:a16="http://schemas.microsoft.com/office/drawing/2014/main" id="{184BB2BE-83D0-4AC1-B60F-E672D2FE19BA}"/>
-              </a:ext>
-            </a:extLst>
-          </p:cNvPr>
-          <p:cNvSpPr>
-            <a:spLocks noGrp="1"/>
-          </p:cNvSpPr>
-          <p:nvPr>
-            <p:ph type="dt" sz="half" idx="10"/>
-          </p:nvPr>
+          <p:cNvPr id="6" name="TextBox 5">
+            <a:extLst>
+              <a:ext uri="{FF2B5EF4-FFF2-40B4-BE49-F238E27FC236}">
+                <a16:creationId xmlns:a16="http://schemas.microsoft.com/office/drawing/2014/main" id="{9199747C-7A69-4E86-AE2D-16BDF5F4BE91}"/>
+              </a:ext>
+            </a:extLst>
+          </p:cNvPr>
+          <p:cNvSpPr txBox="1"/>
+          <p:nvPr/>
         </p:nvSpPr>
         <p:spPr>
           <a:xfrm>
-            <a:off x="838200" y="6438953"/>
-            <a:ext cx="2743200" cy="365125"/>
-          </a:xfrm>
-        </p:spPr>
-        <p:txBody>
-          <a:bodyPr/>
+            <a:off x="6095999" y="1610086"/>
+            <a:ext cx="5374511" cy="400110"/>
+          </a:xfrm>
+          <a:prstGeom prst="rect">
+            <a:avLst/>
+          </a:prstGeom>
+          <a:noFill/>
+        </p:spPr>
+        <p:txBody>
+          <a:bodyPr wrap="square" rtlCol="0">
+            <a:spAutoFit/>
+          </a:bodyPr>
           <a:lstStyle/>
           <a:p>
-            <a:fld id="{92C16DDF-001A-45BC-8843-7D1A898A2F6A}" type="datetime1">
-              <a:rPr lang="de-DE" smtClean="0"/>
-              <a:t>05.04.2019</a:t>
-            </a:fld>
-            <a:endParaRPr lang="en-US" dirty="0"/>
-          </a:p>
-        </p:txBody>
-      </p:sp>
-      <p:sp>
-        <p:nvSpPr>
-          <p:cNvPr id="13" name="Footer Placeholder 12">
-            <a:extLst>
-              <a:ext uri="{FF2B5EF4-FFF2-40B4-BE49-F238E27FC236}">
-                <a16:creationId xmlns:a16="http://schemas.microsoft.com/office/drawing/2014/main" id="{BF531AD1-D3F6-449D-9A71-0AB43C798BE0}"/>
-              </a:ext>
-            </a:extLst>
-          </p:cNvPr>
-          <p:cNvSpPr>
-            <a:spLocks noGrp="1"/>
-          </p:cNvSpPr>
-          <p:nvPr>
-            <p:ph type="ftr" sz="quarter" idx="11"/>
-          </p:nvPr>
-        </p:nvSpPr>
-        <p:spPr>
-          <a:xfrm>
-            <a:off x="4038600" y="6438953"/>
-            <a:ext cx="4114800" cy="365125"/>
-          </a:xfrm>
-        </p:spPr>
-        <p:txBody>
-          <a:bodyPr/>
-          <a:lstStyle/>
-          <a:p>
-            <a:r>
-              <a:rPr lang="fr-FR"/>
-              <a:t>Daniel F. Perez Ramirez | Combient Challenge</a:t>
-            </a:r>
-            <a:endParaRPr lang="en-US" dirty="0"/>
-          </a:p>
-        </p:txBody>
-      </p:sp>
-      <p:sp>
-        <p:nvSpPr>
-          <p:cNvPr id="16" name="Slide Number Placeholder 15">
-            <a:extLst>
-              <a:ext uri="{FF2B5EF4-FFF2-40B4-BE49-F238E27FC236}">
-                <a16:creationId xmlns:a16="http://schemas.microsoft.com/office/drawing/2014/main" id="{088A2EC8-66B7-497A-BD0A-54DB35C93062}"/>
-              </a:ext>
-            </a:extLst>
-          </p:cNvPr>
-          <p:cNvSpPr>
-            <a:spLocks noGrp="1"/>
-          </p:cNvSpPr>
-          <p:nvPr>
-            <p:ph type="sldNum" sz="quarter" idx="12"/>
-          </p:nvPr>
-        </p:nvSpPr>
-        <p:spPr>
-          <a:xfrm>
-            <a:off x="8610600" y="6438953"/>
-            <a:ext cx="2743200" cy="365125"/>
-          </a:xfrm>
-        </p:spPr>
-        <p:txBody>
-          <a:bodyPr/>
-          <a:lstStyle/>
-          <a:p>
-            <a:fld id="{29C669B8-FD6D-4BB9-80BA-EA9A87DAE2F8}" type="slidenum">
-              <a:rPr lang="en-US" smtClean="0"/>
-              <a:pPr/>
-              <a:t>2</a:t>
-            </a:fld>
-            <a:endParaRPr lang="en-US"/>
+            <a:r>
+              <a:rPr lang="en-US" sz="2000" b="1" dirty="0"/>
+              <a:t>Cross-Validation Results Best Performing model</a:t>
+            </a:r>
           </a:p>
         </p:txBody>
       </p:sp>
       <p:pic>
         <p:nvPicPr>
-          <p:cNvPr id="4" name="Picture 3">
-            <a:extLst>
-              <a:ext uri="{FF2B5EF4-FFF2-40B4-BE49-F238E27FC236}">
-                <a16:creationId xmlns:a16="http://schemas.microsoft.com/office/drawing/2014/main" id="{C3D4A792-E8F1-4CA7-B9A4-AF90311570D6}"/>
+          <p:cNvPr id="7" name="Picture 6">
+            <a:extLst>
+              <a:ext uri="{FF2B5EF4-FFF2-40B4-BE49-F238E27FC236}">
+                <a16:creationId xmlns:a16="http://schemas.microsoft.com/office/drawing/2014/main" id="{C996B054-49CD-4019-AEE8-6FCED5E1DD78}"/>
               </a:ext>
             </a:extLst>
           </p:cNvPr>
@@ -4556,18 +13131,667 @@
         </p:blipFill>
         <p:spPr>
           <a:xfrm>
-            <a:off x="4676638" y="2078231"/>
-            <a:ext cx="3088742" cy="2203515"/>
+            <a:off x="1011579" y="4388782"/>
+            <a:ext cx="4381500" cy="1409700"/>
           </a:xfrm>
           <a:prstGeom prst="rect">
             <a:avLst/>
           </a:prstGeom>
         </p:spPr>
       </p:pic>
+      <p:sp>
+        <p:nvSpPr>
+          <p:cNvPr id="17" name="TextBox 16">
+            <a:extLst>
+              <a:ext uri="{FF2B5EF4-FFF2-40B4-BE49-F238E27FC236}">
+                <a16:creationId xmlns:a16="http://schemas.microsoft.com/office/drawing/2014/main" id="{33198122-FB3C-45D8-93E2-5771FCCF5ECE}"/>
+              </a:ext>
+            </a:extLst>
+          </p:cNvPr>
+          <p:cNvSpPr txBox="1"/>
+          <p:nvPr/>
+        </p:nvSpPr>
+        <p:spPr>
+          <a:xfrm>
+            <a:off x="1011579" y="3959992"/>
+            <a:ext cx="5374511" cy="400110"/>
+          </a:xfrm>
+          <a:prstGeom prst="rect">
+            <a:avLst/>
+          </a:prstGeom>
+          <a:noFill/>
+        </p:spPr>
+        <p:txBody>
+          <a:bodyPr wrap="square" rtlCol="0">
+            <a:spAutoFit/>
+          </a:bodyPr>
+          <a:lstStyle/>
+          <a:p>
+            <a:r>
+              <a:rPr lang="en-US" sz="2000" b="1" dirty="0"/>
+              <a:t>Best performing RF model</a:t>
+            </a:r>
+          </a:p>
+        </p:txBody>
+      </p:sp>
     </p:spTree>
     <p:extLst>
       <p:ext uri="{BB962C8B-B14F-4D97-AF65-F5344CB8AC3E}">
         <p14:creationId xmlns:p14="http://schemas.microsoft.com/office/powerpoint/2010/main" val="1130896025"/>
+      </p:ext>
+    </p:extLst>
+  </p:cSld>
+  <p:clrMapOvr>
+    <a:masterClrMapping/>
+  </p:clrMapOvr>
+</p:sld>
+</file>
+
+<file path=ppt/slides/slide6.xml><?xml version="1.0" encoding="utf-8"?>
+<p:sld xmlns:a="http://schemas.openxmlformats.org/drawingml/2006/main" xmlns:r="http://schemas.openxmlformats.org/officeDocument/2006/relationships" xmlns:p="http://schemas.openxmlformats.org/presentationml/2006/main">
+  <p:cSld>
+    <p:spTree>
+      <p:nvGrpSpPr>
+        <p:cNvPr id="1" name=""/>
+        <p:cNvGrpSpPr/>
+        <p:nvPr/>
+      </p:nvGrpSpPr>
+      <p:grpSpPr>
+        <a:xfrm>
+          <a:off x="0" y="0"/>
+          <a:ext cx="0" cy="0"/>
+          <a:chOff x="0" y="0"/>
+          <a:chExt cx="0" cy="0"/>
+        </a:xfrm>
+      </p:grpSpPr>
+      <p:sp>
+        <p:nvSpPr>
+          <p:cNvPr id="2" name="Title 1">
+            <a:extLst>
+              <a:ext uri="{FF2B5EF4-FFF2-40B4-BE49-F238E27FC236}">
+                <a16:creationId xmlns:a16="http://schemas.microsoft.com/office/drawing/2014/main" id="{110B15CF-8370-48CD-9356-B8880E5AD03F}"/>
+              </a:ext>
+            </a:extLst>
+          </p:cNvPr>
+          <p:cNvSpPr>
+            <a:spLocks noGrp="1"/>
+          </p:cNvSpPr>
+          <p:nvPr>
+            <p:ph type="title"/>
+          </p:nvPr>
+        </p:nvSpPr>
+        <p:spPr/>
+        <p:txBody>
+          <a:bodyPr/>
+          <a:lstStyle/>
+          <a:p>
+            <a:r>
+              <a:rPr lang="en-US" b="1" dirty="0"/>
+              <a:t>Further Steps</a:t>
+            </a:r>
+          </a:p>
+        </p:txBody>
+      </p:sp>
+      <p:sp>
+        <p:nvSpPr>
+          <p:cNvPr id="3" name="Content Placeholder 2">
+            <a:extLst>
+              <a:ext uri="{FF2B5EF4-FFF2-40B4-BE49-F238E27FC236}">
+                <a16:creationId xmlns:a16="http://schemas.microsoft.com/office/drawing/2014/main" id="{C4FC4509-3187-4817-B202-0DC8DB0F334B}"/>
+              </a:ext>
+            </a:extLst>
+          </p:cNvPr>
+          <p:cNvSpPr>
+            <a:spLocks noGrp="1"/>
+          </p:cNvSpPr>
+          <p:nvPr>
+            <p:ph idx="1"/>
+          </p:nvPr>
+        </p:nvSpPr>
+        <p:spPr/>
+        <p:txBody>
+          <a:bodyPr/>
+          <a:lstStyle/>
+          <a:p>
+            <a:pPr>
+              <a:spcAft>
+                <a:spcPts val="1800"/>
+              </a:spcAft>
+            </a:pPr>
+            <a:r>
+              <a:rPr lang="en-US" dirty="0"/>
+              <a:t>Deeper feature engineering</a:t>
+            </a:r>
+          </a:p>
+          <a:p>
+            <a:r>
+              <a:rPr lang="en-US" dirty="0"/>
+              <a:t>Try different ensemble methods or classifiers</a:t>
+            </a:r>
+          </a:p>
+          <a:p>
+            <a:pPr lvl="1">
+              <a:spcAft>
+                <a:spcPts val="1800"/>
+              </a:spcAft>
+            </a:pPr>
+            <a:r>
+              <a:rPr lang="en-US" dirty="0"/>
+              <a:t>Replace the classifier</a:t>
+            </a:r>
+          </a:p>
+          <a:p>
+            <a:pPr>
+              <a:spcAft>
+                <a:spcPts val="1800"/>
+              </a:spcAft>
+            </a:pPr>
+            <a:r>
+              <a:rPr lang="en-US" dirty="0"/>
+              <a:t>Try other oversampling methods, possible combined with under-sampling of majority class</a:t>
+            </a:r>
+          </a:p>
+          <a:p>
+            <a:pPr marL="0" indent="0">
+              <a:spcAft>
+                <a:spcPts val="1800"/>
+              </a:spcAft>
+              <a:buNone/>
+            </a:pPr>
+            <a:endParaRPr lang="en-US" dirty="0"/>
+          </a:p>
+          <a:p>
+            <a:r>
+              <a:rPr lang="en-US" dirty="0"/>
+              <a:t>Perform wider parameter search in PCA and model parameters</a:t>
+            </a:r>
+          </a:p>
+          <a:p>
+            <a:endParaRPr lang="en-US" dirty="0"/>
+          </a:p>
+        </p:txBody>
+      </p:sp>
+      <p:sp>
+        <p:nvSpPr>
+          <p:cNvPr id="4" name="Date Placeholder 3">
+            <a:extLst>
+              <a:ext uri="{FF2B5EF4-FFF2-40B4-BE49-F238E27FC236}">
+                <a16:creationId xmlns:a16="http://schemas.microsoft.com/office/drawing/2014/main" id="{BD736A9F-E3C9-4491-B375-26A3587932C1}"/>
+              </a:ext>
+            </a:extLst>
+          </p:cNvPr>
+          <p:cNvSpPr>
+            <a:spLocks noGrp="1"/>
+          </p:cNvSpPr>
+          <p:nvPr>
+            <p:ph type="dt" sz="half" idx="10"/>
+          </p:nvPr>
+        </p:nvSpPr>
+        <p:spPr/>
+        <p:txBody>
+          <a:bodyPr/>
+          <a:lstStyle/>
+          <a:p>
+            <a:fld id="{F64A956B-0A9E-4726-8DC0-243CDBACFE3D}" type="datetime1">
+              <a:rPr lang="de-DE" smtClean="0"/>
+              <a:t>06.04.2019</a:t>
+            </a:fld>
+            <a:endParaRPr lang="en-US" dirty="0"/>
+          </a:p>
+        </p:txBody>
+      </p:sp>
+      <p:sp>
+        <p:nvSpPr>
+          <p:cNvPr id="5" name="Footer Placeholder 4">
+            <a:extLst>
+              <a:ext uri="{FF2B5EF4-FFF2-40B4-BE49-F238E27FC236}">
+                <a16:creationId xmlns:a16="http://schemas.microsoft.com/office/drawing/2014/main" id="{BE3C649A-A3D3-429A-AABD-F318C3C3E49B}"/>
+              </a:ext>
+            </a:extLst>
+          </p:cNvPr>
+          <p:cNvSpPr>
+            <a:spLocks noGrp="1"/>
+          </p:cNvSpPr>
+          <p:nvPr>
+            <p:ph type="ftr" sz="quarter" idx="11"/>
+          </p:nvPr>
+        </p:nvSpPr>
+        <p:spPr/>
+        <p:txBody>
+          <a:bodyPr/>
+          <a:lstStyle/>
+          <a:p>
+            <a:r>
+              <a:rPr lang="fr-FR"/>
+              <a:t>Daniel F. Perez Ramirez | Combient Challenge</a:t>
+            </a:r>
+            <a:endParaRPr lang="en-US" dirty="0"/>
+          </a:p>
+        </p:txBody>
+      </p:sp>
+      <p:sp>
+        <p:nvSpPr>
+          <p:cNvPr id="6" name="Slide Number Placeholder 5">
+            <a:extLst>
+              <a:ext uri="{FF2B5EF4-FFF2-40B4-BE49-F238E27FC236}">
+                <a16:creationId xmlns:a16="http://schemas.microsoft.com/office/drawing/2014/main" id="{78DD4C5E-E303-47EB-86F0-1A1133235146}"/>
+              </a:ext>
+            </a:extLst>
+          </p:cNvPr>
+          <p:cNvSpPr>
+            <a:spLocks noGrp="1"/>
+          </p:cNvSpPr>
+          <p:nvPr>
+            <p:ph type="sldNum" sz="quarter" idx="12"/>
+          </p:nvPr>
+        </p:nvSpPr>
+        <p:spPr/>
+        <p:txBody>
+          <a:bodyPr/>
+          <a:lstStyle/>
+          <a:p>
+            <a:fld id="{29C669B8-FD6D-4BB9-80BA-EA9A87DAE2F8}" type="slidenum">
+              <a:rPr lang="en-US" smtClean="0"/>
+              <a:pPr/>
+              <a:t>6</a:t>
+            </a:fld>
+            <a:endParaRPr lang="en-US"/>
+          </a:p>
+        </p:txBody>
+      </p:sp>
+      <p:pic>
+        <p:nvPicPr>
+          <p:cNvPr id="7" name="Picture 6">
+            <a:extLst>
+              <a:ext uri="{FF2B5EF4-FFF2-40B4-BE49-F238E27FC236}">
+                <a16:creationId xmlns:a16="http://schemas.microsoft.com/office/drawing/2014/main" id="{C87ACF33-52F6-452D-8956-66844DFC62AA}"/>
+              </a:ext>
+            </a:extLst>
+          </p:cNvPr>
+          <p:cNvPicPr>
+            <a:picLocks noChangeAspect="1"/>
+          </p:cNvPicPr>
+          <p:nvPr/>
+        </p:nvPicPr>
+        <p:blipFill>
+          <a:blip r:embed="rId2"/>
+          <a:stretch>
+            <a:fillRect/>
+          </a:stretch>
+        </p:blipFill>
+        <p:spPr>
+          <a:xfrm>
+            <a:off x="7965070" y="2044921"/>
+            <a:ext cx="2647950" cy="1117606"/>
+          </a:xfrm>
+          <a:prstGeom prst="rect">
+            <a:avLst/>
+          </a:prstGeom>
+        </p:spPr>
+      </p:pic>
+      <p:sp>
+        <p:nvSpPr>
+          <p:cNvPr id="8" name="Rectangle 7">
+            <a:extLst>
+              <a:ext uri="{FF2B5EF4-FFF2-40B4-BE49-F238E27FC236}">
+                <a16:creationId xmlns:a16="http://schemas.microsoft.com/office/drawing/2014/main" id="{66A1A1A0-D2BD-4502-B202-F25D335BAE70}"/>
+              </a:ext>
+            </a:extLst>
+          </p:cNvPr>
+          <p:cNvSpPr/>
+          <p:nvPr/>
+        </p:nvSpPr>
+        <p:spPr>
+          <a:xfrm>
+            <a:off x="9829800" y="2778760"/>
+            <a:ext cx="645160" cy="228600"/>
+          </a:xfrm>
+          <a:prstGeom prst="rect">
+            <a:avLst/>
+          </a:prstGeom>
+          <a:noFill/>
+          <a:ln w="28575">
+            <a:solidFill>
+              <a:srgbClr val="FF0000"/>
+            </a:solidFill>
+          </a:ln>
+        </p:spPr>
+        <p:style>
+          <a:lnRef idx="2">
+            <a:schemeClr val="accent1">
+              <a:shade val="50000"/>
+            </a:schemeClr>
+          </a:lnRef>
+          <a:fillRef idx="1">
+            <a:schemeClr val="accent1"/>
+          </a:fillRef>
+          <a:effectRef idx="0">
+            <a:schemeClr val="accent1"/>
+          </a:effectRef>
+          <a:fontRef idx="minor">
+            <a:schemeClr val="lt1"/>
+          </a:fontRef>
+        </p:style>
+        <p:txBody>
+          <a:bodyPr rtlCol="0" anchor="ctr"/>
+          <a:lstStyle/>
+          <a:p>
+            <a:pPr algn="ctr"/>
+            <a:endParaRPr lang="en-US"/>
+          </a:p>
+        </p:txBody>
+      </p:sp>
+      <p:pic>
+        <p:nvPicPr>
+          <p:cNvPr id="9" name="Picture 8">
+            <a:extLst>
+              <a:ext uri="{FF2B5EF4-FFF2-40B4-BE49-F238E27FC236}">
+                <a16:creationId xmlns:a16="http://schemas.microsoft.com/office/drawing/2014/main" id="{2ED81DEF-37FD-4E65-B48F-64CE83F599F9}"/>
+              </a:ext>
+            </a:extLst>
+          </p:cNvPr>
+          <p:cNvPicPr>
+            <a:picLocks noChangeAspect="1"/>
+          </p:cNvPicPr>
+          <p:nvPr/>
+        </p:nvPicPr>
+        <p:blipFill>
+          <a:blip r:embed="rId2"/>
+          <a:stretch>
+            <a:fillRect/>
+          </a:stretch>
+        </p:blipFill>
+        <p:spPr>
+          <a:xfrm>
+            <a:off x="7965070" y="3975321"/>
+            <a:ext cx="2647950" cy="1117606"/>
+          </a:xfrm>
+          <a:prstGeom prst="rect">
+            <a:avLst/>
+          </a:prstGeom>
+        </p:spPr>
+      </p:pic>
+      <p:sp>
+        <p:nvSpPr>
+          <p:cNvPr id="10" name="Rectangle 9">
+            <a:extLst>
+              <a:ext uri="{FF2B5EF4-FFF2-40B4-BE49-F238E27FC236}">
+                <a16:creationId xmlns:a16="http://schemas.microsoft.com/office/drawing/2014/main" id="{53E25C7D-B081-49D2-886E-E78FE01BB0C8}"/>
+              </a:ext>
+            </a:extLst>
+          </p:cNvPr>
+          <p:cNvSpPr/>
+          <p:nvPr/>
+        </p:nvSpPr>
+        <p:spPr>
+          <a:xfrm>
+            <a:off x="9911080" y="4272280"/>
+            <a:ext cx="645160" cy="228600"/>
+          </a:xfrm>
+          <a:prstGeom prst="rect">
+            <a:avLst/>
+          </a:prstGeom>
+          <a:noFill/>
+          <a:ln w="28575">
+            <a:solidFill>
+              <a:srgbClr val="FF0000"/>
+            </a:solidFill>
+          </a:ln>
+        </p:spPr>
+        <p:style>
+          <a:lnRef idx="2">
+            <a:schemeClr val="accent1">
+              <a:shade val="50000"/>
+            </a:schemeClr>
+          </a:lnRef>
+          <a:fillRef idx="1">
+            <a:schemeClr val="accent1"/>
+          </a:fillRef>
+          <a:effectRef idx="0">
+            <a:schemeClr val="accent1"/>
+          </a:effectRef>
+          <a:fontRef idx="minor">
+            <a:schemeClr val="lt1"/>
+          </a:fontRef>
+        </p:style>
+        <p:txBody>
+          <a:bodyPr rtlCol="0" anchor="ctr"/>
+          <a:lstStyle/>
+          <a:p>
+            <a:pPr algn="ctr"/>
+            <a:endParaRPr lang="en-US"/>
+          </a:p>
+        </p:txBody>
+      </p:sp>
+    </p:spTree>
+    <p:extLst>
+      <p:ext uri="{BB962C8B-B14F-4D97-AF65-F5344CB8AC3E}">
+        <p14:creationId xmlns:p14="http://schemas.microsoft.com/office/powerpoint/2010/main" val="8018654"/>
+      </p:ext>
+    </p:extLst>
+  </p:cSld>
+  <p:clrMapOvr>
+    <a:masterClrMapping/>
+  </p:clrMapOvr>
+</p:sld>
+</file>
+
+<file path=ppt/slides/slide7.xml><?xml version="1.0" encoding="utf-8"?>
+<p:sld xmlns:a="http://schemas.openxmlformats.org/drawingml/2006/main" xmlns:r="http://schemas.openxmlformats.org/officeDocument/2006/relationships" xmlns:p="http://schemas.openxmlformats.org/presentationml/2006/main">
+  <p:cSld>
+    <p:spTree>
+      <p:nvGrpSpPr>
+        <p:cNvPr id="1" name=""/>
+        <p:cNvGrpSpPr/>
+        <p:nvPr/>
+      </p:nvGrpSpPr>
+      <p:grpSpPr>
+        <a:xfrm>
+          <a:off x="0" y="0"/>
+          <a:ext cx="0" cy="0"/>
+          <a:chOff x="0" y="0"/>
+          <a:chExt cx="0" cy="0"/>
+        </a:xfrm>
+      </p:grpSpPr>
+      <p:sp>
+        <p:nvSpPr>
+          <p:cNvPr id="2" name="Date Placeholder 1">
+            <a:extLst>
+              <a:ext uri="{FF2B5EF4-FFF2-40B4-BE49-F238E27FC236}">
+                <a16:creationId xmlns:a16="http://schemas.microsoft.com/office/drawing/2014/main" id="{5CC2BF9A-ED99-48C3-9E40-B7F71C935EEA}"/>
+              </a:ext>
+            </a:extLst>
+          </p:cNvPr>
+          <p:cNvSpPr>
+            <a:spLocks noGrp="1"/>
+          </p:cNvSpPr>
+          <p:nvPr>
+            <p:ph type="dt" sz="half" idx="4294967295"/>
+          </p:nvPr>
+        </p:nvSpPr>
+        <p:spPr>
+          <a:xfrm>
+            <a:off x="838200" y="6356350"/>
+            <a:ext cx="2743200" cy="365125"/>
+          </a:xfrm>
+        </p:spPr>
+        <p:txBody>
+          <a:bodyPr/>
+          <a:lstStyle/>
+          <a:p>
+            <a:fld id="{8627F439-3C56-499D-8AA0-71143A11A204}" type="datetime1">
+              <a:rPr lang="de-DE" smtClean="0"/>
+              <a:t>05.04.2019</a:t>
+            </a:fld>
+            <a:endParaRPr lang="en-US"/>
+          </a:p>
+        </p:txBody>
+      </p:sp>
+      <p:sp>
+        <p:nvSpPr>
+          <p:cNvPr id="3" name="Footer Placeholder 2">
+            <a:extLst>
+              <a:ext uri="{FF2B5EF4-FFF2-40B4-BE49-F238E27FC236}">
+                <a16:creationId xmlns:a16="http://schemas.microsoft.com/office/drawing/2014/main" id="{3C0D2244-E86C-4DE4-9194-348C5B29A8A7}"/>
+              </a:ext>
+            </a:extLst>
+          </p:cNvPr>
+          <p:cNvSpPr>
+            <a:spLocks noGrp="1"/>
+          </p:cNvSpPr>
+          <p:nvPr>
+            <p:ph type="ftr" sz="quarter" idx="4294967295"/>
+          </p:nvPr>
+        </p:nvSpPr>
+        <p:spPr>
+          <a:xfrm>
+            <a:off x="4038600" y="6356350"/>
+            <a:ext cx="4114800" cy="365125"/>
+          </a:xfrm>
+        </p:spPr>
+        <p:txBody>
+          <a:bodyPr/>
+          <a:lstStyle/>
+          <a:p>
+            <a:r>
+              <a:rPr lang="fr-FR"/>
+              <a:t>Daniel F. Perez Ramirez | Combient Challenge</a:t>
+            </a:r>
+            <a:endParaRPr lang="en-US"/>
+          </a:p>
+        </p:txBody>
+      </p:sp>
+      <p:sp>
+        <p:nvSpPr>
+          <p:cNvPr id="4" name="Slide Number Placeholder 3">
+            <a:extLst>
+              <a:ext uri="{FF2B5EF4-FFF2-40B4-BE49-F238E27FC236}">
+                <a16:creationId xmlns:a16="http://schemas.microsoft.com/office/drawing/2014/main" id="{4A39FFDB-A29D-47F4-9961-3AD7C856186B}"/>
+              </a:ext>
+            </a:extLst>
+          </p:cNvPr>
+          <p:cNvSpPr>
+            <a:spLocks noGrp="1"/>
+          </p:cNvSpPr>
+          <p:nvPr>
+            <p:ph type="sldNum" sz="quarter" idx="4294967295"/>
+          </p:nvPr>
+        </p:nvSpPr>
+        <p:spPr>
+          <a:xfrm>
+            <a:off x="8610600" y="6356350"/>
+            <a:ext cx="2743200" cy="365125"/>
+          </a:xfrm>
+        </p:spPr>
+        <p:txBody>
+          <a:bodyPr/>
+          <a:lstStyle/>
+          <a:p>
+            <a:fld id="{29C669B8-FD6D-4BB9-80BA-EA9A87DAE2F8}" type="slidenum">
+              <a:rPr lang="en-US" smtClean="0"/>
+              <a:t>7</a:t>
+            </a:fld>
+            <a:endParaRPr lang="en-US"/>
+          </a:p>
+        </p:txBody>
+      </p:sp>
+      <p:sp>
+        <p:nvSpPr>
+          <p:cNvPr id="5" name="TextBox 4">
+            <a:extLst>
+              <a:ext uri="{FF2B5EF4-FFF2-40B4-BE49-F238E27FC236}">
+                <a16:creationId xmlns:a16="http://schemas.microsoft.com/office/drawing/2014/main" id="{788DB8B7-236C-4F2A-AE5B-C61EC48F47EF}"/>
+              </a:ext>
+            </a:extLst>
+          </p:cNvPr>
+          <p:cNvSpPr txBox="1"/>
+          <p:nvPr/>
+        </p:nvSpPr>
+        <p:spPr>
+          <a:xfrm>
+            <a:off x="838200" y="2942898"/>
+            <a:ext cx="6032938" cy="2985433"/>
+          </a:xfrm>
+          <a:prstGeom prst="rect">
+            <a:avLst/>
+          </a:prstGeom>
+          <a:noFill/>
+        </p:spPr>
+        <p:txBody>
+          <a:bodyPr wrap="square" rtlCol="0">
+            <a:spAutoFit/>
+          </a:bodyPr>
+          <a:lstStyle/>
+          <a:p>
+            <a:r>
+              <a:rPr lang="en-US" sz="8000" b="1" dirty="0">
+                <a:solidFill>
+                  <a:schemeClr val="bg1"/>
+                </a:solidFill>
+              </a:rPr>
+              <a:t>Q&amp;A</a:t>
+            </a:r>
+          </a:p>
+          <a:p>
+            <a:endParaRPr lang="en-US" dirty="0"/>
+          </a:p>
+          <a:p>
+            <a:endParaRPr lang="en-US" dirty="0"/>
+          </a:p>
+          <a:p>
+            <a:endParaRPr lang="en-US" dirty="0"/>
+          </a:p>
+          <a:p>
+            <a:r>
+              <a:rPr lang="en-US" sz="1600" dirty="0">
+                <a:solidFill>
+                  <a:schemeClr val="bg1"/>
+                </a:solidFill>
+              </a:rPr>
+              <a:t>Daniel F. Perez-Ramirez</a:t>
+            </a:r>
+          </a:p>
+          <a:p>
+            <a:r>
+              <a:rPr lang="en-US" sz="1600" dirty="0">
+                <a:solidFill>
+                  <a:schemeClr val="bg1"/>
+                </a:solidFill>
+                <a:hlinkClick r:id="rId2">
+                  <a:extLst>
+                    <a:ext uri="{A12FA001-AC4F-418D-AE19-62706E023703}">
+                      <ahyp:hlinkClr xmlns:ahyp="http://schemas.microsoft.com/office/drawing/2018/hyperlinkcolor" val="tx"/>
+                    </a:ext>
+                  </a:extLst>
+                </a:hlinkClick>
+              </a:rPr>
+              <a:t>daniel.perez@tum.de</a:t>
+            </a:r>
+            <a:r>
+              <a:rPr lang="en-US" sz="1600" dirty="0">
+                <a:solidFill>
+                  <a:schemeClr val="bg1"/>
+                </a:solidFill>
+              </a:rPr>
+              <a:t> </a:t>
+            </a:r>
+          </a:p>
+          <a:p>
+            <a:r>
+              <a:rPr lang="en-US" sz="1600" dirty="0">
+                <a:solidFill>
+                  <a:schemeClr val="bg1"/>
+                </a:solidFill>
+              </a:rPr>
+              <a:t>+4917657832515</a:t>
+            </a:r>
+          </a:p>
+        </p:txBody>
+      </p:sp>
+    </p:spTree>
+    <p:extLst>
+      <p:ext uri="{BB962C8B-B14F-4D97-AF65-F5344CB8AC3E}">
+        <p14:creationId xmlns:p14="http://schemas.microsoft.com/office/powerpoint/2010/main" val="3341979196"/>
       </p:ext>
     </p:extLst>
   </p:cSld>
